--- a/15-svg-filter-text-wave/15.pptx
+++ b/15-svg-filter-text-wave/15.pptx
@@ -5,21 +5,22 @@
     <p:sldMasterId id="2147483648" r:id="rId1"/>
   </p:sldMasterIdLst>
   <p:notesMasterIdLst>
-    <p:notesMasterId r:id="rId14"/>
+    <p:notesMasterId r:id="rId15"/>
   </p:notesMasterIdLst>
   <p:sldIdLst>
     <p:sldId id="256" r:id="rId2"/>
     <p:sldId id="257" r:id="rId3"/>
     <p:sldId id="258" r:id="rId4"/>
     <p:sldId id="396" r:id="rId5"/>
-    <p:sldId id="390" r:id="rId6"/>
-    <p:sldId id="391" r:id="rId7"/>
-    <p:sldId id="392" r:id="rId8"/>
-    <p:sldId id="393" r:id="rId9"/>
-    <p:sldId id="394" r:id="rId10"/>
-    <p:sldId id="395" r:id="rId11"/>
-    <p:sldId id="389" r:id="rId12"/>
-    <p:sldId id="345" r:id="rId13"/>
+    <p:sldId id="397" r:id="rId6"/>
+    <p:sldId id="390" r:id="rId7"/>
+    <p:sldId id="398" r:id="rId8"/>
+    <p:sldId id="391" r:id="rId9"/>
+    <p:sldId id="399" r:id="rId10"/>
+    <p:sldId id="392" r:id="rId11"/>
+    <p:sldId id="400" r:id="rId12"/>
+    <p:sldId id="393" r:id="rId13"/>
+    <p:sldId id="345" r:id="rId14"/>
   </p:sldIdLst>
   <p:sldSz cx="9144000" cy="6858000" type="screen4x3"/>
   <p:notesSz cx="6858000" cy="9144000"/>
@@ -120,7 +121,7 @@
   </p:defaultTextStyle>
   <p:extLst>
     <p:ext uri="{EFAFB233-063F-42B5-8137-9DF3F51BA10A}">
-      <p15:sldGuideLst xmlns="" xmlns:p15="http://schemas.microsoft.com/office/powerpoint/2012/main">
+      <p15:sldGuideLst xmlns:p15="http://schemas.microsoft.com/office/powerpoint/2012/main" xmlns="">
         <p15:guide id="1" orient="horz" pos="2160">
           <p15:clr>
             <a:srgbClr val="A4A3A4"/>
@@ -219,7 +220,7 @@
           <a:p>
             <a:fld id="{918C987C-5DAD-4601-B625-55A3208473B0}" type="datetimeFigureOut">
               <a:rPr lang="zh-CN" altLang="en-US" smtClean="0"/>
-              <a:t>2018/8/1</a:t>
+              <a:t>2018/8/2</a:t>
             </a:fld>
             <a:endParaRPr lang="zh-CN" altLang="en-US"/>
           </a:p>
@@ -668,7 +669,7 @@
           <a:p>
             <a:fld id="{17C7C8FB-1C37-4023-AA22-09D5A8E13DCF}" type="datetimeFigureOut">
               <a:rPr lang="zh-CN" altLang="en-US" smtClean="0"/>
-              <a:t>2018/8/1</a:t>
+              <a:t>2018/8/2</a:t>
             </a:fld>
             <a:endParaRPr lang="zh-CN" altLang="en-US"/>
           </a:p>
@@ -838,7 +839,7 @@
           <a:p>
             <a:fld id="{17C7C8FB-1C37-4023-AA22-09D5A8E13DCF}" type="datetimeFigureOut">
               <a:rPr lang="zh-CN" altLang="en-US" smtClean="0"/>
-              <a:t>2018/8/1</a:t>
+              <a:t>2018/8/2</a:t>
             </a:fld>
             <a:endParaRPr lang="zh-CN" altLang="en-US"/>
           </a:p>
@@ -1018,7 +1019,7 @@
           <a:p>
             <a:fld id="{17C7C8FB-1C37-4023-AA22-09D5A8E13DCF}" type="datetimeFigureOut">
               <a:rPr lang="zh-CN" altLang="en-US" smtClean="0"/>
-              <a:t>2018/8/1</a:t>
+              <a:t>2018/8/2</a:t>
             </a:fld>
             <a:endParaRPr lang="zh-CN" altLang="en-US"/>
           </a:p>
@@ -1188,7 +1189,7 @@
           <a:p>
             <a:fld id="{17C7C8FB-1C37-4023-AA22-09D5A8E13DCF}" type="datetimeFigureOut">
               <a:rPr lang="zh-CN" altLang="en-US" smtClean="0"/>
-              <a:t>2018/8/1</a:t>
+              <a:t>2018/8/2</a:t>
             </a:fld>
             <a:endParaRPr lang="zh-CN" altLang="en-US"/>
           </a:p>
@@ -1434,7 +1435,7 @@
           <a:p>
             <a:fld id="{17C7C8FB-1C37-4023-AA22-09D5A8E13DCF}" type="datetimeFigureOut">
               <a:rPr lang="zh-CN" altLang="en-US" smtClean="0"/>
-              <a:t>2018/8/1</a:t>
+              <a:t>2018/8/2</a:t>
             </a:fld>
             <a:endParaRPr lang="zh-CN" altLang="en-US"/>
           </a:p>
@@ -1722,7 +1723,7 @@
           <a:p>
             <a:fld id="{17C7C8FB-1C37-4023-AA22-09D5A8E13DCF}" type="datetimeFigureOut">
               <a:rPr lang="zh-CN" altLang="en-US" smtClean="0"/>
-              <a:t>2018/8/1</a:t>
+              <a:t>2018/8/2</a:t>
             </a:fld>
             <a:endParaRPr lang="zh-CN" altLang="en-US"/>
           </a:p>
@@ -2144,7 +2145,7 @@
           <a:p>
             <a:fld id="{17C7C8FB-1C37-4023-AA22-09D5A8E13DCF}" type="datetimeFigureOut">
               <a:rPr lang="zh-CN" altLang="en-US" smtClean="0"/>
-              <a:t>2018/8/1</a:t>
+              <a:t>2018/8/2</a:t>
             </a:fld>
             <a:endParaRPr lang="zh-CN" altLang="en-US"/>
           </a:p>
@@ -2262,7 +2263,7 @@
           <a:p>
             <a:fld id="{17C7C8FB-1C37-4023-AA22-09D5A8E13DCF}" type="datetimeFigureOut">
               <a:rPr lang="zh-CN" altLang="en-US" smtClean="0"/>
-              <a:t>2018/8/1</a:t>
+              <a:t>2018/8/2</a:t>
             </a:fld>
             <a:endParaRPr lang="zh-CN" altLang="en-US"/>
           </a:p>
@@ -2357,7 +2358,7 @@
           <a:p>
             <a:fld id="{17C7C8FB-1C37-4023-AA22-09D5A8E13DCF}" type="datetimeFigureOut">
               <a:rPr lang="zh-CN" altLang="en-US" smtClean="0"/>
-              <a:t>2018/8/1</a:t>
+              <a:t>2018/8/2</a:t>
             </a:fld>
             <a:endParaRPr lang="zh-CN" altLang="en-US"/>
           </a:p>
@@ -2634,7 +2635,7 @@
           <a:p>
             <a:fld id="{17C7C8FB-1C37-4023-AA22-09D5A8E13DCF}" type="datetimeFigureOut">
               <a:rPr lang="zh-CN" altLang="en-US" smtClean="0"/>
-              <a:t>2018/8/1</a:t>
+              <a:t>2018/8/2</a:t>
             </a:fld>
             <a:endParaRPr lang="zh-CN" altLang="en-US"/>
           </a:p>
@@ -2887,7 +2888,7 @@
           <a:p>
             <a:fld id="{17C7C8FB-1C37-4023-AA22-09D5A8E13DCF}" type="datetimeFigureOut">
               <a:rPr lang="zh-CN" altLang="en-US" smtClean="0"/>
-              <a:t>2018/8/1</a:t>
+              <a:t>2018/8/2</a:t>
             </a:fld>
             <a:endParaRPr lang="zh-CN" altLang="en-US"/>
           </a:p>
@@ -3100,7 +3101,7 @@
           <a:p>
             <a:fld id="{17C7C8FB-1C37-4023-AA22-09D5A8E13DCF}" type="datetimeFigureOut">
               <a:rPr lang="zh-CN" altLang="en-US" smtClean="0"/>
-              <a:t>2018/8/1</a:t>
+              <a:t>2018/8/2</a:t>
             </a:fld>
             <a:endParaRPr lang="zh-CN" altLang="en-US"/>
           </a:p>
@@ -3768,6 +3769,290 @@
           <a:chExt cx="0" cy="0"/>
         </a:xfrm>
       </p:grpSpPr>
+      <p:pic>
+        <p:nvPicPr>
+          <p:cNvPr id="2" name="图片 1" descr="屏幕剪辑"/>
+          <p:cNvPicPr>
+            <a:picLocks noChangeAspect="1"/>
+          </p:cNvPicPr>
+          <p:nvPr/>
+        </p:nvPicPr>
+        <p:blipFill>
+          <a:blip r:embed="rId2">
+            <a:extLst>
+              <a:ext uri="{28A0092B-C50C-407E-A947-70E740481C1C}">
+                <a14:useLocalDpi xmlns:a14="http://schemas.microsoft.com/office/drawing/2010/main" val="0"/>
+              </a:ext>
+            </a:extLst>
+          </a:blip>
+          <a:stretch>
+            <a:fillRect/>
+          </a:stretch>
+        </p:blipFill>
+        <p:spPr>
+          <a:xfrm>
+            <a:off x="1681686" y="764704"/>
+            <a:ext cx="2886478" cy="905001"/>
+          </a:xfrm>
+          <a:prstGeom prst="rect">
+            <a:avLst/>
+          </a:prstGeom>
+          <a:ln>
+            <a:noFill/>
+          </a:ln>
+          <a:effectLst>
+            <a:softEdge rad="112500"/>
+          </a:effectLst>
+        </p:spPr>
+      </p:pic>
+      <p:pic>
+        <p:nvPicPr>
+          <p:cNvPr id="4" name="图片 3" descr="屏幕剪辑"/>
+          <p:cNvPicPr>
+            <a:picLocks noChangeAspect="1"/>
+          </p:cNvPicPr>
+          <p:nvPr/>
+        </p:nvPicPr>
+        <p:blipFill>
+          <a:blip r:embed="rId3">
+            <a:extLst>
+              <a:ext uri="{28A0092B-C50C-407E-A947-70E740481C1C}">
+                <a14:useLocalDpi xmlns:a14="http://schemas.microsoft.com/office/drawing/2010/main" val="0"/>
+              </a:ext>
+            </a:extLst>
+          </a:blip>
+          <a:stretch>
+            <a:fillRect/>
+          </a:stretch>
+        </p:blipFill>
+        <p:spPr>
+          <a:xfrm>
+            <a:off x="5220072" y="775823"/>
+            <a:ext cx="2450302" cy="903600"/>
+          </a:xfrm>
+          <a:prstGeom prst="rect">
+            <a:avLst/>
+          </a:prstGeom>
+          <a:ln>
+            <a:noFill/>
+          </a:ln>
+          <a:effectLst>
+            <a:softEdge rad="112500"/>
+          </a:effectLst>
+        </p:spPr>
+      </p:pic>
+      <p:sp>
+        <p:nvSpPr>
+          <p:cNvPr id="5" name="圆角矩形标注 4"/>
+          <p:cNvSpPr/>
+          <p:nvPr/>
+        </p:nvSpPr>
+        <p:spPr>
+          <a:xfrm>
+            <a:off x="2195736" y="1988840"/>
+            <a:ext cx="2160240" cy="648072"/>
+          </a:xfrm>
+          <a:prstGeom prst="wedgeRoundRectCallout">
+            <a:avLst>
+              <a:gd name="adj1" fmla="val -28425"/>
+              <a:gd name="adj2" fmla="val -90713"/>
+              <a:gd name="adj3" fmla="val 16667"/>
+            </a:avLst>
+          </a:prstGeom>
+        </p:spPr>
+        <p:style>
+          <a:lnRef idx="2">
+            <a:schemeClr val="accent5"/>
+          </a:lnRef>
+          <a:fillRef idx="1">
+            <a:schemeClr val="lt1"/>
+          </a:fillRef>
+          <a:effectRef idx="0">
+            <a:schemeClr val="accent5"/>
+          </a:effectRef>
+          <a:fontRef idx="minor">
+            <a:schemeClr val="dk1"/>
+          </a:fontRef>
+        </p:style>
+        <p:txBody>
+          <a:bodyPr rtlCol="0" anchor="ctr"/>
+          <a:lstStyle/>
+          <a:p>
+            <a:pPr algn="ctr"/>
+            <a:r>
+              <a:rPr lang="zh-CN" altLang="en-US" sz="2000" dirty="0" smtClean="0">
+                <a:solidFill>
+                  <a:schemeClr val="tx1">
+                    <a:lumMod val="75000"/>
+                    <a:lumOff val="25000"/>
+                  </a:schemeClr>
+                </a:solidFill>
+                <a:latin typeface="微软雅黑" pitchFamily="34" charset="-122"/>
+                <a:ea typeface="微软雅黑" pitchFamily="34" charset="-122"/>
+              </a:rPr>
+              <a:t>噪声频率</a:t>
+            </a:r>
+            <a:r>
+              <a:rPr lang="en-US" altLang="zh-CN" sz="2000" dirty="0" smtClean="0">
+                <a:solidFill>
+                  <a:schemeClr val="tx1">
+                    <a:lumMod val="75000"/>
+                    <a:lumOff val="25000"/>
+                  </a:schemeClr>
+                </a:solidFill>
+                <a:latin typeface="微软雅黑" pitchFamily="34" charset="-122"/>
+                <a:ea typeface="微软雅黑" pitchFamily="34" charset="-122"/>
+              </a:rPr>
+              <a:t>0.01</a:t>
+            </a:r>
+          </a:p>
+          <a:p>
+            <a:pPr algn="ctr"/>
+            <a:r>
+              <a:rPr lang="en-US" altLang="zh-CN" sz="2000" dirty="0">
+                <a:solidFill>
+                  <a:schemeClr val="tx1">
+                    <a:lumMod val="75000"/>
+                    <a:lumOff val="25000"/>
+                  </a:schemeClr>
+                </a:solidFill>
+                <a:latin typeface="微软雅黑" pitchFamily="34" charset="-122"/>
+                <a:ea typeface="微软雅黑" pitchFamily="34" charset="-122"/>
+              </a:rPr>
+              <a:t>s</a:t>
+            </a:r>
+            <a:r>
+              <a:rPr lang="en-US" altLang="zh-CN" sz="2000" dirty="0" smtClean="0">
+                <a:solidFill>
+                  <a:schemeClr val="tx1">
+                    <a:lumMod val="75000"/>
+                    <a:lumOff val="25000"/>
+                  </a:schemeClr>
+                </a:solidFill>
+                <a:latin typeface="微软雅黑" pitchFamily="34" charset="-122"/>
+                <a:ea typeface="微软雅黑" pitchFamily="34" charset="-122"/>
+              </a:rPr>
+              <a:t>cale=“50”</a:t>
+            </a:r>
+            <a:endParaRPr lang="zh-CN" altLang="en-US" sz="2000" dirty="0">
+              <a:solidFill>
+                <a:schemeClr val="tx1">
+                  <a:lumMod val="75000"/>
+                  <a:lumOff val="25000"/>
+                </a:schemeClr>
+              </a:solidFill>
+              <a:latin typeface="微软雅黑" pitchFamily="34" charset="-122"/>
+              <a:ea typeface="微软雅黑" pitchFamily="34" charset="-122"/>
+            </a:endParaRPr>
+          </a:p>
+        </p:txBody>
+      </p:sp>
+      <p:sp>
+        <p:nvSpPr>
+          <p:cNvPr id="6" name="圆角矩形标注 5"/>
+          <p:cNvSpPr/>
+          <p:nvPr/>
+        </p:nvSpPr>
+        <p:spPr>
+          <a:xfrm>
+            <a:off x="5412360" y="2026482"/>
+            <a:ext cx="2111968" cy="610429"/>
+          </a:xfrm>
+          <a:prstGeom prst="wedgeRoundRectCallout">
+            <a:avLst>
+              <a:gd name="adj1" fmla="val -28425"/>
+              <a:gd name="adj2" fmla="val -90713"/>
+              <a:gd name="adj3" fmla="val 16667"/>
+            </a:avLst>
+          </a:prstGeom>
+        </p:spPr>
+        <p:style>
+          <a:lnRef idx="2">
+            <a:schemeClr val="accent5"/>
+          </a:lnRef>
+          <a:fillRef idx="1">
+            <a:schemeClr val="lt1"/>
+          </a:fillRef>
+          <a:effectRef idx="0">
+            <a:schemeClr val="accent5"/>
+          </a:effectRef>
+          <a:fontRef idx="minor">
+            <a:schemeClr val="dk1"/>
+          </a:fontRef>
+        </p:style>
+        <p:txBody>
+          <a:bodyPr rtlCol="0" anchor="ctr"/>
+          <a:lstStyle/>
+          <a:p>
+            <a:pPr algn="ctr"/>
+            <a:r>
+              <a:rPr lang="zh-CN" altLang="en-US" sz="2000" dirty="0" smtClean="0">
+                <a:solidFill>
+                  <a:schemeClr val="tx1">
+                    <a:lumMod val="75000"/>
+                    <a:lumOff val="25000"/>
+                  </a:schemeClr>
+                </a:solidFill>
+                <a:latin typeface="微软雅黑" pitchFamily="34" charset="-122"/>
+                <a:ea typeface="微软雅黑" pitchFamily="34" charset="-122"/>
+              </a:rPr>
+              <a:t>噪声频率</a:t>
+            </a:r>
+            <a:r>
+              <a:rPr lang="en-US" altLang="zh-CN" sz="2000" dirty="0" smtClean="0">
+                <a:solidFill>
+                  <a:schemeClr val="tx1">
+                    <a:lumMod val="75000"/>
+                    <a:lumOff val="25000"/>
+                  </a:schemeClr>
+                </a:solidFill>
+                <a:latin typeface="微软雅黑" pitchFamily="34" charset="-122"/>
+                <a:ea typeface="微软雅黑" pitchFamily="34" charset="-122"/>
+              </a:rPr>
+              <a:t>0.01</a:t>
+            </a:r>
+          </a:p>
+          <a:p>
+            <a:pPr algn="ctr"/>
+            <a:r>
+              <a:rPr lang="en-US" altLang="zh-CN" sz="2000" dirty="0">
+                <a:solidFill>
+                  <a:schemeClr val="tx1">
+                    <a:lumMod val="75000"/>
+                    <a:lumOff val="25000"/>
+                  </a:schemeClr>
+                </a:solidFill>
+                <a:latin typeface="微软雅黑" pitchFamily="34" charset="-122"/>
+                <a:ea typeface="微软雅黑" pitchFamily="34" charset="-122"/>
+              </a:rPr>
+              <a:t>s</a:t>
+            </a:r>
+            <a:r>
+              <a:rPr lang="en-US" altLang="zh-CN" sz="2000" dirty="0" smtClean="0">
+                <a:solidFill>
+                  <a:schemeClr val="tx1">
+                    <a:lumMod val="75000"/>
+                    <a:lumOff val="25000"/>
+                  </a:schemeClr>
+                </a:solidFill>
+                <a:latin typeface="微软雅黑" pitchFamily="34" charset="-122"/>
+                <a:ea typeface="微软雅黑" pitchFamily="34" charset="-122"/>
+              </a:rPr>
+              <a:t>cale=“25”</a:t>
+            </a:r>
+            <a:endParaRPr lang="zh-CN" altLang="en-US" sz="2000" dirty="0">
+              <a:solidFill>
+                <a:schemeClr val="tx1">
+                  <a:lumMod val="75000"/>
+                  <a:lumOff val="25000"/>
+                </a:schemeClr>
+              </a:solidFill>
+              <a:latin typeface="微软雅黑" pitchFamily="34" charset="-122"/>
+              <a:ea typeface="微软雅黑" pitchFamily="34" charset="-122"/>
+            </a:endParaRPr>
+          </a:p>
+        </p:txBody>
+      </p:sp>
     </p:spTree>
     <p:extLst>
       <p:ext uri="{BB962C8B-B14F-4D97-AF65-F5344CB8AC3E}">
@@ -3782,6 +4067,3143 @@
 </file>
 
 <file path=ppt/slides/slide11.xml><?xml version="1.0" encoding="utf-8"?>
+<p:sld xmlns:a="http://schemas.openxmlformats.org/drawingml/2006/main" xmlns:r="http://schemas.openxmlformats.org/officeDocument/2006/relationships" xmlns:p="http://schemas.openxmlformats.org/presentationml/2006/main">
+  <p:cSld>
+    <p:spTree>
+      <p:nvGrpSpPr>
+        <p:cNvPr id="1" name=""/>
+        <p:cNvGrpSpPr/>
+        <p:nvPr/>
+      </p:nvGrpSpPr>
+      <p:grpSpPr>
+        <a:xfrm>
+          <a:off x="0" y="0"/>
+          <a:ext cx="0" cy="0"/>
+          <a:chOff x="0" y="0"/>
+          <a:chExt cx="0" cy="0"/>
+        </a:xfrm>
+      </p:grpSpPr>
+      <p:sp>
+        <p:nvSpPr>
+          <p:cNvPr id="4" name="TextBox 3"/>
+          <p:cNvSpPr txBox="1"/>
+          <p:nvPr/>
+        </p:nvSpPr>
+        <p:spPr>
+          <a:xfrm>
+            <a:off x="684000" y="44624"/>
+            <a:ext cx="7776000" cy="523220"/>
+          </a:xfrm>
+          <a:prstGeom prst="rect">
+            <a:avLst/>
+          </a:prstGeom>
+          <a:noFill/>
+        </p:spPr>
+        <p:txBody>
+          <a:bodyPr wrap="square" rtlCol="0">
+            <a:spAutoFit/>
+          </a:bodyPr>
+          <a:lstStyle/>
+          <a:p>
+            <a:r>
+              <a:rPr lang="en-US" altLang="zh-CN" sz="2800" b="1" dirty="0" smtClean="0">
+                <a:solidFill>
+                  <a:schemeClr val="tx1">
+                    <a:lumMod val="75000"/>
+                    <a:lumOff val="25000"/>
+                  </a:schemeClr>
+                </a:solidFill>
+                <a:latin typeface="微软雅黑" pitchFamily="34" charset="-122"/>
+                <a:ea typeface="微软雅黑" pitchFamily="34" charset="-122"/>
+              </a:rPr>
+              <a:t>6.</a:t>
+            </a:r>
+            <a:r>
+              <a:rPr lang="zh-CN" altLang="en-US" sz="2800" b="1" dirty="0" smtClean="0">
+                <a:solidFill>
+                  <a:schemeClr val="tx1">
+                    <a:lumMod val="75000"/>
+                    <a:lumOff val="25000"/>
+                  </a:schemeClr>
+                </a:solidFill>
+                <a:latin typeface="微软雅黑" pitchFamily="34" charset="-122"/>
+                <a:ea typeface="微软雅黑" pitchFamily="34" charset="-122"/>
+              </a:rPr>
+              <a:t>鼠标点击启动</a:t>
+            </a:r>
+            <a:endParaRPr lang="zh-CN" altLang="en-US" sz="2800" b="1" dirty="0">
+              <a:solidFill>
+                <a:schemeClr val="tx1">
+                  <a:lumMod val="75000"/>
+                  <a:lumOff val="25000"/>
+                </a:schemeClr>
+              </a:solidFill>
+              <a:latin typeface="微软雅黑" pitchFamily="34" charset="-122"/>
+              <a:ea typeface="微软雅黑" pitchFamily="34" charset="-122"/>
+            </a:endParaRPr>
+          </a:p>
+        </p:txBody>
+      </p:sp>
+      <p:sp>
+        <p:nvSpPr>
+          <p:cNvPr id="5" name="TextBox 4"/>
+          <p:cNvSpPr txBox="1"/>
+          <p:nvPr/>
+        </p:nvSpPr>
+        <p:spPr>
+          <a:xfrm>
+            <a:off x="684000" y="476672"/>
+            <a:ext cx="7776000" cy="3600986"/>
+          </a:xfrm>
+          <a:prstGeom prst="rect">
+            <a:avLst/>
+          </a:prstGeom>
+          <a:noFill/>
+        </p:spPr>
+        <p:txBody>
+          <a:bodyPr wrap="square" rtlCol="0">
+            <a:spAutoFit/>
+          </a:bodyPr>
+          <a:lstStyle/>
+          <a:p>
+            <a:pPr>
+              <a:lnSpc>
+                <a:spcPct val="150000"/>
+              </a:lnSpc>
+            </a:pPr>
+            <a:r>
+              <a:rPr lang="zh-CN" altLang="en-US" sz="2400" dirty="0" smtClean="0">
+                <a:solidFill>
+                  <a:schemeClr val="tx1">
+                    <a:lumMod val="75000"/>
+                    <a:lumOff val="25000"/>
+                  </a:schemeClr>
+                </a:solidFill>
+                <a:latin typeface="微软雅黑" pitchFamily="34" charset="-122"/>
+                <a:ea typeface="微软雅黑" pitchFamily="34" charset="-122"/>
+              </a:rPr>
+              <a:t>我们希望文字水波效果在鼠标点击的时候启动，然后慢慢停止。这个只需要在</a:t>
+            </a:r>
+            <a:r>
+              <a:rPr lang="en-US" altLang="zh-CN" sz="2400" dirty="0" smtClean="0">
+                <a:solidFill>
+                  <a:schemeClr val="tx1">
+                    <a:lumMod val="75000"/>
+                    <a:lumOff val="25000"/>
+                  </a:schemeClr>
+                </a:solidFill>
+                <a:latin typeface="微软雅黑" pitchFamily="34" charset="-122"/>
+                <a:ea typeface="微软雅黑" pitchFamily="34" charset="-122"/>
+              </a:rPr>
+              <a:t>SMIL</a:t>
+            </a:r>
+            <a:r>
+              <a:rPr lang="zh-CN" altLang="en-US" sz="2400" dirty="0" smtClean="0">
+                <a:solidFill>
+                  <a:schemeClr val="tx1">
+                    <a:lumMod val="75000"/>
+                    <a:lumOff val="25000"/>
+                  </a:schemeClr>
+                </a:solidFill>
+                <a:latin typeface="微软雅黑" pitchFamily="34" charset="-122"/>
+                <a:ea typeface="微软雅黑" pitchFamily="34" charset="-122"/>
+              </a:rPr>
+              <a:t>动画的</a:t>
+            </a:r>
+            <a:r>
+              <a:rPr lang="en-US" altLang="zh-CN" sz="2400" dirty="0" smtClean="0">
+                <a:solidFill>
+                  <a:schemeClr val="tx1">
+                    <a:lumMod val="75000"/>
+                    <a:lumOff val="25000"/>
+                  </a:schemeClr>
+                </a:solidFill>
+                <a:latin typeface="微软雅黑" pitchFamily="34" charset="-122"/>
+                <a:ea typeface="微软雅黑" pitchFamily="34" charset="-122"/>
+              </a:rPr>
+              <a:t>begin</a:t>
+            </a:r>
+            <a:r>
+              <a:rPr lang="zh-CN" altLang="en-US" sz="2400" dirty="0" smtClean="0">
+                <a:solidFill>
+                  <a:schemeClr val="tx1">
+                    <a:lumMod val="75000"/>
+                    <a:lumOff val="25000"/>
+                  </a:schemeClr>
+                </a:solidFill>
+                <a:latin typeface="微软雅黑" pitchFamily="34" charset="-122"/>
+                <a:ea typeface="微软雅黑" pitchFamily="34" charset="-122"/>
+              </a:rPr>
+              <a:t>属性中写</a:t>
+            </a:r>
+            <a:endParaRPr lang="en-US" altLang="zh-CN" sz="2400" dirty="0" smtClean="0">
+              <a:solidFill>
+                <a:schemeClr val="tx1">
+                  <a:lumMod val="75000"/>
+                  <a:lumOff val="25000"/>
+                </a:schemeClr>
+              </a:solidFill>
+              <a:latin typeface="微软雅黑" pitchFamily="34" charset="-122"/>
+              <a:ea typeface="微软雅黑" pitchFamily="34" charset="-122"/>
+            </a:endParaRPr>
+          </a:p>
+          <a:p>
+            <a:pPr>
+              <a:lnSpc>
+                <a:spcPct val="150000"/>
+              </a:lnSpc>
+            </a:pPr>
+            <a:r>
+              <a:rPr lang="en-US" altLang="zh-CN" sz="2400" dirty="0">
+                <a:solidFill>
+                  <a:schemeClr val="tx1">
+                    <a:lumMod val="75000"/>
+                    <a:lumOff val="25000"/>
+                  </a:schemeClr>
+                </a:solidFill>
+                <a:latin typeface="微软雅黑" pitchFamily="34" charset="-122"/>
+                <a:ea typeface="微软雅黑" pitchFamily="34" charset="-122"/>
+              </a:rPr>
+              <a:t>	</a:t>
+            </a:r>
+            <a:r>
+              <a:rPr lang="en-US" altLang="zh-CN" sz="2400" b="1" dirty="0" smtClean="0">
+                <a:solidFill>
+                  <a:srgbClr val="FF0000"/>
+                </a:solidFill>
+                <a:latin typeface="微软雅黑" pitchFamily="34" charset="-122"/>
+                <a:ea typeface="微软雅黑" pitchFamily="34" charset="-122"/>
+              </a:rPr>
+              <a:t>id </a:t>
+            </a:r>
+            <a:r>
+              <a:rPr lang="en-US" altLang="zh-CN" sz="3200" b="1" dirty="0" smtClean="0">
+                <a:solidFill>
+                  <a:srgbClr val="7030A0"/>
+                </a:solidFill>
+                <a:latin typeface="微软雅黑" pitchFamily="34" charset="-122"/>
+                <a:ea typeface="微软雅黑" pitchFamily="34" charset="-122"/>
+              </a:rPr>
+              <a:t>. </a:t>
+            </a:r>
+            <a:r>
+              <a:rPr lang="en-US" altLang="zh-CN" sz="2400" b="1" dirty="0" smtClean="0">
+                <a:solidFill>
+                  <a:srgbClr val="FF0000"/>
+                </a:solidFill>
+                <a:latin typeface="微软雅黑" pitchFamily="34" charset="-122"/>
+                <a:ea typeface="微软雅黑" pitchFamily="34" charset="-122"/>
+              </a:rPr>
+              <a:t> </a:t>
+            </a:r>
+            <a:r>
+              <a:rPr lang="en-US" altLang="zh-CN" sz="2400" b="1" dirty="0">
+                <a:solidFill>
+                  <a:srgbClr val="00B050"/>
+                </a:solidFill>
+                <a:latin typeface="微软雅黑" pitchFamily="34" charset="-122"/>
+                <a:ea typeface="微软雅黑" pitchFamily="34" charset="-122"/>
+              </a:rPr>
+              <a:t>c</a:t>
+            </a:r>
+            <a:r>
+              <a:rPr lang="en-US" altLang="zh-CN" sz="2400" b="1" dirty="0" smtClean="0">
+                <a:solidFill>
+                  <a:srgbClr val="00B050"/>
+                </a:solidFill>
+                <a:latin typeface="微软雅黑" pitchFamily="34" charset="-122"/>
+                <a:ea typeface="微软雅黑" pitchFamily="34" charset="-122"/>
+              </a:rPr>
+              <a:t>lick</a:t>
+            </a:r>
+          </a:p>
+          <a:p>
+            <a:pPr>
+              <a:lnSpc>
+                <a:spcPct val="150000"/>
+              </a:lnSpc>
+            </a:pPr>
+            <a:r>
+              <a:rPr lang="en-US" altLang="zh-CN" sz="2400" dirty="0" smtClean="0">
+                <a:solidFill>
+                  <a:schemeClr val="tx1">
+                    <a:lumMod val="75000"/>
+                    <a:lumOff val="25000"/>
+                  </a:schemeClr>
+                </a:solidFill>
+                <a:latin typeface="微软雅黑" pitchFamily="34" charset="-122"/>
+                <a:ea typeface="微软雅黑" pitchFamily="34" charset="-122"/>
+              </a:rPr>
+              <a:t>id</a:t>
+            </a:r>
+            <a:r>
+              <a:rPr lang="zh-CN" altLang="en-US" sz="2400" dirty="0" smtClean="0">
+                <a:solidFill>
+                  <a:schemeClr val="tx1">
+                    <a:lumMod val="75000"/>
+                    <a:lumOff val="25000"/>
+                  </a:schemeClr>
+                </a:solidFill>
+                <a:latin typeface="微软雅黑" pitchFamily="34" charset="-122"/>
+                <a:ea typeface="微软雅黑" pitchFamily="34" charset="-122"/>
+              </a:rPr>
+              <a:t>是被点击元素的</a:t>
+            </a:r>
+            <a:r>
+              <a:rPr lang="en-US" altLang="zh-CN" sz="2400" dirty="0" smtClean="0">
+                <a:solidFill>
+                  <a:schemeClr val="tx1">
+                    <a:lumMod val="75000"/>
+                    <a:lumOff val="25000"/>
+                  </a:schemeClr>
+                </a:solidFill>
+                <a:latin typeface="微软雅黑" pitchFamily="34" charset="-122"/>
+                <a:ea typeface="微软雅黑" pitchFamily="34" charset="-122"/>
+              </a:rPr>
+              <a:t>ID</a:t>
+            </a:r>
+            <a:r>
+              <a:rPr lang="zh-CN" altLang="en-US" sz="2400" dirty="0" smtClean="0">
+                <a:solidFill>
+                  <a:schemeClr val="tx1">
+                    <a:lumMod val="75000"/>
+                    <a:lumOff val="25000"/>
+                  </a:schemeClr>
+                </a:solidFill>
+                <a:latin typeface="微软雅黑" pitchFamily="34" charset="-122"/>
+                <a:ea typeface="微软雅黑" pitchFamily="34" charset="-122"/>
+              </a:rPr>
+              <a:t>，</a:t>
+            </a:r>
+            <a:r>
+              <a:rPr lang="en-US" altLang="zh-CN" sz="2400" dirty="0" smtClean="0">
+                <a:solidFill>
+                  <a:schemeClr val="tx1">
+                    <a:lumMod val="75000"/>
+                    <a:lumOff val="25000"/>
+                  </a:schemeClr>
+                </a:solidFill>
+                <a:latin typeface="微软雅黑" pitchFamily="34" charset="-122"/>
+                <a:ea typeface="微软雅黑" pitchFamily="34" charset="-122"/>
+              </a:rPr>
+              <a:t>click</a:t>
+            </a:r>
+            <a:r>
+              <a:rPr lang="zh-CN" altLang="en-US" sz="2400" dirty="0" smtClean="0">
+                <a:solidFill>
+                  <a:schemeClr val="tx1">
+                    <a:lumMod val="75000"/>
+                    <a:lumOff val="25000"/>
+                  </a:schemeClr>
+                </a:solidFill>
+                <a:latin typeface="微软雅黑" pitchFamily="34" charset="-122"/>
+                <a:ea typeface="微软雅黑" pitchFamily="34" charset="-122"/>
+              </a:rPr>
+              <a:t>表示点击后启动</a:t>
+            </a:r>
+            <a:r>
+              <a:rPr lang="en-US" altLang="zh-CN" sz="2400" dirty="0" smtClean="0">
+                <a:solidFill>
+                  <a:schemeClr val="tx1">
+                    <a:lumMod val="75000"/>
+                    <a:lumOff val="25000"/>
+                  </a:schemeClr>
+                </a:solidFill>
+                <a:latin typeface="微软雅黑" pitchFamily="34" charset="-122"/>
+                <a:ea typeface="微软雅黑" pitchFamily="34" charset="-122"/>
+              </a:rPr>
+              <a:t>,</a:t>
+            </a:r>
+            <a:r>
+              <a:rPr lang="zh-CN" altLang="en-US" sz="2400" dirty="0" smtClean="0">
+                <a:solidFill>
+                  <a:schemeClr val="tx1">
+                    <a:lumMod val="75000"/>
+                    <a:lumOff val="25000"/>
+                  </a:schemeClr>
+                </a:solidFill>
+                <a:latin typeface="微软雅黑" pitchFamily="34" charset="-122"/>
+                <a:ea typeface="微软雅黑" pitchFamily="34" charset="-122"/>
+              </a:rPr>
+              <a:t>注意</a:t>
+            </a:r>
+            <a:r>
+              <a:rPr lang="en-US" altLang="zh-CN" sz="2400" dirty="0" smtClean="0">
+                <a:solidFill>
+                  <a:schemeClr val="tx1">
+                    <a:lumMod val="75000"/>
+                    <a:lumOff val="25000"/>
+                  </a:schemeClr>
+                </a:solidFill>
+                <a:latin typeface="微软雅黑" pitchFamily="34" charset="-122"/>
+                <a:ea typeface="微软雅黑" pitchFamily="34" charset="-122"/>
+              </a:rPr>
+              <a:t>id</a:t>
+            </a:r>
+            <a:r>
+              <a:rPr lang="zh-CN" altLang="en-US" sz="2400" dirty="0" smtClean="0">
+                <a:solidFill>
+                  <a:schemeClr val="tx1">
+                    <a:lumMod val="75000"/>
+                    <a:lumOff val="25000"/>
+                  </a:schemeClr>
+                </a:solidFill>
+                <a:latin typeface="微软雅黑" pitchFamily="34" charset="-122"/>
+                <a:ea typeface="微软雅黑" pitchFamily="34" charset="-122"/>
+              </a:rPr>
+              <a:t>不要有连字符之类的其他特殊字符，否则无法识别</a:t>
+            </a:r>
+            <a:r>
+              <a:rPr lang="en-US" altLang="zh-CN" sz="2400" dirty="0" smtClean="0">
+                <a:solidFill>
+                  <a:schemeClr val="tx1">
+                    <a:lumMod val="75000"/>
+                    <a:lumOff val="25000"/>
+                  </a:schemeClr>
+                </a:solidFill>
+                <a:latin typeface="微软雅黑" pitchFamily="34" charset="-122"/>
+                <a:ea typeface="微软雅黑" pitchFamily="34" charset="-122"/>
+              </a:rPr>
+              <a:t>.</a:t>
+            </a:r>
+            <a:r>
+              <a:rPr lang="zh-CN" altLang="en-US" sz="2400" dirty="0" smtClean="0">
+                <a:solidFill>
+                  <a:schemeClr val="tx1">
+                    <a:lumMod val="75000"/>
+                    <a:lumOff val="25000"/>
+                  </a:schemeClr>
+                </a:solidFill>
+                <a:latin typeface="微软雅黑" pitchFamily="34" charset="-122"/>
+                <a:ea typeface="微软雅黑" pitchFamily="34" charset="-122"/>
+              </a:rPr>
+              <a:t>最后还要将</a:t>
+            </a:r>
+            <a:r>
+              <a:rPr lang="zh-CN" altLang="en-US" sz="2400" b="1" dirty="0" smtClean="0">
+                <a:solidFill>
+                  <a:schemeClr val="tx1">
+                    <a:lumMod val="75000"/>
+                    <a:lumOff val="25000"/>
+                  </a:schemeClr>
+                </a:solidFill>
+                <a:latin typeface="微软雅黑" pitchFamily="34" charset="-122"/>
+                <a:ea typeface="微软雅黑" pitchFamily="34" charset="-122"/>
+              </a:rPr>
+              <a:t>默认的噪声频率变成</a:t>
+            </a:r>
+            <a:r>
+              <a:rPr lang="en-US" altLang="zh-CN" sz="2400" b="1" dirty="0" smtClean="0">
+                <a:solidFill>
+                  <a:schemeClr val="tx1">
+                    <a:lumMod val="75000"/>
+                    <a:lumOff val="25000"/>
+                  </a:schemeClr>
+                </a:solidFill>
+                <a:latin typeface="微软雅黑" pitchFamily="34" charset="-122"/>
+                <a:ea typeface="微软雅黑" pitchFamily="34" charset="-122"/>
+              </a:rPr>
+              <a:t>0</a:t>
+            </a:r>
+            <a:r>
+              <a:rPr lang="zh-CN" altLang="en-US" sz="2400" b="1" dirty="0">
+                <a:solidFill>
+                  <a:schemeClr val="tx1">
+                    <a:lumMod val="75000"/>
+                    <a:lumOff val="25000"/>
+                  </a:schemeClr>
+                </a:solidFill>
+                <a:latin typeface="微软雅黑" pitchFamily="34" charset="-122"/>
+                <a:ea typeface="微软雅黑" pitchFamily="34" charset="-122"/>
+              </a:rPr>
+              <a:t>！</a:t>
+            </a:r>
+            <a:endParaRPr lang="en-US" altLang="zh-CN" sz="2400" b="1" dirty="0">
+              <a:solidFill>
+                <a:schemeClr val="tx1">
+                  <a:lumMod val="75000"/>
+                  <a:lumOff val="25000"/>
+                </a:schemeClr>
+              </a:solidFill>
+              <a:latin typeface="微软雅黑" pitchFamily="34" charset="-122"/>
+              <a:ea typeface="微软雅黑" pitchFamily="34" charset="-122"/>
+            </a:endParaRPr>
+          </a:p>
+        </p:txBody>
+      </p:sp>
+      <p:pic>
+        <p:nvPicPr>
+          <p:cNvPr id="3" name="图片 2" descr="屏幕剪辑"/>
+          <p:cNvPicPr>
+            <a:picLocks noChangeAspect="1"/>
+          </p:cNvPicPr>
+          <p:nvPr/>
+        </p:nvPicPr>
+        <p:blipFill>
+          <a:blip r:embed="rId2">
+            <a:extLst>
+              <a:ext uri="{28A0092B-C50C-407E-A947-70E740481C1C}">
+                <a14:useLocalDpi xmlns:a14="http://schemas.microsoft.com/office/drawing/2010/main" val="0"/>
+              </a:ext>
+            </a:extLst>
+          </a:blip>
+          <a:stretch>
+            <a:fillRect/>
+          </a:stretch>
+        </p:blipFill>
+        <p:spPr>
+          <a:xfrm>
+            <a:off x="1979712" y="4253312"/>
+            <a:ext cx="3267531" cy="1047896"/>
+          </a:xfrm>
+          <a:prstGeom prst="rect">
+            <a:avLst/>
+          </a:prstGeom>
+          <a:ln>
+            <a:noFill/>
+          </a:ln>
+          <a:effectLst>
+            <a:outerShdw blurRad="292100" dist="139700" dir="2700000" algn="tl" rotWithShape="0">
+              <a:srgbClr val="333333">
+                <a:alpha val="65000"/>
+              </a:srgbClr>
+            </a:outerShdw>
+          </a:effectLst>
+        </p:spPr>
+      </p:pic>
+      <p:pic>
+        <p:nvPicPr>
+          <p:cNvPr id="6" name="图片 5" descr="屏幕剪辑"/>
+          <p:cNvPicPr>
+            <a:picLocks noChangeAspect="1"/>
+          </p:cNvPicPr>
+          <p:nvPr/>
+        </p:nvPicPr>
+        <p:blipFill>
+          <a:blip r:embed="rId3">
+            <a:extLst>
+              <a:ext uri="{28A0092B-C50C-407E-A947-70E740481C1C}">
+                <a14:useLocalDpi xmlns:a14="http://schemas.microsoft.com/office/drawing/2010/main" val="0"/>
+              </a:ext>
+            </a:extLst>
+          </a:blip>
+          <a:stretch>
+            <a:fillRect/>
+          </a:stretch>
+        </p:blipFill>
+        <p:spPr>
+          <a:xfrm>
+            <a:off x="1979712" y="5506027"/>
+            <a:ext cx="4239217" cy="1019317"/>
+          </a:xfrm>
+          <a:prstGeom prst="rect">
+            <a:avLst/>
+          </a:prstGeom>
+          <a:ln>
+            <a:noFill/>
+          </a:ln>
+          <a:effectLst>
+            <a:outerShdw blurRad="292100" dist="139700" dir="2700000" algn="tl" rotWithShape="0">
+              <a:srgbClr val="333333">
+                <a:alpha val="65000"/>
+              </a:srgbClr>
+            </a:outerShdw>
+          </a:effectLst>
+        </p:spPr>
+      </p:pic>
+      <p:sp>
+        <p:nvSpPr>
+          <p:cNvPr id="10" name="矩形 9"/>
+          <p:cNvSpPr/>
+          <p:nvPr/>
+        </p:nvSpPr>
+        <p:spPr>
+          <a:xfrm>
+            <a:off x="2267744" y="4866691"/>
+            <a:ext cx="2376264" cy="360040"/>
+          </a:xfrm>
+          <a:prstGeom prst="rect">
+            <a:avLst/>
+          </a:prstGeom>
+          <a:noFill/>
+          <a:ln w="28575">
+            <a:solidFill>
+              <a:srgbClr val="FFFF00"/>
+            </a:solidFill>
+          </a:ln>
+        </p:spPr>
+        <p:style>
+          <a:lnRef idx="2">
+            <a:schemeClr val="accent1">
+              <a:shade val="50000"/>
+            </a:schemeClr>
+          </a:lnRef>
+          <a:fillRef idx="1">
+            <a:schemeClr val="accent1"/>
+          </a:fillRef>
+          <a:effectRef idx="0">
+            <a:schemeClr val="accent1"/>
+          </a:effectRef>
+          <a:fontRef idx="minor">
+            <a:schemeClr val="lt1"/>
+          </a:fontRef>
+        </p:style>
+        <p:txBody>
+          <a:bodyPr rtlCol="0" anchor="ctr"/>
+          <a:lstStyle/>
+          <a:p>
+            <a:pPr algn="ctr"/>
+            <a:endParaRPr lang="zh-CN" altLang="en-US"/>
+          </a:p>
+        </p:txBody>
+      </p:sp>
+      <p:sp>
+        <p:nvSpPr>
+          <p:cNvPr id="11" name="矩形 10"/>
+          <p:cNvSpPr/>
+          <p:nvPr/>
+        </p:nvSpPr>
+        <p:spPr>
+          <a:xfrm>
+            <a:off x="2267744" y="6154099"/>
+            <a:ext cx="2520280" cy="360040"/>
+          </a:xfrm>
+          <a:prstGeom prst="rect">
+            <a:avLst/>
+          </a:prstGeom>
+          <a:noFill/>
+          <a:ln w="28575">
+            <a:solidFill>
+              <a:srgbClr val="FFFF00"/>
+            </a:solidFill>
+          </a:ln>
+        </p:spPr>
+        <p:style>
+          <a:lnRef idx="2">
+            <a:schemeClr val="accent1">
+              <a:shade val="50000"/>
+            </a:schemeClr>
+          </a:lnRef>
+          <a:fillRef idx="1">
+            <a:schemeClr val="accent1"/>
+          </a:fillRef>
+          <a:effectRef idx="0">
+            <a:schemeClr val="accent1"/>
+          </a:effectRef>
+          <a:fontRef idx="minor">
+            <a:schemeClr val="lt1"/>
+          </a:fontRef>
+        </p:style>
+        <p:txBody>
+          <a:bodyPr rtlCol="0" anchor="ctr"/>
+          <a:lstStyle/>
+          <a:p>
+            <a:pPr algn="ctr"/>
+            <a:endParaRPr lang="zh-CN" altLang="en-US"/>
+          </a:p>
+        </p:txBody>
+      </p:sp>
+    </p:spTree>
+    <p:extLst>
+      <p:ext uri="{BB962C8B-B14F-4D97-AF65-F5344CB8AC3E}">
+        <p14:creationId xmlns:p14="http://schemas.microsoft.com/office/powerpoint/2010/main" val="898107646"/>
+      </p:ext>
+    </p:extLst>
+  </p:cSld>
+  <p:clrMapOvr>
+    <a:masterClrMapping/>
+  </p:clrMapOvr>
+  <p:timing>
+    <p:tnLst>
+      <p:par>
+        <p:cTn id="1" dur="indefinite" restart="never" nodeType="tmRoot"/>
+      </p:par>
+    </p:tnLst>
+  </p:timing>
+</p:sld>
+</file>
+
+<file path=ppt/slides/slide12.xml><?xml version="1.0" encoding="utf-8"?>
+<p:sld xmlns:a="http://schemas.openxmlformats.org/drawingml/2006/main" xmlns:r="http://schemas.openxmlformats.org/officeDocument/2006/relationships" xmlns:p="http://schemas.openxmlformats.org/presentationml/2006/main">
+  <p:cSld>
+    <p:spTree>
+      <p:nvGrpSpPr>
+        <p:cNvPr id="1" name=""/>
+        <p:cNvGrpSpPr/>
+        <p:nvPr/>
+      </p:nvGrpSpPr>
+      <p:grpSpPr>
+        <a:xfrm>
+          <a:off x="0" y="0"/>
+          <a:ext cx="0" cy="0"/>
+          <a:chOff x="0" y="0"/>
+          <a:chExt cx="0" cy="0"/>
+        </a:xfrm>
+      </p:grpSpPr>
+      <p:sp>
+        <p:nvSpPr>
+          <p:cNvPr id="2" name="TextBox 1"/>
+          <p:cNvSpPr txBox="1"/>
+          <p:nvPr/>
+        </p:nvSpPr>
+        <p:spPr>
+          <a:xfrm>
+            <a:off x="684000" y="476672"/>
+            <a:ext cx="7776000" cy="2308324"/>
+          </a:xfrm>
+          <a:prstGeom prst="rect">
+            <a:avLst/>
+          </a:prstGeom>
+          <a:noFill/>
+        </p:spPr>
+        <p:txBody>
+          <a:bodyPr wrap="square" rtlCol="0">
+            <a:spAutoFit/>
+          </a:bodyPr>
+          <a:lstStyle/>
+          <a:p>
+            <a:pPr>
+              <a:lnSpc>
+                <a:spcPct val="150000"/>
+              </a:lnSpc>
+            </a:pPr>
+            <a:r>
+              <a:rPr lang="zh-CN" altLang="en-US" sz="2400" dirty="0" smtClean="0">
+                <a:solidFill>
+                  <a:schemeClr val="tx1">
+                    <a:lumMod val="75000"/>
+                    <a:lumOff val="25000"/>
+                  </a:schemeClr>
+                </a:solidFill>
+                <a:latin typeface="微软雅黑" pitchFamily="34" charset="-122"/>
+                <a:ea typeface="微软雅黑" pitchFamily="34" charset="-122"/>
+              </a:rPr>
+              <a:t>另外我们还可以在文本外嵌套一个</a:t>
+            </a:r>
+            <a:r>
+              <a:rPr lang="en-US" altLang="zh-CN" sz="2400" dirty="0" smtClean="0">
+                <a:solidFill>
+                  <a:schemeClr val="tx1">
+                    <a:lumMod val="75000"/>
+                    <a:lumOff val="25000"/>
+                  </a:schemeClr>
+                </a:solidFill>
+                <a:latin typeface="微软雅黑" pitchFamily="34" charset="-122"/>
+                <a:ea typeface="微软雅黑" pitchFamily="34" charset="-122"/>
+              </a:rPr>
+              <a:t>&lt;a&gt;</a:t>
+            </a:r>
+            <a:r>
+              <a:rPr lang="zh-CN" altLang="en-US" sz="2400" dirty="0" smtClean="0">
+                <a:solidFill>
+                  <a:schemeClr val="tx1">
+                    <a:lumMod val="75000"/>
+                    <a:lumOff val="25000"/>
+                  </a:schemeClr>
+                </a:solidFill>
+                <a:latin typeface="微软雅黑" pitchFamily="34" charset="-122"/>
+                <a:ea typeface="微软雅黑" pitchFamily="34" charset="-122"/>
+              </a:rPr>
+              <a:t>标签，实现超链接，注意，这个</a:t>
+            </a:r>
+            <a:r>
+              <a:rPr lang="en-US" altLang="zh-CN" sz="2400" dirty="0" smtClean="0">
+                <a:solidFill>
+                  <a:schemeClr val="tx1">
+                    <a:lumMod val="75000"/>
+                    <a:lumOff val="25000"/>
+                  </a:schemeClr>
+                </a:solidFill>
+                <a:latin typeface="微软雅黑" pitchFamily="34" charset="-122"/>
+                <a:ea typeface="微软雅黑" pitchFamily="34" charset="-122"/>
+              </a:rPr>
+              <a:t>&lt;a&gt;</a:t>
+            </a:r>
+            <a:r>
+              <a:rPr lang="zh-CN" altLang="en-US" sz="2400" dirty="0" smtClean="0">
+                <a:solidFill>
+                  <a:schemeClr val="tx1">
+                    <a:lumMod val="75000"/>
+                    <a:lumOff val="25000"/>
+                  </a:schemeClr>
+                </a:solidFill>
+                <a:latin typeface="微软雅黑" pitchFamily="34" charset="-122"/>
+                <a:ea typeface="微软雅黑" pitchFamily="34" charset="-122"/>
+              </a:rPr>
+              <a:t>标签不同于</a:t>
+            </a:r>
+            <a:r>
+              <a:rPr lang="en-US" altLang="zh-CN" sz="2400" dirty="0" smtClean="0">
+                <a:solidFill>
+                  <a:schemeClr val="tx1">
+                    <a:lumMod val="75000"/>
+                    <a:lumOff val="25000"/>
+                  </a:schemeClr>
+                </a:solidFill>
+                <a:latin typeface="微软雅黑" pitchFamily="34" charset="-122"/>
+                <a:ea typeface="微软雅黑" pitchFamily="34" charset="-122"/>
+              </a:rPr>
+              <a:t>html</a:t>
+            </a:r>
+            <a:r>
+              <a:rPr lang="zh-CN" altLang="en-US" sz="2400" dirty="0" smtClean="0">
+                <a:solidFill>
+                  <a:schemeClr val="tx1">
+                    <a:lumMod val="75000"/>
+                    <a:lumOff val="25000"/>
+                  </a:schemeClr>
+                </a:solidFill>
+                <a:latin typeface="微软雅黑" pitchFamily="34" charset="-122"/>
+                <a:ea typeface="微软雅黑" pitchFamily="34" charset="-122"/>
+              </a:rPr>
+              <a:t>的</a:t>
+            </a:r>
+            <a:r>
+              <a:rPr lang="en-US" altLang="zh-CN" sz="2400" dirty="0" smtClean="0">
+                <a:solidFill>
+                  <a:schemeClr val="tx1">
+                    <a:lumMod val="75000"/>
+                    <a:lumOff val="25000"/>
+                  </a:schemeClr>
+                </a:solidFill>
+                <a:latin typeface="微软雅黑" pitchFamily="34" charset="-122"/>
+                <a:ea typeface="微软雅黑" pitchFamily="34" charset="-122"/>
+              </a:rPr>
+              <a:t>&lt;a&gt;</a:t>
+            </a:r>
+            <a:r>
+              <a:rPr lang="zh-CN" altLang="en-US" sz="2400" dirty="0" smtClean="0">
+                <a:solidFill>
+                  <a:schemeClr val="tx1">
+                    <a:lumMod val="75000"/>
+                    <a:lumOff val="25000"/>
+                  </a:schemeClr>
+                </a:solidFill>
+                <a:latin typeface="微软雅黑" pitchFamily="34" charset="-122"/>
+                <a:ea typeface="微软雅黑" pitchFamily="34" charset="-122"/>
+              </a:rPr>
+              <a:t>标签。连接地址写在 </a:t>
+            </a:r>
+            <a:r>
+              <a:rPr lang="en-US" altLang="zh-CN" sz="2400" dirty="0" err="1" smtClean="0">
+                <a:solidFill>
+                  <a:srgbClr val="FF0000"/>
+                </a:solidFill>
+                <a:latin typeface="微软雅黑" pitchFamily="34" charset="-122"/>
+                <a:ea typeface="微软雅黑" pitchFamily="34" charset="-122"/>
+              </a:rPr>
+              <a:t>xlink:href</a:t>
+            </a:r>
+            <a:r>
+              <a:rPr lang="zh-CN" altLang="en-US" sz="2400" dirty="0" smtClean="0">
+                <a:solidFill>
+                  <a:schemeClr val="tx1">
+                    <a:lumMod val="75000"/>
+                    <a:lumOff val="25000"/>
+                  </a:schemeClr>
+                </a:solidFill>
+                <a:latin typeface="微软雅黑" pitchFamily="34" charset="-122"/>
+                <a:ea typeface="微软雅黑" pitchFamily="34" charset="-122"/>
+              </a:rPr>
+              <a:t>属性中。这样，当鼠标悬浮于文字之上时，会变成手的形状！大功告成！</a:t>
+            </a:r>
+            <a:endParaRPr lang="en-US" altLang="zh-CN" sz="2400" dirty="0">
+              <a:solidFill>
+                <a:schemeClr val="tx1">
+                  <a:lumMod val="75000"/>
+                  <a:lumOff val="25000"/>
+                </a:schemeClr>
+              </a:solidFill>
+              <a:latin typeface="微软雅黑" pitchFamily="34" charset="-122"/>
+              <a:ea typeface="微软雅黑" pitchFamily="34" charset="-122"/>
+            </a:endParaRPr>
+          </a:p>
+        </p:txBody>
+      </p:sp>
+      <p:pic>
+        <p:nvPicPr>
+          <p:cNvPr id="3" name="图片 2" descr="屏幕剪辑"/>
+          <p:cNvPicPr>
+            <a:picLocks noChangeAspect="1"/>
+          </p:cNvPicPr>
+          <p:nvPr/>
+        </p:nvPicPr>
+        <p:blipFill>
+          <a:blip r:embed="rId2">
+            <a:extLst>
+              <a:ext uri="{28A0092B-C50C-407E-A947-70E740481C1C}">
+                <a14:useLocalDpi xmlns:a14="http://schemas.microsoft.com/office/drawing/2010/main" val="0"/>
+              </a:ext>
+            </a:extLst>
+          </a:blip>
+          <a:stretch>
+            <a:fillRect/>
+          </a:stretch>
+        </p:blipFill>
+        <p:spPr>
+          <a:xfrm>
+            <a:off x="1691680" y="4624281"/>
+            <a:ext cx="4772691" cy="1829055"/>
+          </a:xfrm>
+          <a:prstGeom prst="rect">
+            <a:avLst/>
+          </a:prstGeom>
+          <a:ln>
+            <a:noFill/>
+          </a:ln>
+          <a:effectLst>
+            <a:softEdge rad="112500"/>
+          </a:effectLst>
+        </p:spPr>
+      </p:pic>
+      <p:pic>
+        <p:nvPicPr>
+          <p:cNvPr id="4" name="图片 3" descr="屏幕剪辑"/>
+          <p:cNvPicPr>
+            <a:picLocks noChangeAspect="1"/>
+          </p:cNvPicPr>
+          <p:nvPr/>
+        </p:nvPicPr>
+        <p:blipFill>
+          <a:blip r:embed="rId3">
+            <a:extLst>
+              <a:ext uri="{28A0092B-C50C-407E-A947-70E740481C1C}">
+                <a14:useLocalDpi xmlns:a14="http://schemas.microsoft.com/office/drawing/2010/main" val="0"/>
+              </a:ext>
+            </a:extLst>
+          </a:blip>
+          <a:stretch>
+            <a:fillRect/>
+          </a:stretch>
+        </p:blipFill>
+        <p:spPr>
+          <a:xfrm>
+            <a:off x="1691680" y="2876999"/>
+            <a:ext cx="4773600" cy="1848145"/>
+          </a:xfrm>
+          <a:prstGeom prst="rect">
+            <a:avLst/>
+          </a:prstGeom>
+          <a:ln>
+            <a:noFill/>
+          </a:ln>
+          <a:effectLst>
+            <a:softEdge rad="112500"/>
+          </a:effectLst>
+        </p:spPr>
+      </p:pic>
+      <p:sp>
+        <p:nvSpPr>
+          <p:cNvPr id="5" name="椭圆 4"/>
+          <p:cNvSpPr/>
+          <p:nvPr/>
+        </p:nvSpPr>
+        <p:spPr>
+          <a:xfrm>
+            <a:off x="5724128" y="5229200"/>
+            <a:ext cx="432048" cy="432048"/>
+          </a:xfrm>
+          <a:prstGeom prst="ellipse">
+            <a:avLst/>
+          </a:prstGeom>
+          <a:noFill/>
+          <a:ln w="38100">
+            <a:solidFill>
+              <a:srgbClr val="FF0000"/>
+            </a:solidFill>
+          </a:ln>
+        </p:spPr>
+        <p:style>
+          <a:lnRef idx="2">
+            <a:schemeClr val="accent1">
+              <a:shade val="50000"/>
+            </a:schemeClr>
+          </a:lnRef>
+          <a:fillRef idx="1">
+            <a:schemeClr val="accent1"/>
+          </a:fillRef>
+          <a:effectRef idx="0">
+            <a:schemeClr val="accent1"/>
+          </a:effectRef>
+          <a:fontRef idx="minor">
+            <a:schemeClr val="lt1"/>
+          </a:fontRef>
+        </p:style>
+        <p:txBody>
+          <a:bodyPr rtlCol="0" anchor="ctr"/>
+          <a:lstStyle/>
+          <a:p>
+            <a:pPr algn="ctr"/>
+            <a:endParaRPr lang="zh-CN" altLang="en-US"/>
+          </a:p>
+        </p:txBody>
+      </p:sp>
+      <p:sp>
+        <p:nvSpPr>
+          <p:cNvPr id="7" name="椭圆 6"/>
+          <p:cNvSpPr/>
+          <p:nvPr/>
+        </p:nvSpPr>
+        <p:spPr>
+          <a:xfrm>
+            <a:off x="3862001" y="3782134"/>
+            <a:ext cx="432048" cy="432048"/>
+          </a:xfrm>
+          <a:prstGeom prst="ellipse">
+            <a:avLst/>
+          </a:prstGeom>
+          <a:noFill/>
+          <a:ln w="38100">
+            <a:solidFill>
+              <a:srgbClr val="FF0000"/>
+            </a:solidFill>
+          </a:ln>
+        </p:spPr>
+        <p:style>
+          <a:lnRef idx="2">
+            <a:schemeClr val="accent1">
+              <a:shade val="50000"/>
+            </a:schemeClr>
+          </a:lnRef>
+          <a:fillRef idx="1">
+            <a:schemeClr val="accent1"/>
+          </a:fillRef>
+          <a:effectRef idx="0">
+            <a:schemeClr val="accent1"/>
+          </a:effectRef>
+          <a:fontRef idx="minor">
+            <a:schemeClr val="lt1"/>
+          </a:fontRef>
+        </p:style>
+        <p:txBody>
+          <a:bodyPr rtlCol="0" anchor="ctr"/>
+          <a:lstStyle/>
+          <a:p>
+            <a:pPr algn="ctr"/>
+            <a:endParaRPr lang="zh-CN" altLang="en-US"/>
+          </a:p>
+        </p:txBody>
+      </p:sp>
+    </p:spTree>
+    <p:extLst>
+      <p:ext uri="{BB962C8B-B14F-4D97-AF65-F5344CB8AC3E}">
+        <p14:creationId xmlns:p14="http://schemas.microsoft.com/office/powerpoint/2010/main" val="1817739859"/>
+      </p:ext>
+    </p:extLst>
+  </p:cSld>
+  <p:clrMapOvr>
+    <a:masterClrMapping/>
+  </p:clrMapOvr>
+</p:sld>
+</file>
+
+<file path=ppt/slides/slide13.xml><?xml version="1.0" encoding="utf-8"?>
+<p:sld xmlns:a="http://schemas.openxmlformats.org/drawingml/2006/main" xmlns:r="http://schemas.openxmlformats.org/officeDocument/2006/relationships" xmlns:p="http://schemas.openxmlformats.org/presentationml/2006/main">
+  <p:cSld>
+    <p:spTree>
+      <p:nvGrpSpPr>
+        <p:cNvPr id="1" name=""/>
+        <p:cNvGrpSpPr/>
+        <p:nvPr/>
+      </p:nvGrpSpPr>
+      <p:grpSpPr>
+        <a:xfrm>
+          <a:off x="0" y="0"/>
+          <a:ext cx="0" cy="0"/>
+          <a:chOff x="0" y="0"/>
+          <a:chExt cx="0" cy="0"/>
+        </a:xfrm>
+      </p:grpSpPr>
+      <p:sp>
+        <p:nvSpPr>
+          <p:cNvPr id="4" name="TextBox 3"/>
+          <p:cNvSpPr txBox="1"/>
+          <p:nvPr/>
+        </p:nvSpPr>
+        <p:spPr>
+          <a:xfrm>
+            <a:off x="467544" y="476672"/>
+            <a:ext cx="7776864" cy="523220"/>
+          </a:xfrm>
+          <a:prstGeom prst="rect">
+            <a:avLst/>
+          </a:prstGeom>
+          <a:noFill/>
+        </p:spPr>
+        <p:txBody>
+          <a:bodyPr wrap="square" rtlCol="0">
+            <a:spAutoFit/>
+          </a:bodyPr>
+          <a:lstStyle/>
+          <a:p>
+            <a:r>
+              <a:rPr lang="en-US" altLang="zh-CN" sz="2800" b="1" dirty="0">
+                <a:solidFill>
+                  <a:schemeClr val="tx1">
+                    <a:lumMod val="75000"/>
+                    <a:lumOff val="25000"/>
+                  </a:schemeClr>
+                </a:solidFill>
+                <a:latin typeface="微软雅黑" pitchFamily="34" charset="-122"/>
+                <a:ea typeface="微软雅黑" pitchFamily="34" charset="-122"/>
+              </a:rPr>
+              <a:t>7</a:t>
+            </a:r>
+            <a:r>
+              <a:rPr lang="en-US" altLang="zh-CN" sz="2800" b="1" dirty="0" smtClean="0">
+                <a:solidFill>
+                  <a:schemeClr val="tx1">
+                    <a:lumMod val="75000"/>
+                    <a:lumOff val="25000"/>
+                  </a:schemeClr>
+                </a:solidFill>
+                <a:latin typeface="微软雅黑" pitchFamily="34" charset="-122"/>
+                <a:ea typeface="微软雅黑" pitchFamily="34" charset="-122"/>
+              </a:rPr>
+              <a:t>.</a:t>
+            </a:r>
+            <a:r>
+              <a:rPr lang="zh-CN" altLang="en-US" sz="2800" b="1" dirty="0" smtClean="0">
+                <a:solidFill>
+                  <a:schemeClr val="tx1">
+                    <a:lumMod val="75000"/>
+                    <a:lumOff val="25000"/>
+                  </a:schemeClr>
+                </a:solidFill>
+                <a:latin typeface="微软雅黑" pitchFamily="34" charset="-122"/>
+                <a:ea typeface="微软雅黑" pitchFamily="34" charset="-122"/>
+              </a:rPr>
+              <a:t>更多思考</a:t>
+            </a:r>
+            <a:endParaRPr lang="zh-CN" altLang="en-US" sz="2800" b="1" dirty="0">
+              <a:solidFill>
+                <a:schemeClr val="tx1">
+                  <a:lumMod val="75000"/>
+                  <a:lumOff val="25000"/>
+                </a:schemeClr>
+              </a:solidFill>
+              <a:latin typeface="微软雅黑" pitchFamily="34" charset="-122"/>
+              <a:ea typeface="微软雅黑" pitchFamily="34" charset="-122"/>
+            </a:endParaRPr>
+          </a:p>
+        </p:txBody>
+      </p:sp>
+      <p:sp>
+        <p:nvSpPr>
+          <p:cNvPr id="9" name="TextBox 8"/>
+          <p:cNvSpPr txBox="1"/>
+          <p:nvPr/>
+        </p:nvSpPr>
+        <p:spPr>
+          <a:xfrm>
+            <a:off x="611560" y="2996952"/>
+            <a:ext cx="7776864" cy="1384995"/>
+          </a:xfrm>
+          <a:prstGeom prst="rect">
+            <a:avLst/>
+          </a:prstGeom>
+          <a:noFill/>
+        </p:spPr>
+        <p:txBody>
+          <a:bodyPr wrap="square" rtlCol="0">
+            <a:spAutoFit/>
+          </a:bodyPr>
+          <a:lstStyle/>
+          <a:p>
+            <a:r>
+              <a:rPr lang="en-US" altLang="zh-CN" sz="2800" b="1" dirty="0" smtClean="0">
+                <a:solidFill>
+                  <a:schemeClr val="tx1">
+                    <a:lumMod val="75000"/>
+                    <a:lumOff val="25000"/>
+                  </a:schemeClr>
+                </a:solidFill>
+                <a:latin typeface="微软雅黑" pitchFamily="34" charset="-122"/>
+                <a:ea typeface="微软雅黑" pitchFamily="34" charset="-122"/>
+              </a:rPr>
+              <a:t>	</a:t>
+            </a:r>
+            <a:r>
+              <a:rPr lang="zh-CN" altLang="en-US" sz="2800" b="1" dirty="0" smtClean="0">
+                <a:solidFill>
+                  <a:schemeClr val="tx1">
+                    <a:lumMod val="75000"/>
+                    <a:lumOff val="25000"/>
+                  </a:schemeClr>
+                </a:solidFill>
+                <a:latin typeface="微软雅黑" pitchFamily="34" charset="-122"/>
+                <a:ea typeface="微软雅黑" pitchFamily="34" charset="-122"/>
+              </a:rPr>
+              <a:t>本期内容就讲到这里，谢谢大家！</a:t>
+            </a:r>
+            <a:endParaRPr lang="en-US" altLang="zh-CN" sz="2800" b="1" dirty="0" smtClean="0">
+              <a:solidFill>
+                <a:schemeClr val="tx1">
+                  <a:lumMod val="75000"/>
+                  <a:lumOff val="25000"/>
+                </a:schemeClr>
+              </a:solidFill>
+              <a:latin typeface="微软雅黑" pitchFamily="34" charset="-122"/>
+              <a:ea typeface="微软雅黑" pitchFamily="34" charset="-122"/>
+            </a:endParaRPr>
+          </a:p>
+          <a:p>
+            <a:endParaRPr lang="en-US" altLang="zh-CN" sz="2800" b="1" dirty="0" smtClean="0">
+              <a:solidFill>
+                <a:schemeClr val="tx1">
+                  <a:lumMod val="75000"/>
+                  <a:lumOff val="25000"/>
+                </a:schemeClr>
+              </a:solidFill>
+              <a:latin typeface="微软雅黑" pitchFamily="34" charset="-122"/>
+              <a:ea typeface="微软雅黑" pitchFamily="34" charset="-122"/>
+            </a:endParaRPr>
+          </a:p>
+          <a:p>
+            <a:r>
+              <a:rPr lang="en-US" altLang="zh-CN" sz="2800" b="1" dirty="0">
+                <a:solidFill>
+                  <a:schemeClr val="tx1">
+                    <a:lumMod val="75000"/>
+                    <a:lumOff val="25000"/>
+                  </a:schemeClr>
+                </a:solidFill>
+                <a:latin typeface="微软雅黑" pitchFamily="34" charset="-122"/>
+                <a:ea typeface="微软雅黑" pitchFamily="34" charset="-122"/>
+              </a:rPr>
+              <a:t>	</a:t>
+            </a:r>
+            <a:r>
+              <a:rPr lang="en-US" altLang="zh-CN" sz="2800" b="1" dirty="0" smtClean="0">
+                <a:solidFill>
+                  <a:schemeClr val="tx1">
+                    <a:lumMod val="75000"/>
+                    <a:lumOff val="25000"/>
+                  </a:schemeClr>
+                </a:solidFill>
+                <a:latin typeface="微软雅黑" pitchFamily="34" charset="-122"/>
+                <a:ea typeface="微软雅黑" pitchFamily="34" charset="-122"/>
+              </a:rPr>
+              <a:t>	</a:t>
+            </a:r>
+            <a:endParaRPr lang="zh-CN" altLang="en-US" sz="2800" b="1" dirty="0">
+              <a:solidFill>
+                <a:schemeClr val="tx1">
+                  <a:lumMod val="75000"/>
+                  <a:lumOff val="25000"/>
+                </a:schemeClr>
+              </a:solidFill>
+              <a:latin typeface="微软雅黑" pitchFamily="34" charset="-122"/>
+              <a:ea typeface="微软雅黑" pitchFamily="34" charset="-122"/>
+            </a:endParaRPr>
+          </a:p>
+        </p:txBody>
+      </p:sp>
+      <p:sp>
+        <p:nvSpPr>
+          <p:cNvPr id="5" name="TextBox 4"/>
+          <p:cNvSpPr txBox="1"/>
+          <p:nvPr/>
+        </p:nvSpPr>
+        <p:spPr>
+          <a:xfrm>
+            <a:off x="467544" y="1268760"/>
+            <a:ext cx="7632848" cy="646331"/>
+          </a:xfrm>
+          <a:prstGeom prst="rect">
+            <a:avLst/>
+          </a:prstGeom>
+          <a:noFill/>
+        </p:spPr>
+        <p:txBody>
+          <a:bodyPr wrap="square" rtlCol="0">
+            <a:spAutoFit/>
+          </a:bodyPr>
+          <a:lstStyle/>
+          <a:p>
+            <a:pPr marL="342900" indent="-342900">
+              <a:lnSpc>
+                <a:spcPct val="150000"/>
+              </a:lnSpc>
+              <a:buFont typeface="Arial" pitchFamily="34" charset="0"/>
+              <a:buChar char="•"/>
+            </a:pPr>
+            <a:r>
+              <a:rPr lang="zh-CN" altLang="en-US" sz="2400" dirty="0" smtClean="0">
+                <a:solidFill>
+                  <a:schemeClr val="tx1">
+                    <a:lumMod val="75000"/>
+                    <a:lumOff val="25000"/>
+                  </a:schemeClr>
+                </a:solidFill>
+                <a:latin typeface="微软雅黑" pitchFamily="34" charset="-122"/>
+                <a:ea typeface="微软雅黑" pitchFamily="34" charset="-122"/>
+              </a:rPr>
+              <a:t>如果想点击图片实现水波效果，如何实现？</a:t>
+            </a:r>
+            <a:endParaRPr lang="en-US" altLang="zh-CN" sz="2400" dirty="0" smtClean="0">
+              <a:solidFill>
+                <a:schemeClr val="tx1">
+                  <a:lumMod val="75000"/>
+                  <a:lumOff val="25000"/>
+                </a:schemeClr>
+              </a:solidFill>
+              <a:latin typeface="微软雅黑" pitchFamily="34" charset="-122"/>
+              <a:ea typeface="微软雅黑" pitchFamily="34" charset="-122"/>
+            </a:endParaRPr>
+          </a:p>
+        </p:txBody>
+      </p:sp>
+    </p:spTree>
+    <p:extLst>
+      <p:ext uri="{BB962C8B-B14F-4D97-AF65-F5344CB8AC3E}">
+        <p14:creationId xmlns:p14="http://schemas.microsoft.com/office/powerpoint/2010/main" val="2328121375"/>
+      </p:ext>
+    </p:extLst>
+  </p:cSld>
+  <p:clrMapOvr>
+    <a:masterClrMapping/>
+  </p:clrMapOvr>
+</p:sld>
+</file>
+
+<file path=ppt/slides/slide2.xml><?xml version="1.0" encoding="utf-8"?>
+<p:sld xmlns:a="http://schemas.openxmlformats.org/drawingml/2006/main" xmlns:r="http://schemas.openxmlformats.org/officeDocument/2006/relationships" xmlns:p="http://schemas.openxmlformats.org/presentationml/2006/main">
+  <p:cSld>
+    <p:spTree>
+      <p:nvGrpSpPr>
+        <p:cNvPr id="1" name=""/>
+        <p:cNvGrpSpPr/>
+        <p:nvPr/>
+      </p:nvGrpSpPr>
+      <p:grpSpPr>
+        <a:xfrm>
+          <a:off x="0" y="0"/>
+          <a:ext cx="0" cy="0"/>
+          <a:chOff x="0" y="0"/>
+          <a:chExt cx="0" cy="0"/>
+        </a:xfrm>
+      </p:grpSpPr>
+      <p:sp>
+        <p:nvSpPr>
+          <p:cNvPr id="4" name="TextBox 3"/>
+          <p:cNvSpPr txBox="1"/>
+          <p:nvPr/>
+        </p:nvSpPr>
+        <p:spPr>
+          <a:xfrm>
+            <a:off x="684000" y="453173"/>
+            <a:ext cx="7776000" cy="523220"/>
+          </a:xfrm>
+          <a:prstGeom prst="rect">
+            <a:avLst/>
+          </a:prstGeom>
+          <a:noFill/>
+        </p:spPr>
+        <p:txBody>
+          <a:bodyPr wrap="square" rtlCol="0">
+            <a:spAutoFit/>
+          </a:bodyPr>
+          <a:lstStyle/>
+          <a:p>
+            <a:r>
+              <a:rPr lang="en-US" altLang="zh-CN" sz="2800" b="1" dirty="0" smtClean="0">
+                <a:solidFill>
+                  <a:schemeClr val="tx1">
+                    <a:lumMod val="75000"/>
+                    <a:lumOff val="25000"/>
+                  </a:schemeClr>
+                </a:solidFill>
+                <a:latin typeface="微软雅黑" pitchFamily="34" charset="-122"/>
+                <a:ea typeface="微软雅黑" pitchFamily="34" charset="-122"/>
+              </a:rPr>
+              <a:t>1.</a:t>
+            </a:r>
+            <a:r>
+              <a:rPr lang="zh-CN" altLang="en-US" sz="2800" b="1" dirty="0">
+                <a:solidFill>
+                  <a:schemeClr val="tx1">
+                    <a:lumMod val="75000"/>
+                    <a:lumOff val="25000"/>
+                  </a:schemeClr>
+                </a:solidFill>
+                <a:latin typeface="微软雅黑" pitchFamily="34" charset="-122"/>
+                <a:ea typeface="微软雅黑" pitchFamily="34" charset="-122"/>
+              </a:rPr>
+              <a:t>目标</a:t>
+            </a:r>
+            <a:r>
+              <a:rPr lang="en-US" altLang="zh-CN" sz="2800" b="1" dirty="0">
+                <a:solidFill>
+                  <a:schemeClr val="tx1">
+                    <a:lumMod val="75000"/>
+                    <a:lumOff val="25000"/>
+                  </a:schemeClr>
+                </a:solidFill>
+                <a:latin typeface="微软雅黑" pitchFamily="34" charset="-122"/>
+                <a:ea typeface="微软雅黑" pitchFamily="34" charset="-122"/>
+              </a:rPr>
+              <a:t>——SVG</a:t>
+            </a:r>
+            <a:r>
+              <a:rPr lang="zh-CN" altLang="en-US" sz="2800" b="1" dirty="0">
+                <a:solidFill>
+                  <a:schemeClr val="tx1">
+                    <a:lumMod val="75000"/>
+                    <a:lumOff val="25000"/>
+                  </a:schemeClr>
+                </a:solidFill>
+                <a:latin typeface="微软雅黑" pitchFamily="34" charset="-122"/>
+                <a:ea typeface="微软雅黑" pitchFamily="34" charset="-122"/>
+              </a:rPr>
+              <a:t>水波文字（</a:t>
+            </a:r>
+            <a:r>
+              <a:rPr lang="zh-CN" altLang="en-US" sz="2800" b="1" dirty="0" smtClean="0">
+                <a:solidFill>
+                  <a:schemeClr val="tx1">
+                    <a:lumMod val="75000"/>
+                    <a:lumOff val="25000"/>
+                  </a:schemeClr>
+                </a:solidFill>
+                <a:latin typeface="微软雅黑" pitchFamily="34" charset="-122"/>
+                <a:ea typeface="微软雅黑" pitchFamily="34" charset="-122"/>
+              </a:rPr>
+              <a:t>难度：</a:t>
+            </a:r>
+            <a:r>
+              <a:rPr lang="en-US" altLang="zh-CN" sz="2800" b="1" dirty="0" smtClean="0">
+                <a:solidFill>
+                  <a:schemeClr val="tx1">
+                    <a:lumMod val="75000"/>
+                    <a:lumOff val="25000"/>
+                  </a:schemeClr>
+                </a:solidFill>
+                <a:latin typeface="微软雅黑" pitchFamily="34" charset="-122"/>
+                <a:ea typeface="微软雅黑" pitchFamily="34" charset="-122"/>
+              </a:rPr>
+              <a:t>2.3</a:t>
+            </a:r>
+            <a:r>
+              <a:rPr lang="zh-CN" altLang="en-US" sz="2800" b="1" dirty="0" smtClean="0">
+                <a:solidFill>
+                  <a:schemeClr val="tx1">
+                    <a:lumMod val="75000"/>
+                    <a:lumOff val="25000"/>
+                  </a:schemeClr>
+                </a:solidFill>
+                <a:latin typeface="微软雅黑" pitchFamily="34" charset="-122"/>
+                <a:ea typeface="微软雅黑" pitchFamily="34" charset="-122"/>
+              </a:rPr>
+              <a:t>）</a:t>
+            </a:r>
+            <a:endParaRPr lang="zh-CN" altLang="en-US" sz="2800" b="1" dirty="0">
+              <a:solidFill>
+                <a:schemeClr val="tx1">
+                  <a:lumMod val="75000"/>
+                  <a:lumOff val="25000"/>
+                </a:schemeClr>
+              </a:solidFill>
+              <a:latin typeface="微软雅黑" pitchFamily="34" charset="-122"/>
+              <a:ea typeface="微软雅黑" pitchFamily="34" charset="-122"/>
+            </a:endParaRPr>
+          </a:p>
+        </p:txBody>
+      </p:sp>
+      <p:sp>
+        <p:nvSpPr>
+          <p:cNvPr id="2" name="TextBox 1"/>
+          <p:cNvSpPr txBox="1"/>
+          <p:nvPr/>
+        </p:nvSpPr>
+        <p:spPr>
+          <a:xfrm>
+            <a:off x="684000" y="1134480"/>
+            <a:ext cx="7776000" cy="1754326"/>
+          </a:xfrm>
+          <a:prstGeom prst="rect">
+            <a:avLst/>
+          </a:prstGeom>
+          <a:noFill/>
+        </p:spPr>
+        <p:txBody>
+          <a:bodyPr wrap="square" rtlCol="0">
+            <a:spAutoFit/>
+          </a:bodyPr>
+          <a:lstStyle/>
+          <a:p>
+            <a:pPr>
+              <a:lnSpc>
+                <a:spcPct val="150000"/>
+              </a:lnSpc>
+            </a:pPr>
+            <a:r>
+              <a:rPr lang="zh-CN" altLang="en-US" sz="2400" dirty="0" smtClean="0">
+                <a:solidFill>
+                  <a:schemeClr val="tx1">
+                    <a:lumMod val="75000"/>
+                    <a:lumOff val="25000"/>
+                  </a:schemeClr>
+                </a:solidFill>
+                <a:latin typeface="微软雅黑" pitchFamily="34" charset="-122"/>
+                <a:ea typeface="微软雅黑" pitchFamily="34" charset="-122"/>
+              </a:rPr>
+              <a:t>本期我们的目标是利用之前学习的</a:t>
+            </a:r>
+            <a:r>
+              <a:rPr lang="en-US" altLang="zh-CN" sz="2400" dirty="0" smtClean="0">
+                <a:solidFill>
+                  <a:schemeClr val="tx1">
+                    <a:lumMod val="75000"/>
+                    <a:lumOff val="25000"/>
+                  </a:schemeClr>
+                </a:solidFill>
+                <a:latin typeface="微软雅黑" pitchFamily="34" charset="-122"/>
+                <a:ea typeface="微软雅黑" pitchFamily="34" charset="-122"/>
+              </a:rPr>
+              <a:t>SVG</a:t>
+            </a:r>
+            <a:r>
+              <a:rPr lang="zh-CN" altLang="en-US" sz="2400" dirty="0" smtClean="0">
+                <a:solidFill>
+                  <a:schemeClr val="tx1">
+                    <a:lumMod val="75000"/>
+                    <a:lumOff val="25000"/>
+                  </a:schemeClr>
+                </a:solidFill>
+                <a:latin typeface="微软雅黑" pitchFamily="34" charset="-122"/>
+                <a:ea typeface="微软雅黑" pitchFamily="34" charset="-122"/>
+              </a:rPr>
+              <a:t>滤镜</a:t>
+            </a:r>
+            <a:r>
+              <a:rPr lang="zh-CN" altLang="en-US" sz="2400" dirty="0">
+                <a:solidFill>
+                  <a:schemeClr val="tx1">
+                    <a:lumMod val="75000"/>
+                    <a:lumOff val="25000"/>
+                  </a:schemeClr>
+                </a:solidFill>
+                <a:latin typeface="微软雅黑" pitchFamily="34" charset="-122"/>
+                <a:ea typeface="微软雅黑" pitchFamily="34" charset="-122"/>
+              </a:rPr>
+              <a:t>技术</a:t>
+            </a:r>
+            <a:r>
+              <a:rPr lang="zh-CN" altLang="en-US" sz="2400" dirty="0" smtClean="0">
+                <a:solidFill>
+                  <a:schemeClr val="tx1">
+                    <a:lumMod val="75000"/>
+                    <a:lumOff val="25000"/>
+                  </a:schemeClr>
+                </a:solidFill>
+                <a:latin typeface="微软雅黑" pitchFamily="34" charset="-122"/>
+                <a:ea typeface="微软雅黑" pitchFamily="34" charset="-122"/>
+              </a:rPr>
+              <a:t>，实现文本被点击时，产生水波；水波从剧烈晃动，到逐渐平静的效果</a:t>
+            </a:r>
+            <a:r>
+              <a:rPr lang="en-US" altLang="zh-CN" sz="2400" dirty="0" smtClean="0">
+                <a:solidFill>
+                  <a:schemeClr val="tx1">
+                    <a:lumMod val="75000"/>
+                    <a:lumOff val="25000"/>
+                  </a:schemeClr>
+                </a:solidFill>
+                <a:latin typeface="微软雅黑" pitchFamily="34" charset="-122"/>
+                <a:ea typeface="微软雅黑" pitchFamily="34" charset="-122"/>
+              </a:rPr>
+              <a:t>.</a:t>
+            </a:r>
+          </a:p>
+        </p:txBody>
+      </p:sp>
+      <p:pic>
+        <p:nvPicPr>
+          <p:cNvPr id="5" name="图片 4" descr="屏幕剪辑"/>
+          <p:cNvPicPr>
+            <a:picLocks noChangeAspect="1"/>
+          </p:cNvPicPr>
+          <p:nvPr/>
+        </p:nvPicPr>
+        <p:blipFill>
+          <a:blip r:embed="rId2">
+            <a:extLst>
+              <a:ext uri="{28A0092B-C50C-407E-A947-70E740481C1C}">
+                <a14:useLocalDpi xmlns:a14="http://schemas.microsoft.com/office/drawing/2010/main" val="0"/>
+              </a:ext>
+            </a:extLst>
+          </a:blip>
+          <a:stretch>
+            <a:fillRect/>
+          </a:stretch>
+        </p:blipFill>
+        <p:spPr>
+          <a:xfrm>
+            <a:off x="1691680" y="4624281"/>
+            <a:ext cx="4772691" cy="1829055"/>
+          </a:xfrm>
+          <a:prstGeom prst="rect">
+            <a:avLst/>
+          </a:prstGeom>
+          <a:ln>
+            <a:noFill/>
+          </a:ln>
+          <a:effectLst>
+            <a:softEdge rad="112500"/>
+          </a:effectLst>
+        </p:spPr>
+      </p:pic>
+      <p:pic>
+        <p:nvPicPr>
+          <p:cNvPr id="6" name="图片 5" descr="屏幕剪辑"/>
+          <p:cNvPicPr>
+            <a:picLocks noChangeAspect="1"/>
+          </p:cNvPicPr>
+          <p:nvPr/>
+        </p:nvPicPr>
+        <p:blipFill>
+          <a:blip r:embed="rId3">
+            <a:extLst>
+              <a:ext uri="{28A0092B-C50C-407E-A947-70E740481C1C}">
+                <a14:useLocalDpi xmlns:a14="http://schemas.microsoft.com/office/drawing/2010/main" val="0"/>
+              </a:ext>
+            </a:extLst>
+          </a:blip>
+          <a:stretch>
+            <a:fillRect/>
+          </a:stretch>
+        </p:blipFill>
+        <p:spPr>
+          <a:xfrm>
+            <a:off x="1691680" y="2876999"/>
+            <a:ext cx="4773600" cy="1848145"/>
+          </a:xfrm>
+          <a:prstGeom prst="rect">
+            <a:avLst/>
+          </a:prstGeom>
+          <a:ln>
+            <a:noFill/>
+          </a:ln>
+          <a:effectLst>
+            <a:softEdge rad="112500"/>
+          </a:effectLst>
+        </p:spPr>
+      </p:pic>
+    </p:spTree>
+    <p:extLst>
+      <p:ext uri="{BB962C8B-B14F-4D97-AF65-F5344CB8AC3E}">
+        <p14:creationId xmlns:p14="http://schemas.microsoft.com/office/powerpoint/2010/main" val="530281721"/>
+      </p:ext>
+    </p:extLst>
+  </p:cSld>
+  <p:clrMapOvr>
+    <a:masterClrMapping/>
+  </p:clrMapOvr>
+  <p:timing>
+    <p:tnLst>
+      <p:par>
+        <p:cTn id="1" dur="indefinite" restart="never" nodeType="tmRoot"/>
+      </p:par>
+    </p:tnLst>
+  </p:timing>
+</p:sld>
+</file>
+
+<file path=ppt/slides/slide3.xml><?xml version="1.0" encoding="utf-8"?>
+<p:sld xmlns:a="http://schemas.openxmlformats.org/drawingml/2006/main" xmlns:r="http://schemas.openxmlformats.org/officeDocument/2006/relationships" xmlns:p="http://schemas.openxmlformats.org/presentationml/2006/main">
+  <p:cSld>
+    <p:spTree>
+      <p:nvGrpSpPr>
+        <p:cNvPr id="1" name=""/>
+        <p:cNvGrpSpPr/>
+        <p:nvPr/>
+      </p:nvGrpSpPr>
+      <p:grpSpPr>
+        <a:xfrm>
+          <a:off x="0" y="0"/>
+          <a:ext cx="0" cy="0"/>
+          <a:chOff x="0" y="0"/>
+          <a:chExt cx="0" cy="0"/>
+        </a:xfrm>
+      </p:grpSpPr>
+      <p:sp>
+        <p:nvSpPr>
+          <p:cNvPr id="4" name="TextBox 3"/>
+          <p:cNvSpPr txBox="1"/>
+          <p:nvPr/>
+        </p:nvSpPr>
+        <p:spPr>
+          <a:xfrm>
+            <a:off x="684000" y="476672"/>
+            <a:ext cx="7776000" cy="523220"/>
+          </a:xfrm>
+          <a:prstGeom prst="rect">
+            <a:avLst/>
+          </a:prstGeom>
+          <a:noFill/>
+        </p:spPr>
+        <p:txBody>
+          <a:bodyPr wrap="square" rtlCol="0">
+            <a:spAutoFit/>
+          </a:bodyPr>
+          <a:lstStyle/>
+          <a:p>
+            <a:r>
+              <a:rPr lang="en-US" altLang="zh-CN" sz="2800" b="1" dirty="0" smtClean="0">
+                <a:solidFill>
+                  <a:schemeClr val="tx1">
+                    <a:lumMod val="75000"/>
+                    <a:lumOff val="25000"/>
+                  </a:schemeClr>
+                </a:solidFill>
+                <a:latin typeface="微软雅黑" pitchFamily="34" charset="-122"/>
+                <a:ea typeface="微软雅黑" pitchFamily="34" charset="-122"/>
+              </a:rPr>
+              <a:t>2.</a:t>
+            </a:r>
+            <a:r>
+              <a:rPr lang="zh-CN" altLang="en-US" sz="2800" b="1" dirty="0" smtClean="0">
+                <a:solidFill>
+                  <a:schemeClr val="tx1">
+                    <a:lumMod val="75000"/>
+                    <a:lumOff val="25000"/>
+                  </a:schemeClr>
+                </a:solidFill>
+                <a:latin typeface="微软雅黑" pitchFamily="34" charset="-122"/>
+                <a:ea typeface="微软雅黑" pitchFamily="34" charset="-122"/>
+              </a:rPr>
+              <a:t>分析需求</a:t>
+            </a:r>
+            <a:r>
+              <a:rPr lang="en-US" altLang="zh-CN" sz="2800" b="1" dirty="0" smtClean="0">
+                <a:solidFill>
+                  <a:schemeClr val="tx1">
+                    <a:lumMod val="75000"/>
+                    <a:lumOff val="25000"/>
+                  </a:schemeClr>
+                </a:solidFill>
+                <a:latin typeface="微软雅黑" pitchFamily="34" charset="-122"/>
+                <a:ea typeface="微软雅黑" pitchFamily="34" charset="-122"/>
+              </a:rPr>
+              <a:t>——</a:t>
+            </a:r>
+            <a:r>
+              <a:rPr lang="zh-CN" altLang="en-US" sz="2800" b="1" dirty="0" smtClean="0">
+                <a:solidFill>
+                  <a:schemeClr val="tx1">
+                    <a:lumMod val="75000"/>
+                    <a:lumOff val="25000"/>
+                  </a:schemeClr>
+                </a:solidFill>
+                <a:latin typeface="微软雅黑" pitchFamily="34" charset="-122"/>
+                <a:ea typeface="微软雅黑" pitchFamily="34" charset="-122"/>
+              </a:rPr>
+              <a:t>庖丁解牛</a:t>
+            </a:r>
+            <a:endParaRPr lang="zh-CN" altLang="en-US" sz="2800" b="1" dirty="0">
+              <a:solidFill>
+                <a:schemeClr val="tx1">
+                  <a:lumMod val="75000"/>
+                  <a:lumOff val="25000"/>
+                </a:schemeClr>
+              </a:solidFill>
+              <a:latin typeface="微软雅黑" pitchFamily="34" charset="-122"/>
+              <a:ea typeface="微软雅黑" pitchFamily="34" charset="-122"/>
+            </a:endParaRPr>
+          </a:p>
+        </p:txBody>
+      </p:sp>
+      <p:sp>
+        <p:nvSpPr>
+          <p:cNvPr id="5" name="TextBox 4"/>
+          <p:cNvSpPr txBox="1"/>
+          <p:nvPr/>
+        </p:nvSpPr>
+        <p:spPr>
+          <a:xfrm>
+            <a:off x="684000" y="1196752"/>
+            <a:ext cx="7776000" cy="5078313"/>
+          </a:xfrm>
+          <a:prstGeom prst="rect">
+            <a:avLst/>
+          </a:prstGeom>
+          <a:noFill/>
+        </p:spPr>
+        <p:txBody>
+          <a:bodyPr wrap="square" rtlCol="0">
+            <a:spAutoFit/>
+          </a:bodyPr>
+          <a:lstStyle/>
+          <a:p>
+            <a:pPr marL="457200" indent="-457200">
+              <a:lnSpc>
+                <a:spcPct val="150000"/>
+              </a:lnSpc>
+              <a:buAutoNum type="arabicPeriod"/>
+            </a:pPr>
+            <a:r>
+              <a:rPr lang="zh-CN" altLang="en-US" sz="2400" dirty="0" smtClean="0">
+                <a:solidFill>
+                  <a:schemeClr val="tx1">
+                    <a:lumMod val="75000"/>
+                    <a:lumOff val="25000"/>
+                  </a:schemeClr>
+                </a:solidFill>
+                <a:latin typeface="微软雅黑" pitchFamily="34" charset="-122"/>
+                <a:ea typeface="微软雅黑" pitchFamily="34" charset="-122"/>
+              </a:rPr>
+              <a:t>水波的形态可以用我们之前学过的柏林噪声滤镜</a:t>
+            </a:r>
+            <a:r>
+              <a:rPr lang="en-US" altLang="zh-CN" sz="2400" dirty="0" err="1" smtClean="0">
+                <a:solidFill>
+                  <a:srgbClr val="FF0000"/>
+                </a:solidFill>
+                <a:latin typeface="微软雅黑" pitchFamily="34" charset="-122"/>
+                <a:ea typeface="微软雅黑" pitchFamily="34" charset="-122"/>
+              </a:rPr>
+              <a:t>feTurbulence</a:t>
+            </a:r>
+            <a:r>
+              <a:rPr lang="zh-CN" altLang="en-US" sz="2400" dirty="0" smtClean="0">
+                <a:solidFill>
+                  <a:schemeClr val="tx1">
+                    <a:lumMod val="75000"/>
+                    <a:lumOff val="25000"/>
+                  </a:schemeClr>
+                </a:solidFill>
+                <a:latin typeface="微软雅黑" pitchFamily="34" charset="-122"/>
+                <a:ea typeface="微软雅黑" pitchFamily="34" charset="-122"/>
+              </a:rPr>
+              <a:t>，结合</a:t>
+            </a:r>
+            <a:r>
+              <a:rPr lang="en-US" altLang="zh-CN" sz="2400" dirty="0" err="1" smtClean="0">
+                <a:solidFill>
+                  <a:srgbClr val="FF0000"/>
+                </a:solidFill>
+                <a:latin typeface="微软雅黑" pitchFamily="34" charset="-122"/>
+                <a:ea typeface="微软雅黑" pitchFamily="34" charset="-122"/>
+              </a:rPr>
+              <a:t>feDisplacementMap</a:t>
+            </a:r>
+            <a:r>
+              <a:rPr lang="zh-CN" altLang="en-US" sz="2400" dirty="0" smtClean="0">
+                <a:solidFill>
+                  <a:schemeClr val="tx1">
+                    <a:lumMod val="75000"/>
+                    <a:lumOff val="25000"/>
+                  </a:schemeClr>
+                </a:solidFill>
+                <a:latin typeface="微软雅黑" pitchFamily="34" charset="-122"/>
+                <a:ea typeface="微软雅黑" pitchFamily="34" charset="-122"/>
+              </a:rPr>
+              <a:t>扭曲文本像素。具体请参考</a:t>
+            </a:r>
+            <a:r>
+              <a:rPr lang="en-US" altLang="zh-CN" sz="2400" dirty="0" smtClean="0">
+                <a:solidFill>
+                  <a:schemeClr val="tx1">
+                    <a:lumMod val="75000"/>
+                    <a:lumOff val="25000"/>
+                  </a:schemeClr>
+                </a:solidFill>
+                <a:latin typeface="微软雅黑" pitchFamily="34" charset="-122"/>
+                <a:ea typeface="微软雅黑" pitchFamily="34" charset="-122"/>
+              </a:rPr>
+              <a:t>《SVG</a:t>
+            </a:r>
+            <a:r>
+              <a:rPr lang="zh-CN" altLang="en-US" sz="2400" dirty="0" smtClean="0">
+                <a:solidFill>
+                  <a:schemeClr val="tx1">
+                    <a:lumMod val="75000"/>
+                    <a:lumOff val="25000"/>
+                  </a:schemeClr>
+                </a:solidFill>
+                <a:latin typeface="微软雅黑" pitchFamily="34" charset="-122"/>
+                <a:ea typeface="微软雅黑" pitchFamily="34" charset="-122"/>
+              </a:rPr>
+              <a:t>滤镜（二）</a:t>
+            </a:r>
+            <a:r>
+              <a:rPr lang="en-US" altLang="zh-CN" sz="2400" dirty="0" smtClean="0">
+                <a:solidFill>
+                  <a:schemeClr val="tx1">
+                    <a:lumMod val="75000"/>
+                    <a:lumOff val="25000"/>
+                  </a:schemeClr>
+                </a:solidFill>
+                <a:latin typeface="微软雅黑" pitchFamily="34" charset="-122"/>
+                <a:ea typeface="微软雅黑" pitchFamily="34" charset="-122"/>
+              </a:rPr>
+              <a:t>》</a:t>
+            </a:r>
+          </a:p>
+          <a:p>
+            <a:pPr marL="457200" indent="-457200">
+              <a:lnSpc>
+                <a:spcPct val="150000"/>
+              </a:lnSpc>
+              <a:buAutoNum type="arabicPeriod"/>
+            </a:pPr>
+            <a:r>
+              <a:rPr lang="zh-CN" altLang="en-US" sz="2400" dirty="0" smtClean="0">
+                <a:solidFill>
+                  <a:schemeClr val="tx1">
+                    <a:lumMod val="75000"/>
+                    <a:lumOff val="25000"/>
+                  </a:schemeClr>
+                </a:solidFill>
+                <a:latin typeface="微软雅黑" pitchFamily="34" charset="-122"/>
+                <a:ea typeface="微软雅黑" pitchFamily="34" charset="-122"/>
+              </a:rPr>
+              <a:t>水波</a:t>
+            </a:r>
+            <a:r>
+              <a:rPr lang="zh-CN" altLang="en-US" sz="2400" dirty="0" smtClean="0">
+                <a:solidFill>
+                  <a:schemeClr val="tx1">
+                    <a:lumMod val="75000"/>
+                    <a:lumOff val="25000"/>
+                  </a:schemeClr>
+                </a:solidFill>
+                <a:latin typeface="微软雅黑" pitchFamily="34" charset="-122"/>
+                <a:ea typeface="微软雅黑" pitchFamily="34" charset="-122"/>
+              </a:rPr>
+              <a:t>的动态效果，需要我们改变噪声的频率</a:t>
+            </a:r>
+            <a:endParaRPr lang="en-US" altLang="zh-CN" sz="2400" dirty="0" smtClean="0">
+              <a:solidFill>
+                <a:schemeClr val="tx1">
+                  <a:lumMod val="75000"/>
+                  <a:lumOff val="25000"/>
+                </a:schemeClr>
+              </a:solidFill>
+              <a:latin typeface="微软雅黑" pitchFamily="34" charset="-122"/>
+              <a:ea typeface="微软雅黑" pitchFamily="34" charset="-122"/>
+            </a:endParaRPr>
+          </a:p>
+          <a:p>
+            <a:pPr marL="457200" indent="-457200">
+              <a:lnSpc>
+                <a:spcPct val="150000"/>
+              </a:lnSpc>
+              <a:buAutoNum type="arabicPeriod"/>
+            </a:pPr>
+            <a:r>
+              <a:rPr lang="zh-CN" altLang="en-US" sz="2400" dirty="0" smtClean="0">
+                <a:solidFill>
+                  <a:schemeClr val="tx1">
+                    <a:lumMod val="75000"/>
+                    <a:lumOff val="25000"/>
+                  </a:schemeClr>
+                </a:solidFill>
+                <a:latin typeface="微软雅黑" pitchFamily="34" charset="-122"/>
+                <a:ea typeface="微软雅黑" pitchFamily="34" charset="-122"/>
+              </a:rPr>
+              <a:t>水波逐渐恢复平静的过程，通过逐渐降低噪声频率，同时降低像素的位移幅度</a:t>
+            </a:r>
+            <a:r>
+              <a:rPr lang="zh-CN" altLang="en-US" sz="2400" dirty="0" smtClean="0">
+                <a:solidFill>
+                  <a:schemeClr val="tx1">
+                    <a:lumMod val="75000"/>
+                    <a:lumOff val="25000"/>
+                  </a:schemeClr>
+                </a:solidFill>
+                <a:latin typeface="微软雅黑" pitchFamily="34" charset="-122"/>
+                <a:ea typeface="微软雅黑" pitchFamily="34" charset="-122"/>
+              </a:rPr>
+              <a:t>实现</a:t>
+            </a:r>
+            <a:r>
+              <a:rPr lang="en-US" altLang="zh-CN" sz="2400" dirty="0" smtClean="0">
+                <a:solidFill>
+                  <a:schemeClr val="tx1">
+                    <a:lumMod val="75000"/>
+                    <a:lumOff val="25000"/>
+                  </a:schemeClr>
+                </a:solidFill>
+                <a:latin typeface="微软雅黑" pitchFamily="34" charset="-122"/>
+                <a:ea typeface="微软雅黑" pitchFamily="34" charset="-122"/>
+              </a:rPr>
+              <a:t>.</a:t>
+            </a:r>
+            <a:r>
+              <a:rPr lang="zh-CN" altLang="en-US" sz="2400" dirty="0" smtClean="0">
+                <a:solidFill>
+                  <a:schemeClr val="tx1">
+                    <a:lumMod val="75000"/>
+                    <a:lumOff val="25000"/>
+                  </a:schemeClr>
+                </a:solidFill>
+                <a:latin typeface="微软雅黑" pitchFamily="34" charset="-122"/>
+                <a:ea typeface="微软雅黑" pitchFamily="34" charset="-122"/>
+              </a:rPr>
+              <a:t>关于</a:t>
+            </a:r>
+            <a:r>
+              <a:rPr lang="en-US" altLang="zh-CN" sz="2400" dirty="0" smtClean="0">
+                <a:solidFill>
+                  <a:schemeClr val="tx1">
+                    <a:lumMod val="75000"/>
+                    <a:lumOff val="25000"/>
+                  </a:schemeClr>
+                </a:solidFill>
+                <a:latin typeface="微软雅黑" pitchFamily="34" charset="-122"/>
+                <a:ea typeface="微软雅黑" pitchFamily="34" charset="-122"/>
+              </a:rPr>
+              <a:t>SMIL</a:t>
+            </a:r>
+            <a:r>
+              <a:rPr lang="zh-CN" altLang="en-US" sz="2400" dirty="0" smtClean="0">
+                <a:solidFill>
+                  <a:schemeClr val="tx1">
+                    <a:lumMod val="75000"/>
+                    <a:lumOff val="25000"/>
+                  </a:schemeClr>
+                </a:solidFill>
+                <a:latin typeface="微软雅黑" pitchFamily="34" charset="-122"/>
+                <a:ea typeface="微软雅黑" pitchFamily="34" charset="-122"/>
+              </a:rPr>
+              <a:t>动画的只是不再赘述，请参考</a:t>
+            </a:r>
+            <a:r>
+              <a:rPr lang="en-US" altLang="zh-CN" sz="2400" dirty="0" smtClean="0">
+                <a:solidFill>
+                  <a:schemeClr val="tx1">
+                    <a:lumMod val="75000"/>
+                    <a:lumOff val="25000"/>
+                  </a:schemeClr>
+                </a:solidFill>
+                <a:latin typeface="微软雅黑" pitchFamily="34" charset="-122"/>
+                <a:ea typeface="微软雅黑" pitchFamily="34" charset="-122"/>
+              </a:rPr>
+              <a:t>《SVG</a:t>
+            </a:r>
+            <a:r>
+              <a:rPr lang="zh-CN" altLang="en-US" sz="2400" dirty="0" smtClean="0">
+                <a:solidFill>
+                  <a:schemeClr val="tx1">
+                    <a:lumMod val="75000"/>
+                    <a:lumOff val="25000"/>
+                  </a:schemeClr>
+                </a:solidFill>
+                <a:latin typeface="微软雅黑" pitchFamily="34" charset="-122"/>
+                <a:ea typeface="微软雅黑" pitchFamily="34" charset="-122"/>
+              </a:rPr>
+              <a:t>蒙版和图案</a:t>
+            </a:r>
+            <a:r>
+              <a:rPr lang="en-US" altLang="zh-CN" sz="2400" dirty="0" smtClean="0">
+                <a:solidFill>
+                  <a:schemeClr val="tx1">
+                    <a:lumMod val="75000"/>
+                    <a:lumOff val="25000"/>
+                  </a:schemeClr>
+                </a:solidFill>
+                <a:latin typeface="微软雅黑" pitchFamily="34" charset="-122"/>
+                <a:ea typeface="微软雅黑" pitchFamily="34" charset="-122"/>
+              </a:rPr>
+              <a:t>》</a:t>
+            </a:r>
+            <a:endParaRPr lang="en-US" altLang="zh-CN" sz="2400" dirty="0" smtClean="0">
+              <a:solidFill>
+                <a:schemeClr val="tx1">
+                  <a:lumMod val="75000"/>
+                  <a:lumOff val="25000"/>
+                </a:schemeClr>
+              </a:solidFill>
+              <a:latin typeface="微软雅黑" pitchFamily="34" charset="-122"/>
+              <a:ea typeface="微软雅黑" pitchFamily="34" charset="-122"/>
+            </a:endParaRPr>
+          </a:p>
+          <a:p>
+            <a:pPr marL="457200" indent="-457200">
+              <a:lnSpc>
+                <a:spcPct val="150000"/>
+              </a:lnSpc>
+              <a:buAutoNum type="arabicPeriod"/>
+            </a:pPr>
+            <a:r>
+              <a:rPr lang="zh-CN" altLang="en-US" sz="2400" dirty="0" smtClean="0">
+                <a:solidFill>
+                  <a:schemeClr val="tx1">
+                    <a:lumMod val="75000"/>
+                    <a:lumOff val="25000"/>
+                  </a:schemeClr>
+                </a:solidFill>
+                <a:latin typeface="微软雅黑" pitchFamily="34" charset="-122"/>
+                <a:ea typeface="微软雅黑" pitchFamily="34" charset="-122"/>
+              </a:rPr>
+              <a:t>通过</a:t>
+            </a:r>
+            <a:r>
+              <a:rPr lang="zh-CN" altLang="en-US" sz="2400" dirty="0" smtClean="0">
+                <a:solidFill>
+                  <a:srgbClr val="FF0000"/>
+                </a:solidFill>
+                <a:latin typeface="微软雅黑" pitchFamily="34" charset="-122"/>
+                <a:ea typeface="微软雅黑" pitchFamily="34" charset="-122"/>
+              </a:rPr>
+              <a:t>鼠标点击启动</a:t>
+            </a:r>
+            <a:r>
+              <a:rPr lang="zh-CN" altLang="en-US" sz="2400" dirty="0" smtClean="0">
+                <a:solidFill>
+                  <a:schemeClr val="tx1">
+                    <a:lumMod val="75000"/>
+                    <a:lumOff val="25000"/>
+                  </a:schemeClr>
+                </a:solidFill>
+                <a:latin typeface="微软雅黑" pitchFamily="34" charset="-122"/>
+                <a:ea typeface="微软雅黑" pitchFamily="34" charset="-122"/>
+              </a:rPr>
+              <a:t>波动动画</a:t>
+            </a:r>
+            <a:endParaRPr lang="en-US" altLang="zh-CN" sz="2400" dirty="0" smtClean="0">
+              <a:solidFill>
+                <a:schemeClr val="tx1">
+                  <a:lumMod val="75000"/>
+                  <a:lumOff val="25000"/>
+                </a:schemeClr>
+              </a:solidFill>
+              <a:latin typeface="微软雅黑" pitchFamily="34" charset="-122"/>
+              <a:ea typeface="微软雅黑" pitchFamily="34" charset="-122"/>
+            </a:endParaRPr>
+          </a:p>
+          <a:p>
+            <a:pPr>
+              <a:lnSpc>
+                <a:spcPct val="150000"/>
+              </a:lnSpc>
+            </a:pPr>
+            <a:endParaRPr lang="en-US" altLang="zh-CN" sz="2400" dirty="0" smtClean="0">
+              <a:solidFill>
+                <a:schemeClr val="tx1">
+                  <a:lumMod val="75000"/>
+                  <a:lumOff val="25000"/>
+                </a:schemeClr>
+              </a:solidFill>
+              <a:latin typeface="微软雅黑" pitchFamily="34" charset="-122"/>
+              <a:ea typeface="微软雅黑" pitchFamily="34" charset="-122"/>
+            </a:endParaRPr>
+          </a:p>
+        </p:txBody>
+      </p:sp>
+    </p:spTree>
+    <p:extLst>
+      <p:ext uri="{BB962C8B-B14F-4D97-AF65-F5344CB8AC3E}">
+        <p14:creationId xmlns:p14="http://schemas.microsoft.com/office/powerpoint/2010/main" val="114279826"/>
+      </p:ext>
+    </p:extLst>
+  </p:cSld>
+  <p:clrMapOvr>
+    <a:masterClrMapping/>
+  </p:clrMapOvr>
+  <p:timing>
+    <p:tnLst>
+      <p:par>
+        <p:cTn id="1" dur="indefinite" restart="never" nodeType="tmRoot"/>
+      </p:par>
+    </p:tnLst>
+  </p:timing>
+</p:sld>
+</file>
+
+<file path=ppt/slides/slide4.xml><?xml version="1.0" encoding="utf-8"?>
+<p:sld xmlns:a="http://schemas.openxmlformats.org/drawingml/2006/main" xmlns:r="http://schemas.openxmlformats.org/officeDocument/2006/relationships" xmlns:p="http://schemas.openxmlformats.org/presentationml/2006/main">
+  <p:cSld>
+    <p:spTree>
+      <p:nvGrpSpPr>
+        <p:cNvPr id="1" name=""/>
+        <p:cNvGrpSpPr/>
+        <p:nvPr/>
+      </p:nvGrpSpPr>
+      <p:grpSpPr>
+        <a:xfrm>
+          <a:off x="0" y="0"/>
+          <a:ext cx="0" cy="0"/>
+          <a:chOff x="0" y="0"/>
+          <a:chExt cx="0" cy="0"/>
+        </a:xfrm>
+      </p:grpSpPr>
+      <p:sp>
+        <p:nvSpPr>
+          <p:cNvPr id="4" name="TextBox 3"/>
+          <p:cNvSpPr txBox="1"/>
+          <p:nvPr/>
+        </p:nvSpPr>
+        <p:spPr>
+          <a:xfrm>
+            <a:off x="684000" y="260648"/>
+            <a:ext cx="7776000" cy="523220"/>
+          </a:xfrm>
+          <a:prstGeom prst="rect">
+            <a:avLst/>
+          </a:prstGeom>
+          <a:noFill/>
+        </p:spPr>
+        <p:txBody>
+          <a:bodyPr wrap="square" rtlCol="0">
+            <a:spAutoFit/>
+          </a:bodyPr>
+          <a:lstStyle/>
+          <a:p>
+            <a:r>
+              <a:rPr lang="en-US" altLang="zh-CN" sz="2800" b="1" dirty="0" smtClean="0">
+                <a:solidFill>
+                  <a:schemeClr val="tx1">
+                    <a:lumMod val="75000"/>
+                    <a:lumOff val="25000"/>
+                  </a:schemeClr>
+                </a:solidFill>
+                <a:latin typeface="微软雅黑" pitchFamily="34" charset="-122"/>
+                <a:ea typeface="微软雅黑" pitchFamily="34" charset="-122"/>
+              </a:rPr>
+              <a:t>3.</a:t>
+            </a:r>
+            <a:r>
+              <a:rPr lang="zh-CN" altLang="en-US" sz="2800" b="1" dirty="0" smtClean="0">
+                <a:solidFill>
+                  <a:schemeClr val="tx1">
+                    <a:lumMod val="75000"/>
+                    <a:lumOff val="25000"/>
+                  </a:schemeClr>
+                </a:solidFill>
+                <a:latin typeface="微软雅黑" pitchFamily="34" charset="-122"/>
+                <a:ea typeface="微软雅黑" pitchFamily="34" charset="-122"/>
+              </a:rPr>
+              <a:t>水波</a:t>
+            </a:r>
+            <a:endParaRPr lang="zh-CN" altLang="en-US" sz="2800" b="1" dirty="0">
+              <a:solidFill>
+                <a:schemeClr val="tx1">
+                  <a:lumMod val="75000"/>
+                  <a:lumOff val="25000"/>
+                </a:schemeClr>
+              </a:solidFill>
+              <a:latin typeface="微软雅黑" pitchFamily="34" charset="-122"/>
+              <a:ea typeface="微软雅黑" pitchFamily="34" charset="-122"/>
+            </a:endParaRPr>
+          </a:p>
+        </p:txBody>
+      </p:sp>
+      <p:sp>
+        <p:nvSpPr>
+          <p:cNvPr id="5" name="TextBox 4"/>
+          <p:cNvSpPr txBox="1"/>
+          <p:nvPr/>
+        </p:nvSpPr>
+        <p:spPr>
+          <a:xfrm>
+            <a:off x="684000" y="836712"/>
+            <a:ext cx="7776000" cy="1754326"/>
+          </a:xfrm>
+          <a:prstGeom prst="rect">
+            <a:avLst/>
+          </a:prstGeom>
+          <a:noFill/>
+        </p:spPr>
+        <p:txBody>
+          <a:bodyPr wrap="square" rtlCol="0">
+            <a:spAutoFit/>
+          </a:bodyPr>
+          <a:lstStyle/>
+          <a:p>
+            <a:pPr>
+              <a:lnSpc>
+                <a:spcPct val="150000"/>
+              </a:lnSpc>
+            </a:pPr>
+            <a:r>
+              <a:rPr lang="zh-CN" altLang="en-US" sz="2400" dirty="0" smtClean="0">
+                <a:solidFill>
+                  <a:schemeClr val="tx1">
+                    <a:lumMod val="75000"/>
+                    <a:lumOff val="25000"/>
+                  </a:schemeClr>
+                </a:solidFill>
+                <a:latin typeface="微软雅黑" pitchFamily="34" charset="-122"/>
+                <a:ea typeface="微软雅黑" pitchFamily="34" charset="-122"/>
+              </a:rPr>
+              <a:t>水波其实就是一种有规律的噪声，使用</a:t>
+            </a:r>
+            <a:r>
+              <a:rPr lang="en-US" altLang="zh-CN" sz="2400" dirty="0" err="1" smtClean="0">
+                <a:solidFill>
+                  <a:schemeClr val="tx1">
+                    <a:lumMod val="75000"/>
+                    <a:lumOff val="25000"/>
+                  </a:schemeClr>
+                </a:solidFill>
+                <a:latin typeface="微软雅黑" pitchFamily="34" charset="-122"/>
+                <a:ea typeface="微软雅黑" pitchFamily="34" charset="-122"/>
+              </a:rPr>
+              <a:t>feTurbulence</a:t>
+            </a:r>
+            <a:r>
+              <a:rPr lang="zh-CN" altLang="en-US" sz="2400" dirty="0" smtClean="0">
+                <a:solidFill>
+                  <a:schemeClr val="tx1">
+                    <a:lumMod val="75000"/>
+                    <a:lumOff val="25000"/>
+                  </a:schemeClr>
+                </a:solidFill>
+                <a:latin typeface="微软雅黑" pitchFamily="34" charset="-122"/>
+                <a:ea typeface="微软雅黑" pitchFamily="34" charset="-122"/>
+              </a:rPr>
+              <a:t>滤镜也可以生成类似的噪声图像。</a:t>
+            </a:r>
+            <a:r>
+              <a:rPr lang="en-US" altLang="zh-CN" sz="2400" dirty="0">
+                <a:solidFill>
+                  <a:schemeClr val="tx1">
+                    <a:lumMod val="75000"/>
+                    <a:lumOff val="25000"/>
+                  </a:schemeClr>
+                </a:solidFill>
+                <a:latin typeface="微软雅黑" pitchFamily="34" charset="-122"/>
+                <a:ea typeface="微软雅黑" pitchFamily="34" charset="-122"/>
+              </a:rPr>
+              <a:t>t</a:t>
+            </a:r>
+            <a:r>
+              <a:rPr lang="en-US" altLang="zh-CN" sz="2400" dirty="0" smtClean="0">
+                <a:solidFill>
+                  <a:schemeClr val="tx1">
+                    <a:lumMod val="75000"/>
+                    <a:lumOff val="25000"/>
+                  </a:schemeClr>
+                </a:solidFill>
+                <a:latin typeface="微软雅黑" pitchFamily="34" charset="-122"/>
+                <a:ea typeface="微软雅黑" pitchFamily="34" charset="-122"/>
+              </a:rPr>
+              <a:t>ype=“</a:t>
+            </a:r>
+            <a:r>
+              <a:rPr lang="en-US" altLang="zh-CN" sz="2400" dirty="0" err="1" smtClean="0">
+                <a:solidFill>
+                  <a:srgbClr val="FF0000"/>
+                </a:solidFill>
+                <a:latin typeface="微软雅黑" pitchFamily="34" charset="-122"/>
+                <a:ea typeface="微软雅黑" pitchFamily="34" charset="-122"/>
+              </a:rPr>
+              <a:t>fractalNoise</a:t>
+            </a:r>
+            <a:r>
+              <a:rPr lang="en-US" altLang="zh-CN" sz="2400" dirty="0" smtClean="0">
+                <a:solidFill>
+                  <a:schemeClr val="tx1">
+                    <a:lumMod val="75000"/>
+                    <a:lumOff val="25000"/>
+                  </a:schemeClr>
+                </a:solidFill>
+                <a:latin typeface="微软雅黑" pitchFamily="34" charset="-122"/>
+                <a:ea typeface="微软雅黑" pitchFamily="34" charset="-122"/>
+              </a:rPr>
+              <a:t>”</a:t>
+            </a:r>
+            <a:r>
+              <a:rPr lang="zh-CN" altLang="en-US" sz="2400" dirty="0" smtClean="0">
+                <a:solidFill>
+                  <a:schemeClr val="tx1">
+                    <a:lumMod val="75000"/>
+                    <a:lumOff val="25000"/>
+                  </a:schemeClr>
+                </a:solidFill>
+                <a:latin typeface="微软雅黑" pitchFamily="34" charset="-122"/>
+                <a:ea typeface="微软雅黑" pitchFamily="34" charset="-122"/>
+              </a:rPr>
+              <a:t>使噪声更加平滑。</a:t>
+            </a:r>
+            <a:endParaRPr lang="en-US" altLang="zh-CN" sz="2400" dirty="0" smtClean="0">
+              <a:solidFill>
+                <a:schemeClr val="tx1">
+                  <a:lumMod val="75000"/>
+                  <a:lumOff val="25000"/>
+                </a:schemeClr>
+              </a:solidFill>
+              <a:latin typeface="微软雅黑" pitchFamily="34" charset="-122"/>
+              <a:ea typeface="微软雅黑" pitchFamily="34" charset="-122"/>
+            </a:endParaRPr>
+          </a:p>
+        </p:txBody>
+      </p:sp>
+      <p:pic>
+        <p:nvPicPr>
+          <p:cNvPr id="2" name="图片 1" descr="屏幕剪辑"/>
+          <p:cNvPicPr>
+            <a:picLocks noChangeAspect="1"/>
+          </p:cNvPicPr>
+          <p:nvPr/>
+        </p:nvPicPr>
+        <p:blipFill>
+          <a:blip r:embed="rId2">
+            <a:extLst>
+              <a:ext uri="{28A0092B-C50C-407E-A947-70E740481C1C}">
+                <a14:useLocalDpi xmlns:a14="http://schemas.microsoft.com/office/drawing/2010/main" val="0"/>
+              </a:ext>
+            </a:extLst>
+          </a:blip>
+          <a:stretch>
+            <a:fillRect/>
+          </a:stretch>
+        </p:blipFill>
+        <p:spPr>
+          <a:xfrm>
+            <a:off x="2051720" y="2618423"/>
+            <a:ext cx="3391373" cy="1314633"/>
+          </a:xfrm>
+          <a:prstGeom prst="rect">
+            <a:avLst/>
+          </a:prstGeom>
+          <a:ln>
+            <a:noFill/>
+          </a:ln>
+          <a:effectLst>
+            <a:softEdge rad="112500"/>
+          </a:effectLst>
+        </p:spPr>
+      </p:pic>
+      <p:sp>
+        <p:nvSpPr>
+          <p:cNvPr id="6" name="圆角矩形标注 5"/>
+          <p:cNvSpPr/>
+          <p:nvPr/>
+        </p:nvSpPr>
+        <p:spPr>
+          <a:xfrm>
+            <a:off x="5470089" y="2852936"/>
+            <a:ext cx="1224136" cy="459494"/>
+          </a:xfrm>
+          <a:prstGeom prst="wedgeRoundRectCallout">
+            <a:avLst>
+              <a:gd name="adj1" fmla="val -56394"/>
+              <a:gd name="adj2" fmla="val 17991"/>
+              <a:gd name="adj3" fmla="val 16667"/>
+            </a:avLst>
+          </a:prstGeom>
+        </p:spPr>
+        <p:style>
+          <a:lnRef idx="2">
+            <a:schemeClr val="accent5"/>
+          </a:lnRef>
+          <a:fillRef idx="1">
+            <a:schemeClr val="lt1"/>
+          </a:fillRef>
+          <a:effectRef idx="0">
+            <a:schemeClr val="accent5"/>
+          </a:effectRef>
+          <a:fontRef idx="minor">
+            <a:schemeClr val="dk1"/>
+          </a:fontRef>
+        </p:style>
+        <p:txBody>
+          <a:bodyPr rtlCol="0" anchor="ctr"/>
+          <a:lstStyle/>
+          <a:p>
+            <a:pPr algn="ctr"/>
+            <a:r>
+              <a:rPr lang="zh-CN" altLang="en-US" sz="2000" dirty="0" smtClean="0">
+                <a:solidFill>
+                  <a:schemeClr val="tx1">
+                    <a:lumMod val="75000"/>
+                    <a:lumOff val="25000"/>
+                  </a:schemeClr>
+                </a:solidFill>
+                <a:latin typeface="微软雅黑" pitchFamily="34" charset="-122"/>
+                <a:ea typeface="微软雅黑" pitchFamily="34" charset="-122"/>
+              </a:rPr>
+              <a:t>噪声图</a:t>
+            </a:r>
+            <a:endParaRPr lang="zh-CN" altLang="en-US" sz="2000" dirty="0">
+              <a:solidFill>
+                <a:schemeClr val="tx1">
+                  <a:lumMod val="75000"/>
+                  <a:lumOff val="25000"/>
+                </a:schemeClr>
+              </a:solidFill>
+              <a:latin typeface="微软雅黑" pitchFamily="34" charset="-122"/>
+              <a:ea typeface="微软雅黑" pitchFamily="34" charset="-122"/>
+            </a:endParaRPr>
+          </a:p>
+        </p:txBody>
+      </p:sp>
+      <p:pic>
+        <p:nvPicPr>
+          <p:cNvPr id="3" name="图片 2" descr="屏幕剪辑"/>
+          <p:cNvPicPr>
+            <a:picLocks noChangeAspect="1"/>
+          </p:cNvPicPr>
+          <p:nvPr/>
+        </p:nvPicPr>
+        <p:blipFill>
+          <a:blip r:embed="rId3">
+            <a:extLst>
+              <a:ext uri="{28A0092B-C50C-407E-A947-70E740481C1C}">
+                <a14:useLocalDpi xmlns:a14="http://schemas.microsoft.com/office/drawing/2010/main" val="0"/>
+              </a:ext>
+            </a:extLst>
+          </a:blip>
+          <a:stretch>
+            <a:fillRect/>
+          </a:stretch>
+        </p:blipFill>
+        <p:spPr>
+          <a:xfrm>
+            <a:off x="1345138" y="4653136"/>
+            <a:ext cx="5801535" cy="1714739"/>
+          </a:xfrm>
+          <a:prstGeom prst="rect">
+            <a:avLst/>
+          </a:prstGeom>
+          <a:ln>
+            <a:noFill/>
+          </a:ln>
+          <a:effectLst>
+            <a:outerShdw blurRad="292100" dist="139700" dir="2700000" algn="tl" rotWithShape="0">
+              <a:srgbClr val="333333">
+                <a:alpha val="65000"/>
+              </a:srgbClr>
+            </a:outerShdw>
+          </a:effectLst>
+        </p:spPr>
+      </p:pic>
+      <p:sp>
+        <p:nvSpPr>
+          <p:cNvPr id="7" name="圆角矩形标注 6"/>
+          <p:cNvSpPr/>
+          <p:nvPr/>
+        </p:nvSpPr>
+        <p:spPr>
+          <a:xfrm>
+            <a:off x="4245906" y="4114159"/>
+            <a:ext cx="2702358" cy="459494"/>
+          </a:xfrm>
+          <a:prstGeom prst="wedgeRoundRectCallout">
+            <a:avLst>
+              <a:gd name="adj1" fmla="val -21592"/>
+              <a:gd name="adj2" fmla="val 122015"/>
+              <a:gd name="adj3" fmla="val 16667"/>
+            </a:avLst>
+          </a:prstGeom>
+        </p:spPr>
+        <p:style>
+          <a:lnRef idx="2">
+            <a:schemeClr val="accent5"/>
+          </a:lnRef>
+          <a:fillRef idx="1">
+            <a:schemeClr val="lt1"/>
+          </a:fillRef>
+          <a:effectRef idx="0">
+            <a:schemeClr val="accent5"/>
+          </a:effectRef>
+          <a:fontRef idx="minor">
+            <a:schemeClr val="dk1"/>
+          </a:fontRef>
+        </p:style>
+        <p:txBody>
+          <a:bodyPr rtlCol="0" anchor="ctr"/>
+          <a:lstStyle/>
+          <a:p>
+            <a:pPr algn="ctr"/>
+            <a:r>
+              <a:rPr lang="zh-CN" altLang="en-US" sz="2000" dirty="0" smtClean="0">
+                <a:solidFill>
+                  <a:schemeClr val="tx1">
+                    <a:lumMod val="75000"/>
+                    <a:lumOff val="25000"/>
+                  </a:schemeClr>
+                </a:solidFill>
+                <a:latin typeface="微软雅黑" pitchFamily="34" charset="-122"/>
+                <a:ea typeface="微软雅黑" pitchFamily="34" charset="-122"/>
+              </a:rPr>
+              <a:t>生成柏林噪声的滤镜</a:t>
+            </a:r>
+            <a:endParaRPr lang="zh-CN" altLang="en-US" sz="2000" dirty="0">
+              <a:solidFill>
+                <a:schemeClr val="tx1">
+                  <a:lumMod val="75000"/>
+                  <a:lumOff val="25000"/>
+                </a:schemeClr>
+              </a:solidFill>
+              <a:latin typeface="微软雅黑" pitchFamily="34" charset="-122"/>
+              <a:ea typeface="微软雅黑" pitchFamily="34" charset="-122"/>
+            </a:endParaRPr>
+          </a:p>
+        </p:txBody>
+      </p:sp>
+      <p:sp>
+        <p:nvSpPr>
+          <p:cNvPr id="8" name="矩形 7"/>
+          <p:cNvSpPr/>
+          <p:nvPr/>
+        </p:nvSpPr>
+        <p:spPr>
+          <a:xfrm>
+            <a:off x="4234398" y="5013176"/>
+            <a:ext cx="1728192" cy="317453"/>
+          </a:xfrm>
+          <a:prstGeom prst="rect">
+            <a:avLst/>
+          </a:prstGeom>
+          <a:noFill/>
+          <a:ln w="28575">
+            <a:solidFill>
+              <a:srgbClr val="FFFF00"/>
+            </a:solidFill>
+          </a:ln>
+        </p:spPr>
+        <p:style>
+          <a:lnRef idx="2">
+            <a:schemeClr val="accent1">
+              <a:shade val="50000"/>
+            </a:schemeClr>
+          </a:lnRef>
+          <a:fillRef idx="1">
+            <a:schemeClr val="accent1"/>
+          </a:fillRef>
+          <a:effectRef idx="0">
+            <a:schemeClr val="accent1"/>
+          </a:effectRef>
+          <a:fontRef idx="minor">
+            <a:schemeClr val="lt1"/>
+          </a:fontRef>
+        </p:style>
+        <p:txBody>
+          <a:bodyPr rtlCol="0" anchor="ctr"/>
+          <a:lstStyle/>
+          <a:p>
+            <a:pPr algn="ctr"/>
+            <a:endParaRPr lang="zh-CN" altLang="en-US"/>
+          </a:p>
+        </p:txBody>
+      </p:sp>
+      <p:sp>
+        <p:nvSpPr>
+          <p:cNvPr id="12" name="矩形 11"/>
+          <p:cNvSpPr/>
+          <p:nvPr/>
+        </p:nvSpPr>
+        <p:spPr>
+          <a:xfrm>
+            <a:off x="3203848" y="5661248"/>
+            <a:ext cx="1728192" cy="317453"/>
+          </a:xfrm>
+          <a:prstGeom prst="rect">
+            <a:avLst/>
+          </a:prstGeom>
+          <a:noFill/>
+          <a:ln w="28575">
+            <a:solidFill>
+              <a:srgbClr val="FFFF00"/>
+            </a:solidFill>
+          </a:ln>
+        </p:spPr>
+        <p:style>
+          <a:lnRef idx="2">
+            <a:schemeClr val="accent1">
+              <a:shade val="50000"/>
+            </a:schemeClr>
+          </a:lnRef>
+          <a:fillRef idx="1">
+            <a:schemeClr val="accent1"/>
+          </a:fillRef>
+          <a:effectRef idx="0">
+            <a:schemeClr val="accent1"/>
+          </a:effectRef>
+          <a:fontRef idx="minor">
+            <a:schemeClr val="lt1"/>
+          </a:fontRef>
+        </p:style>
+        <p:txBody>
+          <a:bodyPr rtlCol="0" anchor="ctr"/>
+          <a:lstStyle/>
+          <a:p>
+            <a:pPr algn="ctr"/>
+            <a:endParaRPr lang="zh-CN" altLang="en-US"/>
+          </a:p>
+        </p:txBody>
+      </p:sp>
+    </p:spTree>
+    <p:extLst>
+      <p:ext uri="{BB962C8B-B14F-4D97-AF65-F5344CB8AC3E}">
+        <p14:creationId xmlns:p14="http://schemas.microsoft.com/office/powerpoint/2010/main" val="3163929320"/>
+      </p:ext>
+    </p:extLst>
+  </p:cSld>
+  <p:clrMapOvr>
+    <a:masterClrMapping/>
+  </p:clrMapOvr>
+  <p:timing>
+    <p:tnLst>
+      <p:par>
+        <p:cTn id="1" dur="indefinite" restart="never" nodeType="tmRoot"/>
+      </p:par>
+    </p:tnLst>
+  </p:timing>
+</p:sld>
+</file>
+
+<file path=ppt/slides/slide5.xml><?xml version="1.0" encoding="utf-8"?>
+<p:sld xmlns:a="http://schemas.openxmlformats.org/drawingml/2006/main" xmlns:r="http://schemas.openxmlformats.org/officeDocument/2006/relationships" xmlns:p="http://schemas.openxmlformats.org/presentationml/2006/main">
+  <p:cSld>
+    <p:spTree>
+      <p:nvGrpSpPr>
+        <p:cNvPr id="1" name=""/>
+        <p:cNvGrpSpPr/>
+        <p:nvPr/>
+      </p:nvGrpSpPr>
+      <p:grpSpPr>
+        <a:xfrm>
+          <a:off x="0" y="0"/>
+          <a:ext cx="0" cy="0"/>
+          <a:chOff x="0" y="0"/>
+          <a:chExt cx="0" cy="0"/>
+        </a:xfrm>
+      </p:grpSpPr>
+      <p:sp>
+        <p:nvSpPr>
+          <p:cNvPr id="5" name="TextBox 4"/>
+          <p:cNvSpPr txBox="1"/>
+          <p:nvPr/>
+        </p:nvSpPr>
+        <p:spPr>
+          <a:xfrm>
+            <a:off x="684000" y="188640"/>
+            <a:ext cx="7776000" cy="1754326"/>
+          </a:xfrm>
+          <a:prstGeom prst="rect">
+            <a:avLst/>
+          </a:prstGeom>
+          <a:noFill/>
+        </p:spPr>
+        <p:txBody>
+          <a:bodyPr wrap="square" rtlCol="0">
+            <a:spAutoFit/>
+          </a:bodyPr>
+          <a:lstStyle/>
+          <a:p>
+            <a:pPr>
+              <a:lnSpc>
+                <a:spcPct val="150000"/>
+              </a:lnSpc>
+            </a:pPr>
+            <a:r>
+              <a:rPr lang="zh-CN" altLang="en-US" sz="2400" dirty="0" smtClean="0">
+                <a:solidFill>
+                  <a:schemeClr val="tx1">
+                    <a:lumMod val="75000"/>
+                    <a:lumOff val="25000"/>
+                  </a:schemeClr>
+                </a:solidFill>
+                <a:latin typeface="微软雅黑" pitchFamily="34" charset="-122"/>
+                <a:ea typeface="微软雅黑" pitchFamily="34" charset="-122"/>
+              </a:rPr>
+              <a:t>现在的滤镜，仅仅使用噪声填充滤镜目标区域。我们还是需要使用</a:t>
+            </a:r>
+            <a:r>
+              <a:rPr lang="en-US" altLang="zh-CN" sz="2400" dirty="0" err="1" smtClean="0">
+                <a:solidFill>
+                  <a:srgbClr val="FF0000"/>
+                </a:solidFill>
+                <a:latin typeface="微软雅黑" pitchFamily="34" charset="-122"/>
+                <a:ea typeface="微软雅黑" pitchFamily="34" charset="-122"/>
+              </a:rPr>
+              <a:t>feDisplacementMap</a:t>
+            </a:r>
+            <a:r>
+              <a:rPr lang="zh-CN" altLang="en-US" sz="2400" dirty="0" smtClean="0">
+                <a:solidFill>
+                  <a:schemeClr val="tx1">
+                    <a:lumMod val="75000"/>
+                    <a:lumOff val="25000"/>
+                  </a:schemeClr>
+                </a:solidFill>
+                <a:latin typeface="微软雅黑" pitchFamily="34" charset="-122"/>
+                <a:ea typeface="微软雅黑" pitchFamily="34" charset="-122"/>
+              </a:rPr>
+              <a:t>滤镜，根据噪声的颜色分布，移动目标图像的像素，让图像产生扭曲变形。</a:t>
+            </a:r>
+            <a:endParaRPr lang="en-US" altLang="zh-CN" sz="2400" dirty="0" smtClean="0">
+              <a:solidFill>
+                <a:schemeClr val="tx1">
+                  <a:lumMod val="75000"/>
+                  <a:lumOff val="25000"/>
+                </a:schemeClr>
+              </a:solidFill>
+              <a:latin typeface="微软雅黑" pitchFamily="34" charset="-122"/>
+              <a:ea typeface="微软雅黑" pitchFamily="34" charset="-122"/>
+            </a:endParaRPr>
+          </a:p>
+        </p:txBody>
+      </p:sp>
+      <p:pic>
+        <p:nvPicPr>
+          <p:cNvPr id="8" name="图片 7" descr="屏幕剪辑"/>
+          <p:cNvPicPr>
+            <a:picLocks noChangeAspect="1"/>
+          </p:cNvPicPr>
+          <p:nvPr/>
+        </p:nvPicPr>
+        <p:blipFill>
+          <a:blip r:embed="rId2">
+            <a:extLst>
+              <a:ext uri="{28A0092B-C50C-407E-A947-70E740481C1C}">
+                <a14:useLocalDpi xmlns:a14="http://schemas.microsoft.com/office/drawing/2010/main" val="0"/>
+              </a:ext>
+            </a:extLst>
+          </a:blip>
+          <a:stretch>
+            <a:fillRect/>
+          </a:stretch>
+        </p:blipFill>
+        <p:spPr>
+          <a:xfrm>
+            <a:off x="1403647" y="2609466"/>
+            <a:ext cx="5915851" cy="1371791"/>
+          </a:xfrm>
+          <a:prstGeom prst="rect">
+            <a:avLst/>
+          </a:prstGeom>
+          <a:ln>
+            <a:noFill/>
+          </a:ln>
+          <a:effectLst>
+            <a:outerShdw blurRad="292100" dist="139700" dir="2700000" algn="tl" rotWithShape="0">
+              <a:srgbClr val="333333">
+                <a:alpha val="65000"/>
+              </a:srgbClr>
+            </a:outerShdw>
+          </a:effectLst>
+        </p:spPr>
+      </p:pic>
+      <p:sp>
+        <p:nvSpPr>
+          <p:cNvPr id="9" name="矩形 8"/>
+          <p:cNvSpPr/>
+          <p:nvPr/>
+        </p:nvSpPr>
+        <p:spPr>
+          <a:xfrm>
+            <a:off x="2555776" y="3314345"/>
+            <a:ext cx="1440160" cy="317453"/>
+          </a:xfrm>
+          <a:prstGeom prst="rect">
+            <a:avLst/>
+          </a:prstGeom>
+          <a:noFill/>
+          <a:ln w="28575">
+            <a:solidFill>
+              <a:srgbClr val="FFFF00"/>
+            </a:solidFill>
+          </a:ln>
+        </p:spPr>
+        <p:style>
+          <a:lnRef idx="2">
+            <a:schemeClr val="accent1">
+              <a:shade val="50000"/>
+            </a:schemeClr>
+          </a:lnRef>
+          <a:fillRef idx="1">
+            <a:schemeClr val="accent1"/>
+          </a:fillRef>
+          <a:effectRef idx="0">
+            <a:schemeClr val="accent1"/>
+          </a:effectRef>
+          <a:fontRef idx="minor">
+            <a:schemeClr val="lt1"/>
+          </a:fontRef>
+        </p:style>
+        <p:txBody>
+          <a:bodyPr rtlCol="0" anchor="ctr"/>
+          <a:lstStyle/>
+          <a:p>
+            <a:pPr algn="ctr"/>
+            <a:endParaRPr lang="zh-CN" altLang="en-US"/>
+          </a:p>
+        </p:txBody>
+      </p:sp>
+      <p:sp>
+        <p:nvSpPr>
+          <p:cNvPr id="10" name="圆角矩形标注 9"/>
+          <p:cNvSpPr/>
+          <p:nvPr/>
+        </p:nvSpPr>
+        <p:spPr>
+          <a:xfrm>
+            <a:off x="2915816" y="4049626"/>
+            <a:ext cx="2160240" cy="459494"/>
+          </a:xfrm>
+          <a:prstGeom prst="wedgeRoundRectCallout">
+            <a:avLst>
+              <a:gd name="adj1" fmla="val -26486"/>
+              <a:gd name="adj2" fmla="val -76987"/>
+              <a:gd name="adj3" fmla="val 16667"/>
+            </a:avLst>
+          </a:prstGeom>
+        </p:spPr>
+        <p:style>
+          <a:lnRef idx="2">
+            <a:schemeClr val="accent5"/>
+          </a:lnRef>
+          <a:fillRef idx="1">
+            <a:schemeClr val="lt1"/>
+          </a:fillRef>
+          <a:effectRef idx="0">
+            <a:schemeClr val="accent5"/>
+          </a:effectRef>
+          <a:fontRef idx="minor">
+            <a:schemeClr val="dk1"/>
+          </a:fontRef>
+        </p:style>
+        <p:txBody>
+          <a:bodyPr rtlCol="0" anchor="ctr"/>
+          <a:lstStyle/>
+          <a:p>
+            <a:pPr algn="ctr"/>
+            <a:r>
+              <a:rPr lang="zh-CN" altLang="en-US" sz="2000" dirty="0" smtClean="0">
+                <a:solidFill>
+                  <a:schemeClr val="tx1">
+                    <a:lumMod val="75000"/>
+                    <a:lumOff val="25000"/>
+                  </a:schemeClr>
+                </a:solidFill>
+                <a:latin typeface="微软雅黑" pitchFamily="34" charset="-122"/>
+                <a:ea typeface="微软雅黑" pitchFamily="34" charset="-122"/>
+              </a:rPr>
+              <a:t>噪声滤镜的输出</a:t>
+            </a:r>
+            <a:endParaRPr lang="zh-CN" altLang="en-US" sz="2000" dirty="0">
+              <a:solidFill>
+                <a:schemeClr val="tx1">
+                  <a:lumMod val="75000"/>
+                  <a:lumOff val="25000"/>
+                </a:schemeClr>
+              </a:solidFill>
+              <a:latin typeface="微软雅黑" pitchFamily="34" charset="-122"/>
+              <a:ea typeface="微软雅黑" pitchFamily="34" charset="-122"/>
+            </a:endParaRPr>
+          </a:p>
+        </p:txBody>
+      </p:sp>
+      <p:sp>
+        <p:nvSpPr>
+          <p:cNvPr id="11" name="圆角矩形标注 10"/>
+          <p:cNvSpPr/>
+          <p:nvPr/>
+        </p:nvSpPr>
+        <p:spPr>
+          <a:xfrm>
+            <a:off x="5170571" y="4044109"/>
+            <a:ext cx="1705685" cy="459494"/>
+          </a:xfrm>
+          <a:prstGeom prst="wedgeRoundRectCallout">
+            <a:avLst>
+              <a:gd name="adj1" fmla="val -35497"/>
+              <a:gd name="adj2" fmla="val -135783"/>
+              <a:gd name="adj3" fmla="val 16667"/>
+            </a:avLst>
+          </a:prstGeom>
+        </p:spPr>
+        <p:style>
+          <a:lnRef idx="2">
+            <a:schemeClr val="accent5"/>
+          </a:lnRef>
+          <a:fillRef idx="1">
+            <a:schemeClr val="lt1"/>
+          </a:fillRef>
+          <a:effectRef idx="0">
+            <a:schemeClr val="accent5"/>
+          </a:effectRef>
+          <a:fontRef idx="minor">
+            <a:schemeClr val="dk1"/>
+          </a:fontRef>
+        </p:style>
+        <p:txBody>
+          <a:bodyPr rtlCol="0" anchor="ctr"/>
+          <a:lstStyle/>
+          <a:p>
+            <a:pPr algn="ctr"/>
+            <a:r>
+              <a:rPr lang="zh-CN" altLang="en-US" sz="2000" dirty="0" smtClean="0">
+                <a:solidFill>
+                  <a:schemeClr val="tx1">
+                    <a:lumMod val="75000"/>
+                    <a:lumOff val="25000"/>
+                  </a:schemeClr>
+                </a:solidFill>
+                <a:latin typeface="微软雅黑" pitchFamily="34" charset="-122"/>
+                <a:ea typeface="微软雅黑" pitchFamily="34" charset="-122"/>
+              </a:rPr>
+              <a:t>扭曲的幅度</a:t>
+            </a:r>
+            <a:endParaRPr lang="zh-CN" altLang="en-US" sz="2000" dirty="0">
+              <a:solidFill>
+                <a:schemeClr val="tx1">
+                  <a:lumMod val="75000"/>
+                  <a:lumOff val="25000"/>
+                </a:schemeClr>
+              </a:solidFill>
+              <a:latin typeface="微软雅黑" pitchFamily="34" charset="-122"/>
+              <a:ea typeface="微软雅黑" pitchFamily="34" charset="-122"/>
+            </a:endParaRPr>
+          </a:p>
+        </p:txBody>
+      </p:sp>
+      <p:sp>
+        <p:nvSpPr>
+          <p:cNvPr id="12" name="圆角矩形标注 11"/>
+          <p:cNvSpPr/>
+          <p:nvPr/>
+        </p:nvSpPr>
+        <p:spPr>
+          <a:xfrm>
+            <a:off x="2008700" y="2060848"/>
+            <a:ext cx="3456384" cy="459494"/>
+          </a:xfrm>
+          <a:prstGeom prst="wedgeRoundRectCallout">
+            <a:avLst>
+              <a:gd name="adj1" fmla="val 19940"/>
+              <a:gd name="adj2" fmla="val 76787"/>
+              <a:gd name="adj3" fmla="val 16667"/>
+            </a:avLst>
+          </a:prstGeom>
+        </p:spPr>
+        <p:style>
+          <a:lnRef idx="2">
+            <a:schemeClr val="accent5"/>
+          </a:lnRef>
+          <a:fillRef idx="1">
+            <a:schemeClr val="lt1"/>
+          </a:fillRef>
+          <a:effectRef idx="0">
+            <a:schemeClr val="accent5"/>
+          </a:effectRef>
+          <a:fontRef idx="minor">
+            <a:schemeClr val="dk1"/>
+          </a:fontRef>
+        </p:style>
+        <p:txBody>
+          <a:bodyPr rtlCol="0" anchor="ctr"/>
+          <a:lstStyle/>
+          <a:p>
+            <a:pPr algn="ctr"/>
+            <a:r>
+              <a:rPr lang="zh-CN" altLang="en-US" sz="2000" dirty="0" smtClean="0">
+                <a:solidFill>
+                  <a:schemeClr val="tx1">
+                    <a:lumMod val="75000"/>
+                    <a:lumOff val="25000"/>
+                  </a:schemeClr>
+                </a:solidFill>
+                <a:latin typeface="微软雅黑" pitchFamily="34" charset="-122"/>
+                <a:ea typeface="微软雅黑" pitchFamily="34" charset="-122"/>
+              </a:rPr>
+              <a:t>移动像素所依据的颜色通道</a:t>
+            </a:r>
+            <a:endParaRPr lang="zh-CN" altLang="en-US" sz="2000" dirty="0">
+              <a:solidFill>
+                <a:schemeClr val="tx1">
+                  <a:lumMod val="75000"/>
+                  <a:lumOff val="25000"/>
+                </a:schemeClr>
+              </a:solidFill>
+              <a:latin typeface="微软雅黑" pitchFamily="34" charset="-122"/>
+              <a:ea typeface="微软雅黑" pitchFamily="34" charset="-122"/>
+            </a:endParaRPr>
+          </a:p>
+        </p:txBody>
+      </p:sp>
+      <p:sp>
+        <p:nvSpPr>
+          <p:cNvPr id="15" name="圆角矩形标注 14"/>
+          <p:cNvSpPr/>
+          <p:nvPr/>
+        </p:nvSpPr>
+        <p:spPr>
+          <a:xfrm>
+            <a:off x="5724128" y="2075578"/>
+            <a:ext cx="1800200" cy="459494"/>
+          </a:xfrm>
+          <a:prstGeom prst="wedgeRoundRectCallout">
+            <a:avLst>
+              <a:gd name="adj1" fmla="val 3491"/>
+              <a:gd name="adj2" fmla="val 153674"/>
+              <a:gd name="adj3" fmla="val 16667"/>
+            </a:avLst>
+          </a:prstGeom>
+        </p:spPr>
+        <p:style>
+          <a:lnRef idx="2">
+            <a:schemeClr val="accent5"/>
+          </a:lnRef>
+          <a:fillRef idx="1">
+            <a:schemeClr val="lt1"/>
+          </a:fillRef>
+          <a:effectRef idx="0">
+            <a:schemeClr val="accent5"/>
+          </a:effectRef>
+          <a:fontRef idx="minor">
+            <a:schemeClr val="dk1"/>
+          </a:fontRef>
+        </p:style>
+        <p:txBody>
+          <a:bodyPr rtlCol="0" anchor="ctr"/>
+          <a:lstStyle/>
+          <a:p>
+            <a:pPr algn="ctr"/>
+            <a:r>
+              <a:rPr lang="zh-CN" altLang="en-US" sz="2000" dirty="0" smtClean="0">
+                <a:solidFill>
+                  <a:schemeClr val="tx1">
+                    <a:lumMod val="75000"/>
+                    <a:lumOff val="25000"/>
+                  </a:schemeClr>
+                </a:solidFill>
+                <a:latin typeface="微软雅黑" pitchFamily="34" charset="-122"/>
+                <a:ea typeface="微软雅黑" pitchFamily="34" charset="-122"/>
+              </a:rPr>
+              <a:t>修改目标图像</a:t>
+            </a:r>
+            <a:endParaRPr lang="zh-CN" altLang="en-US" sz="2000" dirty="0">
+              <a:solidFill>
+                <a:schemeClr val="tx1">
+                  <a:lumMod val="75000"/>
+                  <a:lumOff val="25000"/>
+                </a:schemeClr>
+              </a:solidFill>
+              <a:latin typeface="微软雅黑" pitchFamily="34" charset="-122"/>
+              <a:ea typeface="微软雅黑" pitchFamily="34" charset="-122"/>
+            </a:endParaRPr>
+          </a:p>
+        </p:txBody>
+      </p:sp>
+    </p:spTree>
+    <p:extLst>
+      <p:ext uri="{BB962C8B-B14F-4D97-AF65-F5344CB8AC3E}">
+        <p14:creationId xmlns:p14="http://schemas.microsoft.com/office/powerpoint/2010/main" val="865940875"/>
+      </p:ext>
+    </p:extLst>
+  </p:cSld>
+  <p:clrMapOvr>
+    <a:masterClrMapping/>
+  </p:clrMapOvr>
+  <p:timing>
+    <p:tnLst>
+      <p:par>
+        <p:cTn id="1" dur="indefinite" restart="never" nodeType="tmRoot"/>
+      </p:par>
+    </p:tnLst>
+  </p:timing>
+</p:sld>
+</file>
+
+<file path=ppt/slides/slide6.xml><?xml version="1.0" encoding="utf-8"?>
 <p:sld xmlns:a="http://schemas.openxmlformats.org/drawingml/2006/main" xmlns:r="http://schemas.openxmlformats.org/officeDocument/2006/relationships" xmlns:p="http://schemas.openxmlformats.org/presentationml/2006/main">
   <p:cSld>
     <p:spTree>
@@ -3820,8 +7242,8 @@
         </p:blipFill>
         <p:spPr>
           <a:xfrm>
-            <a:off x="1043608" y="188640"/>
-            <a:ext cx="5734850" cy="2657846"/>
+            <a:off x="4600866" y="2321371"/>
+            <a:ext cx="3067478" cy="1295581"/>
           </a:xfrm>
           <a:prstGeom prst="rect">
             <a:avLst/>
@@ -3830,17 +7252,77 @@
             <a:noFill/>
           </a:ln>
           <a:effectLst>
-            <a:outerShdw blurRad="292100" dist="139700" dir="2700000" algn="tl" rotWithShape="0">
-              <a:srgbClr val="333333">
-                <a:alpha val="65000"/>
-              </a:srgbClr>
-            </a:outerShdw>
+            <a:softEdge rad="112500"/>
           </a:effectLst>
         </p:spPr>
       </p:pic>
+      <p:sp>
+        <p:nvSpPr>
+          <p:cNvPr id="3" name="圆角矩形标注 2"/>
+          <p:cNvSpPr/>
+          <p:nvPr/>
+        </p:nvSpPr>
+        <p:spPr>
+          <a:xfrm>
+            <a:off x="4886104" y="3874600"/>
+            <a:ext cx="2065725" cy="459494"/>
+          </a:xfrm>
+          <a:prstGeom prst="wedgeRoundRectCallout">
+            <a:avLst>
+              <a:gd name="adj1" fmla="val -28425"/>
+              <a:gd name="adj2" fmla="val -90713"/>
+              <a:gd name="adj3" fmla="val 16667"/>
+            </a:avLst>
+          </a:prstGeom>
+        </p:spPr>
+        <p:style>
+          <a:lnRef idx="2">
+            <a:schemeClr val="accent5"/>
+          </a:lnRef>
+          <a:fillRef idx="1">
+            <a:schemeClr val="lt1"/>
+          </a:fillRef>
+          <a:effectRef idx="0">
+            <a:schemeClr val="accent5"/>
+          </a:effectRef>
+          <a:fontRef idx="minor">
+            <a:schemeClr val="dk1"/>
+          </a:fontRef>
+        </p:style>
+        <p:txBody>
+          <a:bodyPr rtlCol="0" anchor="ctr"/>
+          <a:lstStyle/>
+          <a:p>
+            <a:pPr algn="ctr"/>
+            <a:r>
+              <a:rPr lang="zh-CN" altLang="en-US" sz="2000" dirty="0" smtClean="0">
+                <a:solidFill>
+                  <a:schemeClr val="tx1">
+                    <a:lumMod val="75000"/>
+                    <a:lumOff val="25000"/>
+                  </a:schemeClr>
+                </a:solidFill>
+                <a:latin typeface="微软雅黑" pitchFamily="34" charset="-122"/>
+                <a:ea typeface="微软雅黑" pitchFamily="34" charset="-122"/>
+              </a:rPr>
+              <a:t>扭曲后的文字</a:t>
+            </a:r>
+            <a:endParaRPr lang="zh-CN" altLang="en-US" sz="2000" dirty="0">
+              <a:solidFill>
+                <a:schemeClr val="tx1">
+                  <a:lumMod val="75000"/>
+                  <a:lumOff val="25000"/>
+                </a:schemeClr>
+              </a:solidFill>
+              <a:latin typeface="微软雅黑" pitchFamily="34" charset="-122"/>
+              <a:ea typeface="微软雅黑" pitchFamily="34" charset="-122"/>
+            </a:endParaRPr>
+          </a:p>
+        </p:txBody>
+      </p:sp>
       <p:pic>
         <p:nvPicPr>
-          <p:cNvPr id="3" name="图片 2" descr="屏幕剪辑"/>
+          <p:cNvPr id="4" name="图片 3" descr="屏幕剪辑"/>
           <p:cNvPicPr>
             <a:picLocks noChangeAspect="1"/>
           </p:cNvPicPr>
@@ -3860,8 +7342,8 @@
         </p:blipFill>
         <p:spPr>
           <a:xfrm>
-            <a:off x="1043608" y="2924944"/>
-            <a:ext cx="5782482" cy="3762900"/>
+            <a:off x="1115616" y="922272"/>
+            <a:ext cx="6630325" cy="1076475"/>
           </a:xfrm>
           <a:prstGeom prst="rect">
             <a:avLst/>
@@ -3880,19 +7362,19 @@
       </p:pic>
       <p:sp>
         <p:nvSpPr>
-          <p:cNvPr id="4" name="圆角矩形标注 3"/>
+          <p:cNvPr id="5" name="圆角矩形标注 4"/>
           <p:cNvSpPr/>
           <p:nvPr/>
         </p:nvSpPr>
         <p:spPr>
           <a:xfrm>
-            <a:off x="6588224" y="1517563"/>
-            <a:ext cx="1512168" cy="1157723"/>
+            <a:off x="5364088" y="332656"/>
+            <a:ext cx="2065725" cy="459494"/>
           </a:xfrm>
           <a:prstGeom prst="wedgeRoundRectCallout">
             <a:avLst>
-              <a:gd name="adj1" fmla="val -56394"/>
-              <a:gd name="adj2" fmla="val 17991"/>
+              <a:gd name="adj1" fmla="val 18577"/>
+              <a:gd name="adj2" fmla="val 153673"/>
               <a:gd name="adj3" fmla="val 16667"/>
             </a:avLst>
           </a:prstGeom>
@@ -3927,7 +7409,7 @@
                 <a:latin typeface="微软雅黑" pitchFamily="34" charset="-122"/>
                 <a:ea typeface="微软雅黑" pitchFamily="34" charset="-122"/>
               </a:rPr>
-              <a:t>光照和需要和原图叠加</a:t>
+              <a:t>对文字应用滤镜</a:t>
             </a:r>
             <a:endParaRPr lang="zh-CN" altLang="en-US" sz="2000" dirty="0">
               <a:solidFill>
@@ -3942,21 +7424,456 @@
           </a:p>
         </p:txBody>
       </p:sp>
-      <p:sp>
-        <p:nvSpPr>
-          <p:cNvPr id="5" name="圆角矩形标注 4"/>
+      <p:pic>
+        <p:nvPicPr>
+          <p:cNvPr id="6" name="图片 5" descr="屏幕剪辑"/>
+          <p:cNvPicPr>
+            <a:picLocks noChangeAspect="1"/>
+          </p:cNvPicPr>
+          <p:nvPr/>
+        </p:nvPicPr>
+        <p:blipFill>
+          <a:blip r:embed="rId4">
+            <a:extLst>
+              <a:ext uri="{28A0092B-C50C-407E-A947-70E740481C1C}">
+                <a14:useLocalDpi xmlns:a14="http://schemas.microsoft.com/office/drawing/2010/main" val="0"/>
+              </a:ext>
+            </a:extLst>
+          </a:blip>
+          <a:stretch>
+            <a:fillRect/>
+          </a:stretch>
+        </p:blipFill>
+        <p:spPr>
+          <a:xfrm>
+            <a:off x="1285704" y="2502372"/>
+            <a:ext cx="2838846" cy="933580"/>
+          </a:xfrm>
+          <a:prstGeom prst="rect">
+            <a:avLst/>
+          </a:prstGeom>
+        </p:spPr>
+      </p:pic>
+      <p:sp>
+        <p:nvSpPr>
+          <p:cNvPr id="7" name="燕尾形 6"/>
           <p:cNvSpPr/>
           <p:nvPr/>
         </p:nvSpPr>
         <p:spPr>
           <a:xfrm>
-            <a:off x="6660232" y="5301208"/>
-            <a:ext cx="1512168" cy="1157723"/>
+            <a:off x="4310040" y="2794480"/>
+            <a:ext cx="290826" cy="432048"/>
+          </a:xfrm>
+          <a:prstGeom prst="chevron">
+            <a:avLst/>
+          </a:prstGeom>
+        </p:spPr>
+        <p:style>
+          <a:lnRef idx="1">
+            <a:schemeClr val="accent6"/>
+          </a:lnRef>
+          <a:fillRef idx="3">
+            <a:schemeClr val="accent6"/>
+          </a:fillRef>
+          <a:effectRef idx="2">
+            <a:schemeClr val="accent6"/>
+          </a:effectRef>
+          <a:fontRef idx="minor">
+            <a:schemeClr val="lt1"/>
+          </a:fontRef>
+        </p:style>
+        <p:txBody>
+          <a:bodyPr rtlCol="0" anchor="ctr"/>
+          <a:lstStyle/>
+          <a:p>
+            <a:pPr algn="ctr"/>
+            <a:endParaRPr lang="zh-CN" altLang="en-US">
+              <a:solidFill>
+                <a:schemeClr val="tx1"/>
+              </a:solidFill>
+            </a:endParaRPr>
+          </a:p>
+        </p:txBody>
+      </p:sp>
+    </p:spTree>
+    <p:extLst>
+      <p:ext uri="{BB962C8B-B14F-4D97-AF65-F5344CB8AC3E}">
+        <p14:creationId xmlns:p14="http://schemas.microsoft.com/office/powerpoint/2010/main" val="3417467825"/>
+      </p:ext>
+    </p:extLst>
+  </p:cSld>
+  <p:clrMapOvr>
+    <a:masterClrMapping/>
+  </p:clrMapOvr>
+</p:sld>
+</file>
+
+<file path=ppt/slides/slide7.xml><?xml version="1.0" encoding="utf-8"?>
+<p:sld xmlns:a="http://schemas.openxmlformats.org/drawingml/2006/main" xmlns:r="http://schemas.openxmlformats.org/officeDocument/2006/relationships" xmlns:p="http://schemas.openxmlformats.org/presentationml/2006/main">
+  <p:cSld>
+    <p:spTree>
+      <p:nvGrpSpPr>
+        <p:cNvPr id="1" name=""/>
+        <p:cNvGrpSpPr/>
+        <p:nvPr/>
+      </p:nvGrpSpPr>
+      <p:grpSpPr>
+        <a:xfrm>
+          <a:off x="0" y="0"/>
+          <a:ext cx="0" cy="0"/>
+          <a:chOff x="0" y="0"/>
+          <a:chExt cx="0" cy="0"/>
+        </a:xfrm>
+      </p:grpSpPr>
+      <p:pic>
+        <p:nvPicPr>
+          <p:cNvPr id="10" name="图片 9" descr="屏幕剪辑"/>
+          <p:cNvPicPr>
+            <a:picLocks noChangeAspect="1"/>
+          </p:cNvPicPr>
+          <p:nvPr/>
+        </p:nvPicPr>
+        <p:blipFill>
+          <a:blip r:embed="rId2">
+            <a:extLst>
+              <a:ext uri="{28A0092B-C50C-407E-A947-70E740481C1C}">
+                <a14:useLocalDpi xmlns:a14="http://schemas.microsoft.com/office/drawing/2010/main" val="0"/>
+              </a:ext>
+            </a:extLst>
+          </a:blip>
+          <a:stretch>
+            <a:fillRect/>
+          </a:stretch>
+        </p:blipFill>
+        <p:spPr>
+          <a:xfrm>
+            <a:off x="2195736" y="3284984"/>
+            <a:ext cx="4486901" cy="2743583"/>
+          </a:xfrm>
+          <a:prstGeom prst="rect">
+            <a:avLst/>
+          </a:prstGeom>
+          <a:ln>
+            <a:noFill/>
+          </a:ln>
+          <a:effectLst>
+            <a:outerShdw blurRad="292100" dist="139700" dir="2700000" algn="tl" rotWithShape="0">
+              <a:srgbClr val="333333">
+                <a:alpha val="65000"/>
+              </a:srgbClr>
+            </a:outerShdw>
+          </a:effectLst>
+        </p:spPr>
+      </p:pic>
+      <p:sp>
+        <p:nvSpPr>
+          <p:cNvPr id="4" name="TextBox 3"/>
+          <p:cNvSpPr txBox="1"/>
+          <p:nvPr/>
+        </p:nvSpPr>
+        <p:spPr>
+          <a:xfrm>
+            <a:off x="684000" y="44624"/>
+            <a:ext cx="7776000" cy="523220"/>
+          </a:xfrm>
+          <a:prstGeom prst="rect">
+            <a:avLst/>
+          </a:prstGeom>
+          <a:noFill/>
+        </p:spPr>
+        <p:txBody>
+          <a:bodyPr wrap="square" rtlCol="0">
+            <a:spAutoFit/>
+          </a:bodyPr>
+          <a:lstStyle/>
+          <a:p>
+            <a:r>
+              <a:rPr lang="en-US" altLang="zh-CN" sz="2800" b="1" dirty="0">
+                <a:solidFill>
+                  <a:schemeClr val="tx1">
+                    <a:lumMod val="75000"/>
+                    <a:lumOff val="25000"/>
+                  </a:schemeClr>
+                </a:solidFill>
+                <a:latin typeface="微软雅黑" pitchFamily="34" charset="-122"/>
+                <a:ea typeface="微软雅黑" pitchFamily="34" charset="-122"/>
+              </a:rPr>
+              <a:t>4</a:t>
+            </a:r>
+            <a:r>
+              <a:rPr lang="en-US" altLang="zh-CN" sz="2800" b="1" dirty="0" smtClean="0">
+                <a:solidFill>
+                  <a:schemeClr val="tx1">
+                    <a:lumMod val="75000"/>
+                    <a:lumOff val="25000"/>
+                  </a:schemeClr>
+                </a:solidFill>
+                <a:latin typeface="微软雅黑" pitchFamily="34" charset="-122"/>
+                <a:ea typeface="微软雅黑" pitchFamily="34" charset="-122"/>
+              </a:rPr>
+              <a:t>.</a:t>
+            </a:r>
+            <a:r>
+              <a:rPr lang="zh-CN" altLang="en-US" sz="2800" b="1" dirty="0" smtClean="0">
+                <a:solidFill>
+                  <a:schemeClr val="tx1">
+                    <a:lumMod val="75000"/>
+                    <a:lumOff val="25000"/>
+                  </a:schemeClr>
+                </a:solidFill>
+                <a:latin typeface="微软雅黑" pitchFamily="34" charset="-122"/>
+                <a:ea typeface="微软雅黑" pitchFamily="34" charset="-122"/>
+              </a:rPr>
+              <a:t>让水波动起来</a:t>
+            </a:r>
+            <a:endParaRPr lang="zh-CN" altLang="en-US" sz="2800" b="1" dirty="0">
+              <a:solidFill>
+                <a:schemeClr val="tx1">
+                  <a:lumMod val="75000"/>
+                  <a:lumOff val="25000"/>
+                </a:schemeClr>
+              </a:solidFill>
+              <a:latin typeface="微软雅黑" pitchFamily="34" charset="-122"/>
+              <a:ea typeface="微软雅黑" pitchFamily="34" charset="-122"/>
+            </a:endParaRPr>
+          </a:p>
+        </p:txBody>
+      </p:sp>
+      <p:sp>
+        <p:nvSpPr>
+          <p:cNvPr id="5" name="TextBox 4"/>
+          <p:cNvSpPr txBox="1"/>
+          <p:nvPr/>
+        </p:nvSpPr>
+        <p:spPr>
+          <a:xfrm>
+            <a:off x="684000" y="476672"/>
+            <a:ext cx="7776000" cy="2862322"/>
+          </a:xfrm>
+          <a:prstGeom prst="rect">
+            <a:avLst/>
+          </a:prstGeom>
+          <a:noFill/>
+        </p:spPr>
+        <p:txBody>
+          <a:bodyPr wrap="square" rtlCol="0">
+            <a:spAutoFit/>
+          </a:bodyPr>
+          <a:lstStyle/>
+          <a:p>
+            <a:pPr>
+              <a:lnSpc>
+                <a:spcPct val="150000"/>
+              </a:lnSpc>
+            </a:pPr>
+            <a:r>
+              <a:rPr lang="zh-CN" altLang="en-US" sz="2400" dirty="0">
+                <a:solidFill>
+                  <a:schemeClr val="tx1">
+                    <a:lumMod val="75000"/>
+                    <a:lumOff val="25000"/>
+                  </a:schemeClr>
+                </a:solidFill>
+                <a:latin typeface="微软雅黑" pitchFamily="34" charset="-122"/>
+                <a:ea typeface="微软雅黑" pitchFamily="34" charset="-122"/>
+              </a:rPr>
+              <a:t>让</a:t>
+            </a:r>
+            <a:r>
+              <a:rPr lang="zh-CN" altLang="en-US" sz="2400" dirty="0" smtClean="0">
+                <a:solidFill>
+                  <a:schemeClr val="tx1">
+                    <a:lumMod val="75000"/>
+                    <a:lumOff val="25000"/>
+                  </a:schemeClr>
+                </a:solidFill>
+                <a:latin typeface="微软雅黑" pitchFamily="34" charset="-122"/>
+                <a:ea typeface="微软雅黑" pitchFamily="34" charset="-122"/>
+              </a:rPr>
+              <a:t>水波动起来，就是噪声进行平滑的改变，改变种子</a:t>
+            </a:r>
+            <a:r>
+              <a:rPr lang="en-US" altLang="zh-CN" sz="2400" dirty="0" smtClean="0">
+                <a:solidFill>
+                  <a:schemeClr val="tx1">
+                    <a:lumMod val="75000"/>
+                    <a:lumOff val="25000"/>
+                  </a:schemeClr>
+                </a:solidFill>
+                <a:latin typeface="微软雅黑" pitchFamily="34" charset="-122"/>
+                <a:ea typeface="微软雅黑" pitchFamily="34" charset="-122"/>
+              </a:rPr>
+              <a:t>seed</a:t>
+            </a:r>
+            <a:r>
+              <a:rPr lang="zh-CN" altLang="en-US" sz="2400" dirty="0" smtClean="0">
+                <a:solidFill>
+                  <a:schemeClr val="tx1">
+                    <a:lumMod val="75000"/>
+                    <a:lumOff val="25000"/>
+                  </a:schemeClr>
+                </a:solidFill>
+                <a:latin typeface="微软雅黑" pitchFamily="34" charset="-122"/>
+                <a:ea typeface="微软雅黑" pitchFamily="34" charset="-122"/>
+              </a:rPr>
+              <a:t>可以得到不同的噪声</a:t>
+            </a:r>
+            <a:r>
+              <a:rPr lang="zh-CN" altLang="en-US" sz="2400" dirty="0" smtClean="0">
+                <a:solidFill>
+                  <a:schemeClr val="tx1">
+                    <a:lumMod val="75000"/>
+                    <a:lumOff val="25000"/>
+                  </a:schemeClr>
+                </a:solidFill>
+                <a:latin typeface="微软雅黑" pitchFamily="34" charset="-122"/>
+                <a:ea typeface="微软雅黑" pitchFamily="34" charset="-122"/>
+              </a:rPr>
+              <a:t>，但并不平滑</a:t>
+            </a:r>
+            <a:r>
+              <a:rPr lang="zh-CN" altLang="en-US" sz="2400" dirty="0">
+                <a:solidFill>
+                  <a:schemeClr val="tx1">
+                    <a:lumMod val="75000"/>
+                    <a:lumOff val="25000"/>
+                  </a:schemeClr>
+                </a:solidFill>
+                <a:latin typeface="微软雅黑" pitchFamily="34" charset="-122"/>
+                <a:ea typeface="微软雅黑" pitchFamily="34" charset="-122"/>
+              </a:rPr>
+              <a:t>。改变噪声粒度</a:t>
+            </a:r>
+            <a:r>
+              <a:rPr lang="en-US" altLang="zh-CN" sz="2400" dirty="0" err="1" smtClean="0">
+                <a:solidFill>
+                  <a:schemeClr val="tx1">
+                    <a:lumMod val="75000"/>
+                    <a:lumOff val="25000"/>
+                  </a:schemeClr>
+                </a:solidFill>
+                <a:latin typeface="微软雅黑" pitchFamily="34" charset="-122"/>
+                <a:ea typeface="微软雅黑" pitchFamily="34" charset="-122"/>
+              </a:rPr>
+              <a:t>numOctaves</a:t>
+            </a:r>
+            <a:r>
+              <a:rPr lang="zh-CN" altLang="en-US" sz="2400" dirty="0">
+                <a:solidFill>
+                  <a:schemeClr val="tx1">
+                    <a:lumMod val="75000"/>
+                    <a:lumOff val="25000"/>
+                  </a:schemeClr>
+                </a:solidFill>
+                <a:latin typeface="微软雅黑" pitchFamily="34" charset="-122"/>
+                <a:ea typeface="微软雅黑" pitchFamily="34" charset="-122"/>
+              </a:rPr>
+              <a:t>也</a:t>
+            </a:r>
+            <a:r>
+              <a:rPr lang="zh-CN" altLang="en-US" sz="2400" dirty="0" smtClean="0">
+                <a:solidFill>
+                  <a:schemeClr val="tx1">
+                    <a:lumMod val="75000"/>
+                    <a:lumOff val="25000"/>
+                  </a:schemeClr>
+                </a:solidFill>
+                <a:latin typeface="微软雅黑" pitchFamily="34" charset="-122"/>
+                <a:ea typeface="微软雅黑" pitchFamily="34" charset="-122"/>
+              </a:rPr>
+              <a:t>可以，但也不平滑。改变</a:t>
+            </a:r>
+            <a:r>
+              <a:rPr lang="zh-CN" altLang="en-US" sz="2400" dirty="0">
+                <a:solidFill>
+                  <a:schemeClr val="tx1">
+                    <a:lumMod val="75000"/>
+                    <a:lumOff val="25000"/>
+                  </a:schemeClr>
+                </a:solidFill>
+                <a:latin typeface="微软雅黑" pitchFamily="34" charset="-122"/>
+                <a:ea typeface="微软雅黑" pitchFamily="34" charset="-122"/>
+              </a:rPr>
+              <a:t>噪声频率</a:t>
+            </a:r>
+            <a:r>
+              <a:rPr lang="en-US" altLang="zh-CN" sz="2400" b="1" dirty="0" err="1" smtClean="0">
+                <a:solidFill>
+                  <a:srgbClr val="FF0000"/>
+                </a:solidFill>
+                <a:latin typeface="微软雅黑" pitchFamily="34" charset="-122"/>
+                <a:ea typeface="微软雅黑" pitchFamily="34" charset="-122"/>
+              </a:rPr>
+              <a:t>baseFrequency</a:t>
+            </a:r>
+            <a:r>
+              <a:rPr lang="zh-CN" altLang="en-US" sz="2400" dirty="0" smtClean="0">
+                <a:solidFill>
+                  <a:schemeClr val="tx1">
+                    <a:lumMod val="75000"/>
+                    <a:lumOff val="25000"/>
+                  </a:schemeClr>
+                </a:solidFill>
+                <a:latin typeface="微软雅黑" pitchFamily="34" charset="-122"/>
+                <a:ea typeface="微软雅黑" pitchFamily="34" charset="-122"/>
+              </a:rPr>
+              <a:t>是最好的选择。我们制作噪声频率的</a:t>
+            </a:r>
+            <a:r>
+              <a:rPr lang="en-US" altLang="zh-CN" sz="2400" dirty="0" smtClean="0">
+                <a:solidFill>
+                  <a:schemeClr val="tx1">
+                    <a:lumMod val="75000"/>
+                    <a:lumOff val="25000"/>
+                  </a:schemeClr>
+                </a:solidFill>
+                <a:latin typeface="微软雅黑" pitchFamily="34" charset="-122"/>
+                <a:ea typeface="微软雅黑" pitchFamily="34" charset="-122"/>
+              </a:rPr>
+              <a:t>SMIL</a:t>
+            </a:r>
+            <a:r>
+              <a:rPr lang="zh-CN" altLang="en-US" sz="2400" dirty="0" smtClean="0">
+                <a:solidFill>
+                  <a:schemeClr val="tx1">
+                    <a:lumMod val="75000"/>
+                    <a:lumOff val="25000"/>
+                  </a:schemeClr>
+                </a:solidFill>
+                <a:latin typeface="微软雅黑" pitchFamily="34" charset="-122"/>
+                <a:ea typeface="微软雅黑" pitchFamily="34" charset="-122"/>
+              </a:rPr>
+              <a:t>动画，如下：</a:t>
+            </a:r>
+            <a:endParaRPr lang="en-US" altLang="zh-CN" sz="2400" dirty="0" smtClean="0">
+              <a:solidFill>
+                <a:schemeClr val="tx1">
+                  <a:lumMod val="75000"/>
+                  <a:lumOff val="25000"/>
+                </a:schemeClr>
+              </a:solidFill>
+              <a:latin typeface="微软雅黑" pitchFamily="34" charset="-122"/>
+              <a:ea typeface="微软雅黑" pitchFamily="34" charset="-122"/>
+            </a:endParaRPr>
+          </a:p>
+        </p:txBody>
+      </p:sp>
+      <p:sp>
+        <p:nvSpPr>
+          <p:cNvPr id="11" name="圆角矩形标注 10"/>
+          <p:cNvSpPr/>
+          <p:nvPr/>
+        </p:nvSpPr>
+        <p:spPr>
+          <a:xfrm>
+            <a:off x="5004048" y="4502676"/>
+            <a:ext cx="2808312" cy="459494"/>
           </a:xfrm>
           <a:prstGeom prst="wedgeRoundRectCallout">
             <a:avLst>
-              <a:gd name="adj1" fmla="val -56394"/>
-              <a:gd name="adj2" fmla="val 17991"/>
+              <a:gd name="adj1" fmla="val -57600"/>
+              <a:gd name="adj2" fmla="val 26879"/>
               <a:gd name="adj3" fmla="val 16667"/>
             </a:avLst>
           </a:prstGeom>
@@ -3991,7 +7908,46 @@
                 <a:latin typeface="微软雅黑" pitchFamily="34" charset="-122"/>
                 <a:ea typeface="微软雅黑" pitchFamily="34" charset="-122"/>
               </a:rPr>
-              <a:t>光照和需要和原图叠加</a:t>
+              <a:t>频率变化从</a:t>
+            </a:r>
+            <a:r>
+              <a:rPr lang="en-US" altLang="zh-CN" sz="2000" dirty="0" smtClean="0">
+                <a:solidFill>
+                  <a:schemeClr val="tx1">
+                    <a:lumMod val="75000"/>
+                    <a:lumOff val="25000"/>
+                  </a:schemeClr>
+                </a:solidFill>
+                <a:latin typeface="微软雅黑" pitchFamily="34" charset="-122"/>
+                <a:ea typeface="微软雅黑" pitchFamily="34" charset="-122"/>
+              </a:rPr>
+              <a:t>0.03</a:t>
+            </a:r>
+            <a:r>
+              <a:rPr lang="zh-CN" altLang="en-US" sz="2000" dirty="0" smtClean="0">
+                <a:solidFill>
+                  <a:schemeClr val="tx1">
+                    <a:lumMod val="75000"/>
+                    <a:lumOff val="25000"/>
+                  </a:schemeClr>
+                </a:solidFill>
+                <a:latin typeface="微软雅黑" pitchFamily="34" charset="-122"/>
+                <a:ea typeface="微软雅黑" pitchFamily="34" charset="-122"/>
+              </a:rPr>
+              <a:t>到</a:t>
+            </a:r>
+            <a:r>
+              <a:rPr lang="en-US" altLang="zh-CN" sz="2000" dirty="0" smtClean="0">
+                <a:solidFill>
+                  <a:schemeClr val="tx1">
+                    <a:lumMod val="75000"/>
+                    <a:lumOff val="25000"/>
+                  </a:schemeClr>
+                </a:solidFill>
+                <a:latin typeface="微软雅黑" pitchFamily="34" charset="-122"/>
+                <a:ea typeface="微软雅黑" pitchFamily="34" charset="-122"/>
+              </a:rPr>
+              <a:t>0.01</a:t>
             </a:r>
             <a:endParaRPr lang="zh-CN" altLang="en-US" sz="2000" dirty="0">
               <a:solidFill>
@@ -4008,14 +7964,14 @@
       </p:sp>
       <p:sp>
         <p:nvSpPr>
-          <p:cNvPr id="6" name="矩形 5"/>
+          <p:cNvPr id="13" name="矩形 12"/>
           <p:cNvSpPr/>
           <p:nvPr/>
         </p:nvSpPr>
         <p:spPr>
           <a:xfrm>
-            <a:off x="1331640" y="4365104"/>
-            <a:ext cx="1728192" cy="317453"/>
+            <a:off x="4355976" y="3652303"/>
+            <a:ext cx="1793761" cy="317453"/>
           </a:xfrm>
           <a:prstGeom prst="rect">
             <a:avLst/>
@@ -4054,234 +8010,122 @@
       </p:sp>
       <p:sp>
         <p:nvSpPr>
-          <p:cNvPr id="7" name="矩形 6"/>
+          <p:cNvPr id="14" name="圆角矩形标注 13"/>
           <p:cNvSpPr/>
           <p:nvPr/>
         </p:nvSpPr>
         <p:spPr>
           <a:xfrm>
-            <a:off x="1187624" y="2967531"/>
-            <a:ext cx="2304256" cy="317453"/>
+            <a:off x="3131840" y="6028567"/>
+            <a:ext cx="4392488" cy="764704"/>
           </a:xfrm>
-          <a:prstGeom prst="rect">
-            <a:avLst/>
+          <a:prstGeom prst="wedgeRoundRectCallout">
+            <a:avLst>
+              <a:gd name="adj1" fmla="val 14015"/>
+              <a:gd name="adj2" fmla="val -88848"/>
+              <a:gd name="adj3" fmla="val 16667"/>
+            </a:avLst>
           </a:prstGeom>
-          <a:noFill/>
-          <a:ln w="28575">
-            <a:solidFill>
-              <a:srgbClr val="FFFF00"/>
-            </a:solidFill>
-          </a:ln>
         </p:spPr>
         <p:style>
           <a:lnRef idx="2">
-            <a:schemeClr val="accent1">
-              <a:shade val="50000"/>
-            </a:schemeClr>
+            <a:schemeClr val="accent5"/>
           </a:lnRef>
           <a:fillRef idx="1">
-            <a:schemeClr val="accent1"/>
+            <a:schemeClr val="lt1"/>
           </a:fillRef>
           <a:effectRef idx="0">
-            <a:schemeClr val="accent1"/>
+            <a:schemeClr val="accent5"/>
           </a:effectRef>
           <a:fontRef idx="minor">
-            <a:schemeClr val="lt1"/>
+            <a:schemeClr val="dk1"/>
           </a:fontRef>
         </p:style>
         <p:txBody>
           <a:bodyPr rtlCol="0" anchor="ctr"/>
           <a:lstStyle/>
           <a:p>
-            <a:pPr algn="ctr"/>
-            <a:endParaRPr lang="zh-CN" altLang="en-US"/>
-          </a:p>
-        </p:txBody>
-      </p:sp>
-      <p:sp>
-        <p:nvSpPr>
-          <p:cNvPr id="8" name="矩形 7"/>
-          <p:cNvSpPr/>
-          <p:nvPr/>
-        </p:nvSpPr>
-        <p:spPr>
-          <a:xfrm>
-            <a:off x="1187624" y="188640"/>
-            <a:ext cx="2304256" cy="317453"/>
-          </a:xfrm>
-          <a:prstGeom prst="rect">
-            <a:avLst/>
-          </a:prstGeom>
-          <a:noFill/>
-          <a:ln w="28575">
-            <a:solidFill>
-              <a:srgbClr val="FFFF00"/>
-            </a:solidFill>
-          </a:ln>
-        </p:spPr>
-        <p:style>
-          <a:lnRef idx="2">
-            <a:schemeClr val="accent1">
-              <a:shade val="50000"/>
-            </a:schemeClr>
-          </a:lnRef>
-          <a:fillRef idx="1">
-            <a:schemeClr val="accent1"/>
-          </a:fillRef>
-          <a:effectRef idx="0">
-            <a:schemeClr val="accent1"/>
-          </a:effectRef>
-          <a:fontRef idx="minor">
-            <a:schemeClr val="lt1"/>
-          </a:fontRef>
-        </p:style>
-        <p:txBody>
-          <a:bodyPr rtlCol="0" anchor="ctr"/>
-          <a:lstStyle/>
-          <a:p>
-            <a:pPr algn="ctr"/>
-            <a:endParaRPr lang="zh-CN" altLang="en-US"/>
-          </a:p>
-        </p:txBody>
-      </p:sp>
-      <p:sp>
-        <p:nvSpPr>
-          <p:cNvPr id="9" name="矩形 8"/>
-          <p:cNvSpPr/>
-          <p:nvPr/>
-        </p:nvSpPr>
-        <p:spPr>
-          <a:xfrm>
-            <a:off x="1323969" y="1200110"/>
-            <a:ext cx="1735863" cy="317453"/>
-          </a:xfrm>
-          <a:prstGeom prst="rect">
-            <a:avLst/>
-          </a:prstGeom>
-          <a:noFill/>
-          <a:ln w="28575">
-            <a:solidFill>
-              <a:srgbClr val="FFFF00"/>
-            </a:solidFill>
-          </a:ln>
-        </p:spPr>
-        <p:style>
-          <a:lnRef idx="2">
-            <a:schemeClr val="accent1">
-              <a:shade val="50000"/>
-            </a:schemeClr>
-          </a:lnRef>
-          <a:fillRef idx="1">
-            <a:schemeClr val="accent1"/>
-          </a:fillRef>
-          <a:effectRef idx="0">
-            <a:schemeClr val="accent1"/>
-          </a:effectRef>
-          <a:fontRef idx="minor">
-            <a:schemeClr val="lt1"/>
-          </a:fontRef>
-        </p:style>
-        <p:txBody>
-          <a:bodyPr rtlCol="0" anchor="ctr"/>
-          <a:lstStyle/>
-          <a:p>
-            <a:pPr algn="ctr"/>
-            <a:endParaRPr lang="zh-CN" altLang="en-US"/>
-          </a:p>
-        </p:txBody>
-      </p:sp>
-    </p:spTree>
-    <p:extLst>
-      <p:ext uri="{BB962C8B-B14F-4D97-AF65-F5344CB8AC3E}">
-        <p14:creationId xmlns:p14="http://schemas.microsoft.com/office/powerpoint/2010/main" val="1474178062"/>
-      </p:ext>
-    </p:extLst>
-  </p:cSld>
-  <p:clrMapOvr>
-    <a:masterClrMapping/>
-  </p:clrMapOvr>
-</p:sld>
-</file>
-
-<file path=ppt/slides/slide12.xml><?xml version="1.0" encoding="utf-8"?>
-<p:sld xmlns:a="http://schemas.openxmlformats.org/drawingml/2006/main" xmlns:r="http://schemas.openxmlformats.org/officeDocument/2006/relationships" xmlns:p="http://schemas.openxmlformats.org/presentationml/2006/main">
-  <p:cSld>
-    <p:spTree>
-      <p:nvGrpSpPr>
-        <p:cNvPr id="1" name=""/>
-        <p:cNvGrpSpPr/>
-        <p:nvPr/>
-      </p:nvGrpSpPr>
-      <p:grpSpPr>
-        <a:xfrm>
-          <a:off x="0" y="0"/>
-          <a:ext cx="0" cy="0"/>
-          <a:chOff x="0" y="0"/>
-          <a:chExt cx="0" cy="0"/>
-        </a:xfrm>
-      </p:grpSpPr>
-      <p:sp>
-        <p:nvSpPr>
-          <p:cNvPr id="4" name="TextBox 3"/>
-          <p:cNvSpPr txBox="1"/>
-          <p:nvPr/>
-        </p:nvSpPr>
-        <p:spPr>
-          <a:xfrm>
-            <a:off x="467544" y="476672"/>
-            <a:ext cx="7776864" cy="523220"/>
-          </a:xfrm>
-          <a:prstGeom prst="rect">
-            <a:avLst/>
-          </a:prstGeom>
-          <a:noFill/>
-        </p:spPr>
-        <p:txBody>
-          <a:bodyPr wrap="square" rtlCol="0">
-            <a:spAutoFit/>
-          </a:bodyPr>
-          <a:lstStyle/>
-          <a:p>
-            <a:r>
-              <a:rPr lang="en-US" altLang="zh-CN" sz="2800" b="1" dirty="0">
-                <a:solidFill>
-                  <a:schemeClr val="tx1">
-                    <a:lumMod val="75000"/>
-                    <a:lumOff val="25000"/>
-                  </a:schemeClr>
-                </a:solidFill>
-                <a:latin typeface="微软雅黑" pitchFamily="34" charset="-122"/>
-                <a:ea typeface="微软雅黑" pitchFamily="34" charset="-122"/>
-              </a:rPr>
-              <a:t>9</a:t>
-            </a:r>
-            <a:r>
-              <a:rPr lang="en-US" altLang="zh-CN" sz="2800" b="1" dirty="0" smtClean="0">
-                <a:solidFill>
-                  <a:schemeClr val="tx1">
-                    <a:lumMod val="75000"/>
-                    <a:lumOff val="25000"/>
-                  </a:schemeClr>
-                </a:solidFill>
-                <a:latin typeface="微软雅黑" pitchFamily="34" charset="-122"/>
-                <a:ea typeface="微软雅黑" pitchFamily="34" charset="-122"/>
-              </a:rPr>
-              <a:t>.</a:t>
-            </a:r>
-            <a:r>
-              <a:rPr lang="zh-CN" altLang="en-US" sz="2800" b="1" dirty="0" smtClean="0">
-                <a:solidFill>
-                  <a:schemeClr val="tx1">
-                    <a:lumMod val="75000"/>
-                    <a:lumOff val="25000"/>
-                  </a:schemeClr>
-                </a:solidFill>
-                <a:latin typeface="微软雅黑" pitchFamily="34" charset="-122"/>
-                <a:ea typeface="微软雅黑" pitchFamily="34" charset="-122"/>
-              </a:rPr>
-              <a:t>更多思考</a:t>
-            </a:r>
-            <a:endParaRPr lang="zh-CN" altLang="en-US" sz="2800" b="1" dirty="0">
+            <a:r>
+              <a:rPr lang="zh-CN" altLang="en-US" sz="2000" dirty="0" smtClean="0">
+                <a:solidFill>
+                  <a:schemeClr val="tx1">
+                    <a:lumMod val="75000"/>
+                    <a:lumOff val="25000"/>
+                  </a:schemeClr>
+                </a:solidFill>
+                <a:latin typeface="微软雅黑" pitchFamily="34" charset="-122"/>
+                <a:ea typeface="微软雅黑" pitchFamily="34" charset="-122"/>
+              </a:rPr>
+              <a:t>如果</a:t>
+            </a:r>
+            <a:r>
+              <a:rPr lang="en-US" altLang="zh-CN" sz="2000" dirty="0" err="1" smtClean="0">
+                <a:solidFill>
+                  <a:schemeClr val="tx1">
+                    <a:lumMod val="75000"/>
+                    <a:lumOff val="25000"/>
+                  </a:schemeClr>
+                </a:solidFill>
+                <a:latin typeface="微软雅黑" pitchFamily="34" charset="-122"/>
+                <a:ea typeface="微软雅黑" pitchFamily="34" charset="-122"/>
+              </a:rPr>
+              <a:t>calMode</a:t>
+            </a:r>
+            <a:r>
+              <a:rPr lang="en-US" altLang="zh-CN" sz="2000" dirty="0">
+                <a:solidFill>
+                  <a:schemeClr val="tx1">
+                    <a:lumMod val="75000"/>
+                    <a:lumOff val="25000"/>
+                  </a:schemeClr>
+                </a:solidFill>
+                <a:latin typeface="微软雅黑" pitchFamily="34" charset="-122"/>
+                <a:ea typeface="微软雅黑" pitchFamily="34" charset="-122"/>
+              </a:rPr>
+              <a:t>=“</a:t>
+            </a:r>
+            <a:r>
+              <a:rPr lang="en-US" altLang="zh-CN" sz="2000" dirty="0" smtClean="0">
+                <a:solidFill>
+                  <a:schemeClr val="tx1">
+                    <a:lumMod val="75000"/>
+                    <a:lumOff val="25000"/>
+                  </a:schemeClr>
+                </a:solidFill>
+                <a:latin typeface="微软雅黑" pitchFamily="34" charset="-122"/>
+                <a:ea typeface="微软雅黑" pitchFamily="34" charset="-122"/>
+              </a:rPr>
+              <a:t>spline”</a:t>
+            </a:r>
+          </a:p>
+          <a:p>
+            <a:r>
+              <a:rPr lang="en-US" altLang="zh-CN" sz="2000" dirty="0" err="1" smtClean="0">
+                <a:solidFill>
+                  <a:schemeClr val="tx1">
+                    <a:lumMod val="75000"/>
+                    <a:lumOff val="25000"/>
+                  </a:schemeClr>
+                </a:solidFill>
+                <a:latin typeface="微软雅黑" pitchFamily="34" charset="-122"/>
+                <a:ea typeface="微软雅黑" pitchFamily="34" charset="-122"/>
+              </a:rPr>
+              <a:t>keySplines</a:t>
+            </a:r>
+            <a:r>
+              <a:rPr lang="zh-CN" altLang="en-US" sz="2000" dirty="0" smtClean="0">
+                <a:solidFill>
+                  <a:schemeClr val="tx1">
+                    <a:lumMod val="75000"/>
+                    <a:lumOff val="25000"/>
+                  </a:schemeClr>
+                </a:solidFill>
+                <a:latin typeface="微软雅黑" pitchFamily="34" charset="-122"/>
+                <a:ea typeface="微软雅黑" pitchFamily="34" charset="-122"/>
+              </a:rPr>
+              <a:t>就是贝塞尔曲线的控制点</a:t>
+            </a:r>
+            <a:endParaRPr lang="zh-CN" altLang="en-US" sz="2000" dirty="0">
               <a:solidFill>
                 <a:schemeClr val="tx1">
                   <a:lumMod val="75000"/>
@@ -4294,463 +8138,10 @@
           </a:p>
         </p:txBody>
       </p:sp>
-      <p:sp>
-        <p:nvSpPr>
-          <p:cNvPr id="9" name="TextBox 8"/>
-          <p:cNvSpPr txBox="1"/>
-          <p:nvPr/>
-        </p:nvSpPr>
-        <p:spPr>
-          <a:xfrm>
-            <a:off x="611560" y="2996952"/>
-            <a:ext cx="7776864" cy="1384995"/>
-          </a:xfrm>
-          <a:prstGeom prst="rect">
-            <a:avLst/>
-          </a:prstGeom>
-          <a:noFill/>
-        </p:spPr>
-        <p:txBody>
-          <a:bodyPr wrap="square" rtlCol="0">
-            <a:spAutoFit/>
-          </a:bodyPr>
-          <a:lstStyle/>
-          <a:p>
-            <a:r>
-              <a:rPr lang="en-US" altLang="zh-CN" sz="2800" b="1" dirty="0" smtClean="0">
-                <a:solidFill>
-                  <a:schemeClr val="tx1">
-                    <a:lumMod val="75000"/>
-                    <a:lumOff val="25000"/>
-                  </a:schemeClr>
-                </a:solidFill>
-                <a:latin typeface="微软雅黑" pitchFamily="34" charset="-122"/>
-                <a:ea typeface="微软雅黑" pitchFamily="34" charset="-122"/>
-              </a:rPr>
-              <a:t>	</a:t>
-            </a:r>
-            <a:r>
-              <a:rPr lang="zh-CN" altLang="en-US" sz="2800" b="1" dirty="0" smtClean="0">
-                <a:solidFill>
-                  <a:schemeClr val="tx1">
-                    <a:lumMod val="75000"/>
-                    <a:lumOff val="25000"/>
-                  </a:schemeClr>
-                </a:solidFill>
-                <a:latin typeface="微软雅黑" pitchFamily="34" charset="-122"/>
-                <a:ea typeface="微软雅黑" pitchFamily="34" charset="-122"/>
-              </a:rPr>
-              <a:t>本期内容就讲到这里，谢谢大家！</a:t>
-            </a:r>
-            <a:endParaRPr lang="en-US" altLang="zh-CN" sz="2800" b="1" dirty="0" smtClean="0">
-              <a:solidFill>
-                <a:schemeClr val="tx1">
-                  <a:lumMod val="75000"/>
-                  <a:lumOff val="25000"/>
-                </a:schemeClr>
-              </a:solidFill>
-              <a:latin typeface="微软雅黑" pitchFamily="34" charset="-122"/>
-              <a:ea typeface="微软雅黑" pitchFamily="34" charset="-122"/>
-            </a:endParaRPr>
-          </a:p>
-          <a:p>
-            <a:endParaRPr lang="en-US" altLang="zh-CN" sz="2800" b="1" dirty="0" smtClean="0">
-              <a:solidFill>
-                <a:schemeClr val="tx1">
-                  <a:lumMod val="75000"/>
-                  <a:lumOff val="25000"/>
-                </a:schemeClr>
-              </a:solidFill>
-              <a:latin typeface="微软雅黑" pitchFamily="34" charset="-122"/>
-              <a:ea typeface="微软雅黑" pitchFamily="34" charset="-122"/>
-            </a:endParaRPr>
-          </a:p>
-          <a:p>
-            <a:r>
-              <a:rPr lang="en-US" altLang="zh-CN" sz="2800" b="1" dirty="0">
-                <a:solidFill>
-                  <a:schemeClr val="tx1">
-                    <a:lumMod val="75000"/>
-                    <a:lumOff val="25000"/>
-                  </a:schemeClr>
-                </a:solidFill>
-                <a:latin typeface="微软雅黑" pitchFamily="34" charset="-122"/>
-                <a:ea typeface="微软雅黑" pitchFamily="34" charset="-122"/>
-              </a:rPr>
-              <a:t>	</a:t>
-            </a:r>
-            <a:r>
-              <a:rPr lang="en-US" altLang="zh-CN" sz="2800" b="1" dirty="0" smtClean="0">
-                <a:solidFill>
-                  <a:schemeClr val="tx1">
-                    <a:lumMod val="75000"/>
-                    <a:lumOff val="25000"/>
-                  </a:schemeClr>
-                </a:solidFill>
-                <a:latin typeface="微软雅黑" pitchFamily="34" charset="-122"/>
-                <a:ea typeface="微软雅黑" pitchFamily="34" charset="-122"/>
-              </a:rPr>
-              <a:t>	</a:t>
-            </a:r>
-            <a:endParaRPr lang="zh-CN" altLang="en-US" sz="2800" b="1" dirty="0">
-              <a:solidFill>
-                <a:schemeClr val="tx1">
-                  <a:lumMod val="75000"/>
-                  <a:lumOff val="25000"/>
-                </a:schemeClr>
-              </a:solidFill>
-              <a:latin typeface="微软雅黑" pitchFamily="34" charset="-122"/>
-              <a:ea typeface="微软雅黑" pitchFamily="34" charset="-122"/>
-            </a:endParaRPr>
-          </a:p>
-        </p:txBody>
-      </p:sp>
-      <p:sp>
-        <p:nvSpPr>
-          <p:cNvPr id="5" name="TextBox 4"/>
-          <p:cNvSpPr txBox="1"/>
-          <p:nvPr/>
-        </p:nvSpPr>
-        <p:spPr>
-          <a:xfrm>
-            <a:off x="467544" y="1268760"/>
-            <a:ext cx="7632848" cy="646331"/>
-          </a:xfrm>
-          <a:prstGeom prst="rect">
-            <a:avLst/>
-          </a:prstGeom>
-          <a:noFill/>
-        </p:spPr>
-        <p:txBody>
-          <a:bodyPr wrap="square" rtlCol="0">
-            <a:spAutoFit/>
-          </a:bodyPr>
-          <a:lstStyle/>
-          <a:p>
-            <a:pPr marL="342900" indent="-342900">
-              <a:lnSpc>
-                <a:spcPct val="150000"/>
-              </a:lnSpc>
-              <a:buFont typeface="Arial" pitchFamily="34" charset="0"/>
-              <a:buChar char="•"/>
-            </a:pPr>
-            <a:r>
-              <a:rPr lang="zh-CN" altLang="en-US" sz="2400" dirty="0" smtClean="0">
-                <a:solidFill>
-                  <a:schemeClr val="tx1">
-                    <a:lumMod val="75000"/>
-                    <a:lumOff val="25000"/>
-                  </a:schemeClr>
-                </a:solidFill>
-                <a:latin typeface="微软雅黑" pitchFamily="34" charset="-122"/>
-                <a:ea typeface="微软雅黑" pitchFamily="34" charset="-122"/>
-              </a:rPr>
-              <a:t>如果想点击图片实现水波效果，如何实现？</a:t>
-            </a:r>
-            <a:endParaRPr lang="en-US" altLang="zh-CN" sz="2400" dirty="0" smtClean="0">
-              <a:solidFill>
-                <a:schemeClr val="tx1">
-                  <a:lumMod val="75000"/>
-                  <a:lumOff val="25000"/>
-                </a:schemeClr>
-              </a:solidFill>
-              <a:latin typeface="微软雅黑" pitchFamily="34" charset="-122"/>
-              <a:ea typeface="微软雅黑" pitchFamily="34" charset="-122"/>
-            </a:endParaRPr>
-          </a:p>
-        </p:txBody>
-      </p:sp>
     </p:spTree>
     <p:extLst>
       <p:ext uri="{BB962C8B-B14F-4D97-AF65-F5344CB8AC3E}">
-        <p14:creationId xmlns:p14="http://schemas.microsoft.com/office/powerpoint/2010/main" val="2328121375"/>
-      </p:ext>
-    </p:extLst>
-  </p:cSld>
-  <p:clrMapOvr>
-    <a:masterClrMapping/>
-  </p:clrMapOvr>
-</p:sld>
-</file>
-
-<file path=ppt/slides/slide2.xml><?xml version="1.0" encoding="utf-8"?>
-<p:sld xmlns:a="http://schemas.openxmlformats.org/drawingml/2006/main" xmlns:r="http://schemas.openxmlformats.org/officeDocument/2006/relationships" xmlns:p="http://schemas.openxmlformats.org/presentationml/2006/main">
-  <p:cSld>
-    <p:spTree>
-      <p:nvGrpSpPr>
-        <p:cNvPr id="1" name=""/>
-        <p:cNvGrpSpPr/>
-        <p:nvPr/>
-      </p:nvGrpSpPr>
-      <p:grpSpPr>
-        <a:xfrm>
-          <a:off x="0" y="0"/>
-          <a:ext cx="0" cy="0"/>
-          <a:chOff x="0" y="0"/>
-          <a:chExt cx="0" cy="0"/>
-        </a:xfrm>
-      </p:grpSpPr>
-      <p:sp>
-        <p:nvSpPr>
-          <p:cNvPr id="4" name="TextBox 3"/>
-          <p:cNvSpPr txBox="1"/>
-          <p:nvPr/>
-        </p:nvSpPr>
-        <p:spPr>
-          <a:xfrm>
-            <a:off x="684000" y="453173"/>
-            <a:ext cx="7776000" cy="523220"/>
-          </a:xfrm>
-          <a:prstGeom prst="rect">
-            <a:avLst/>
-          </a:prstGeom>
-          <a:noFill/>
-        </p:spPr>
-        <p:txBody>
-          <a:bodyPr wrap="square" rtlCol="0">
-            <a:spAutoFit/>
-          </a:bodyPr>
-          <a:lstStyle/>
-          <a:p>
-            <a:r>
-              <a:rPr lang="en-US" altLang="zh-CN" sz="2800" b="1" dirty="0" smtClean="0">
-                <a:solidFill>
-                  <a:schemeClr val="tx1">
-                    <a:lumMod val="75000"/>
-                    <a:lumOff val="25000"/>
-                  </a:schemeClr>
-                </a:solidFill>
-                <a:latin typeface="微软雅黑" pitchFamily="34" charset="-122"/>
-                <a:ea typeface="微软雅黑" pitchFamily="34" charset="-122"/>
-              </a:rPr>
-              <a:t>1.</a:t>
-            </a:r>
-            <a:r>
-              <a:rPr lang="zh-CN" altLang="en-US" sz="2800" b="1" dirty="0">
-                <a:solidFill>
-                  <a:schemeClr val="tx1">
-                    <a:lumMod val="75000"/>
-                    <a:lumOff val="25000"/>
-                  </a:schemeClr>
-                </a:solidFill>
-                <a:latin typeface="微软雅黑" pitchFamily="34" charset="-122"/>
-                <a:ea typeface="微软雅黑" pitchFamily="34" charset="-122"/>
-              </a:rPr>
-              <a:t>目标</a:t>
-            </a:r>
-            <a:r>
-              <a:rPr lang="en-US" altLang="zh-CN" sz="2800" b="1" dirty="0">
-                <a:solidFill>
-                  <a:schemeClr val="tx1">
-                    <a:lumMod val="75000"/>
-                    <a:lumOff val="25000"/>
-                  </a:schemeClr>
-                </a:solidFill>
-                <a:latin typeface="微软雅黑" pitchFamily="34" charset="-122"/>
-                <a:ea typeface="微软雅黑" pitchFamily="34" charset="-122"/>
-              </a:rPr>
-              <a:t>——SVG</a:t>
-            </a:r>
-            <a:r>
-              <a:rPr lang="zh-CN" altLang="en-US" sz="2800" b="1" dirty="0">
-                <a:solidFill>
-                  <a:schemeClr val="tx1">
-                    <a:lumMod val="75000"/>
-                    <a:lumOff val="25000"/>
-                  </a:schemeClr>
-                </a:solidFill>
-                <a:latin typeface="微软雅黑" pitchFamily="34" charset="-122"/>
-                <a:ea typeface="微软雅黑" pitchFamily="34" charset="-122"/>
-              </a:rPr>
-              <a:t>水波文字（</a:t>
-            </a:r>
-            <a:r>
-              <a:rPr lang="zh-CN" altLang="en-US" sz="2800" b="1" dirty="0" smtClean="0">
-                <a:solidFill>
-                  <a:schemeClr val="tx1">
-                    <a:lumMod val="75000"/>
-                    <a:lumOff val="25000"/>
-                  </a:schemeClr>
-                </a:solidFill>
-                <a:latin typeface="微软雅黑" pitchFamily="34" charset="-122"/>
-                <a:ea typeface="微软雅黑" pitchFamily="34" charset="-122"/>
-              </a:rPr>
-              <a:t>难度：</a:t>
-            </a:r>
-            <a:r>
-              <a:rPr lang="en-US" altLang="zh-CN" sz="2800" b="1" dirty="0" smtClean="0">
-                <a:solidFill>
-                  <a:schemeClr val="tx1">
-                    <a:lumMod val="75000"/>
-                    <a:lumOff val="25000"/>
-                  </a:schemeClr>
-                </a:solidFill>
-                <a:latin typeface="微软雅黑" pitchFamily="34" charset="-122"/>
-                <a:ea typeface="微软雅黑" pitchFamily="34" charset="-122"/>
-              </a:rPr>
-              <a:t>2.3</a:t>
-            </a:r>
-            <a:r>
-              <a:rPr lang="zh-CN" altLang="en-US" sz="2800" b="1" dirty="0" smtClean="0">
-                <a:solidFill>
-                  <a:schemeClr val="tx1">
-                    <a:lumMod val="75000"/>
-                    <a:lumOff val="25000"/>
-                  </a:schemeClr>
-                </a:solidFill>
-                <a:latin typeface="微软雅黑" pitchFamily="34" charset="-122"/>
-                <a:ea typeface="微软雅黑" pitchFamily="34" charset="-122"/>
-              </a:rPr>
-              <a:t>）</a:t>
-            </a:r>
-            <a:endParaRPr lang="zh-CN" altLang="en-US" sz="2800" b="1" dirty="0">
-              <a:solidFill>
-                <a:schemeClr val="tx1">
-                  <a:lumMod val="75000"/>
-                  <a:lumOff val="25000"/>
-                </a:schemeClr>
-              </a:solidFill>
-              <a:latin typeface="微软雅黑" pitchFamily="34" charset="-122"/>
-              <a:ea typeface="微软雅黑" pitchFamily="34" charset="-122"/>
-            </a:endParaRPr>
-          </a:p>
-        </p:txBody>
-      </p:sp>
-      <p:sp>
-        <p:nvSpPr>
-          <p:cNvPr id="2" name="TextBox 1"/>
-          <p:cNvSpPr txBox="1"/>
-          <p:nvPr/>
-        </p:nvSpPr>
-        <p:spPr>
-          <a:xfrm>
-            <a:off x="684000" y="1134480"/>
-            <a:ext cx="7776000" cy="1754326"/>
-          </a:xfrm>
-          <a:prstGeom prst="rect">
-            <a:avLst/>
-          </a:prstGeom>
-          <a:noFill/>
-        </p:spPr>
-        <p:txBody>
-          <a:bodyPr wrap="square" rtlCol="0">
-            <a:spAutoFit/>
-          </a:bodyPr>
-          <a:lstStyle/>
-          <a:p>
-            <a:pPr>
-              <a:lnSpc>
-                <a:spcPct val="150000"/>
-              </a:lnSpc>
-            </a:pPr>
-            <a:r>
-              <a:rPr lang="zh-CN" altLang="en-US" sz="2400" dirty="0" smtClean="0">
-                <a:solidFill>
-                  <a:schemeClr val="tx1">
-                    <a:lumMod val="75000"/>
-                    <a:lumOff val="25000"/>
-                  </a:schemeClr>
-                </a:solidFill>
-                <a:latin typeface="微软雅黑" pitchFamily="34" charset="-122"/>
-                <a:ea typeface="微软雅黑" pitchFamily="34" charset="-122"/>
-              </a:rPr>
-              <a:t>本期我们的目标</a:t>
-            </a:r>
-            <a:r>
-              <a:rPr lang="zh-CN" altLang="en-US" sz="2400" dirty="0" smtClean="0">
-                <a:solidFill>
-                  <a:schemeClr val="tx1">
-                    <a:lumMod val="75000"/>
-                    <a:lumOff val="25000"/>
-                  </a:schemeClr>
-                </a:solidFill>
-                <a:latin typeface="微软雅黑" pitchFamily="34" charset="-122"/>
-                <a:ea typeface="微软雅黑" pitchFamily="34" charset="-122"/>
-              </a:rPr>
-              <a:t>是利用之前学习的</a:t>
-            </a:r>
-            <a:r>
-              <a:rPr lang="en-US" altLang="zh-CN" sz="2400" dirty="0" smtClean="0">
-                <a:solidFill>
-                  <a:schemeClr val="tx1">
-                    <a:lumMod val="75000"/>
-                    <a:lumOff val="25000"/>
-                  </a:schemeClr>
-                </a:solidFill>
-                <a:latin typeface="微软雅黑" pitchFamily="34" charset="-122"/>
-                <a:ea typeface="微软雅黑" pitchFamily="34" charset="-122"/>
-              </a:rPr>
-              <a:t>SVG</a:t>
-            </a:r>
-            <a:r>
-              <a:rPr lang="zh-CN" altLang="en-US" sz="2400" dirty="0" smtClean="0">
-                <a:solidFill>
-                  <a:schemeClr val="tx1">
-                    <a:lumMod val="75000"/>
-                    <a:lumOff val="25000"/>
-                  </a:schemeClr>
-                </a:solidFill>
-                <a:latin typeface="微软雅黑" pitchFamily="34" charset="-122"/>
-                <a:ea typeface="微软雅黑" pitchFamily="34" charset="-122"/>
-              </a:rPr>
-              <a:t>滤镜</a:t>
-            </a:r>
-            <a:r>
-              <a:rPr lang="zh-CN" altLang="en-US" sz="2400" dirty="0">
-                <a:solidFill>
-                  <a:schemeClr val="tx1">
-                    <a:lumMod val="75000"/>
-                    <a:lumOff val="25000"/>
-                  </a:schemeClr>
-                </a:solidFill>
-                <a:latin typeface="微软雅黑" pitchFamily="34" charset="-122"/>
-                <a:ea typeface="微软雅黑" pitchFamily="34" charset="-122"/>
-              </a:rPr>
-              <a:t>技术</a:t>
-            </a:r>
-            <a:r>
-              <a:rPr lang="zh-CN" altLang="en-US" sz="2400" dirty="0" smtClean="0">
-                <a:solidFill>
-                  <a:schemeClr val="tx1">
-                    <a:lumMod val="75000"/>
-                    <a:lumOff val="25000"/>
-                  </a:schemeClr>
-                </a:solidFill>
-                <a:latin typeface="微软雅黑" pitchFamily="34" charset="-122"/>
-                <a:ea typeface="微软雅黑" pitchFamily="34" charset="-122"/>
-              </a:rPr>
-              <a:t>，实现文本被点击时，产生水波；水波从剧烈晃动，到逐渐平静的效果</a:t>
-            </a:r>
-            <a:r>
-              <a:rPr lang="en-US" altLang="zh-CN" sz="2400" dirty="0" smtClean="0">
-                <a:solidFill>
-                  <a:schemeClr val="tx1">
-                    <a:lumMod val="75000"/>
-                    <a:lumOff val="25000"/>
-                  </a:schemeClr>
-                </a:solidFill>
-                <a:latin typeface="微软雅黑" pitchFamily="34" charset="-122"/>
-                <a:ea typeface="微软雅黑" pitchFamily="34" charset="-122"/>
-              </a:rPr>
-              <a:t>.</a:t>
-            </a:r>
-            <a:endParaRPr lang="en-US" altLang="zh-CN" sz="2400" dirty="0" smtClean="0">
-              <a:solidFill>
-                <a:schemeClr val="tx1">
-                  <a:lumMod val="75000"/>
-                  <a:lumOff val="25000"/>
-                </a:schemeClr>
-              </a:solidFill>
-              <a:latin typeface="微软雅黑" pitchFamily="34" charset="-122"/>
-              <a:ea typeface="微软雅黑" pitchFamily="34" charset="-122"/>
-            </a:endParaRPr>
-          </a:p>
-        </p:txBody>
-      </p:sp>
-    </p:spTree>
-    <p:extLst>
-      <p:ext uri="{BB962C8B-B14F-4D97-AF65-F5344CB8AC3E}">
-        <p14:creationId xmlns:p14="http://schemas.microsoft.com/office/powerpoint/2010/main" val="530281721"/>
+        <p14:creationId xmlns:p14="http://schemas.microsoft.com/office/powerpoint/2010/main" val="1796471391"/>
       </p:ext>
     </p:extLst>
   </p:cSld>
@@ -4764,854 +8155,6 @@
       </p:par>
     </p:tnLst>
   </p:timing>
-</p:sld>
-</file>
-
-<file path=ppt/slides/slide3.xml><?xml version="1.0" encoding="utf-8"?>
-<p:sld xmlns:a="http://schemas.openxmlformats.org/drawingml/2006/main" xmlns:r="http://schemas.openxmlformats.org/officeDocument/2006/relationships" xmlns:p="http://schemas.openxmlformats.org/presentationml/2006/main">
-  <p:cSld>
-    <p:spTree>
-      <p:nvGrpSpPr>
-        <p:cNvPr id="1" name=""/>
-        <p:cNvGrpSpPr/>
-        <p:nvPr/>
-      </p:nvGrpSpPr>
-      <p:grpSpPr>
-        <a:xfrm>
-          <a:off x="0" y="0"/>
-          <a:ext cx="0" cy="0"/>
-          <a:chOff x="0" y="0"/>
-          <a:chExt cx="0" cy="0"/>
-        </a:xfrm>
-      </p:grpSpPr>
-      <p:sp>
-        <p:nvSpPr>
-          <p:cNvPr id="4" name="TextBox 3"/>
-          <p:cNvSpPr txBox="1"/>
-          <p:nvPr/>
-        </p:nvSpPr>
-        <p:spPr>
-          <a:xfrm>
-            <a:off x="684000" y="476672"/>
-            <a:ext cx="7776000" cy="523220"/>
-          </a:xfrm>
-          <a:prstGeom prst="rect">
-            <a:avLst/>
-          </a:prstGeom>
-          <a:noFill/>
-        </p:spPr>
-        <p:txBody>
-          <a:bodyPr wrap="square" rtlCol="0">
-            <a:spAutoFit/>
-          </a:bodyPr>
-          <a:lstStyle/>
-          <a:p>
-            <a:r>
-              <a:rPr lang="en-US" altLang="zh-CN" sz="2800" b="1" dirty="0" smtClean="0">
-                <a:solidFill>
-                  <a:schemeClr val="tx1">
-                    <a:lumMod val="75000"/>
-                    <a:lumOff val="25000"/>
-                  </a:schemeClr>
-                </a:solidFill>
-                <a:latin typeface="微软雅黑" pitchFamily="34" charset="-122"/>
-                <a:ea typeface="微软雅黑" pitchFamily="34" charset="-122"/>
-              </a:rPr>
-              <a:t>2.</a:t>
-            </a:r>
-            <a:r>
-              <a:rPr lang="zh-CN" altLang="en-US" sz="2800" b="1" dirty="0" smtClean="0">
-                <a:solidFill>
-                  <a:schemeClr val="tx1">
-                    <a:lumMod val="75000"/>
-                    <a:lumOff val="25000"/>
-                  </a:schemeClr>
-                </a:solidFill>
-                <a:latin typeface="微软雅黑" pitchFamily="34" charset="-122"/>
-                <a:ea typeface="微软雅黑" pitchFamily="34" charset="-122"/>
-              </a:rPr>
-              <a:t>分析需求</a:t>
-            </a:r>
-            <a:r>
-              <a:rPr lang="en-US" altLang="zh-CN" sz="2800" b="1" dirty="0" smtClean="0">
-                <a:solidFill>
-                  <a:schemeClr val="tx1">
-                    <a:lumMod val="75000"/>
-                    <a:lumOff val="25000"/>
-                  </a:schemeClr>
-                </a:solidFill>
-                <a:latin typeface="微软雅黑" pitchFamily="34" charset="-122"/>
-                <a:ea typeface="微软雅黑" pitchFamily="34" charset="-122"/>
-              </a:rPr>
-              <a:t>——</a:t>
-            </a:r>
-            <a:r>
-              <a:rPr lang="zh-CN" altLang="en-US" sz="2800" b="1" dirty="0" smtClean="0">
-                <a:solidFill>
-                  <a:schemeClr val="tx1">
-                    <a:lumMod val="75000"/>
-                    <a:lumOff val="25000"/>
-                  </a:schemeClr>
-                </a:solidFill>
-                <a:latin typeface="微软雅黑" pitchFamily="34" charset="-122"/>
-                <a:ea typeface="微软雅黑" pitchFamily="34" charset="-122"/>
-              </a:rPr>
-              <a:t>庖丁解牛</a:t>
-            </a:r>
-            <a:endParaRPr lang="zh-CN" altLang="en-US" sz="2800" b="1" dirty="0">
-              <a:solidFill>
-                <a:schemeClr val="tx1">
-                  <a:lumMod val="75000"/>
-                  <a:lumOff val="25000"/>
-                </a:schemeClr>
-              </a:solidFill>
-              <a:latin typeface="微软雅黑" pitchFamily="34" charset="-122"/>
-              <a:ea typeface="微软雅黑" pitchFamily="34" charset="-122"/>
-            </a:endParaRPr>
-          </a:p>
-        </p:txBody>
-      </p:sp>
-      <p:sp>
-        <p:nvSpPr>
-          <p:cNvPr id="5" name="TextBox 4"/>
-          <p:cNvSpPr txBox="1"/>
-          <p:nvPr/>
-        </p:nvSpPr>
-        <p:spPr>
-          <a:xfrm>
-            <a:off x="684000" y="1196752"/>
-            <a:ext cx="7776000" cy="4524315"/>
-          </a:xfrm>
-          <a:prstGeom prst="rect">
-            <a:avLst/>
-          </a:prstGeom>
-          <a:noFill/>
-        </p:spPr>
-        <p:txBody>
-          <a:bodyPr wrap="square" rtlCol="0">
-            <a:spAutoFit/>
-          </a:bodyPr>
-          <a:lstStyle/>
-          <a:p>
-            <a:pPr marL="457200" indent="-457200">
-              <a:lnSpc>
-                <a:spcPct val="150000"/>
-              </a:lnSpc>
-              <a:buAutoNum type="arabicPeriod"/>
-            </a:pPr>
-            <a:r>
-              <a:rPr lang="zh-CN" altLang="en-US" sz="2400" dirty="0" smtClean="0">
-                <a:solidFill>
-                  <a:schemeClr val="tx1">
-                    <a:lumMod val="75000"/>
-                    <a:lumOff val="25000"/>
-                  </a:schemeClr>
-                </a:solidFill>
-                <a:latin typeface="微软雅黑" pitchFamily="34" charset="-122"/>
-                <a:ea typeface="微软雅黑" pitchFamily="34" charset="-122"/>
-              </a:rPr>
-              <a:t>水波的形态可以用我们之前学过的柏林噪声滤镜</a:t>
-            </a:r>
-            <a:r>
-              <a:rPr lang="en-US" altLang="zh-CN" sz="2400" dirty="0" err="1" smtClean="0">
-                <a:solidFill>
-                  <a:schemeClr val="tx1">
-                    <a:lumMod val="75000"/>
-                    <a:lumOff val="25000"/>
-                  </a:schemeClr>
-                </a:solidFill>
-                <a:latin typeface="微软雅黑" pitchFamily="34" charset="-122"/>
-                <a:ea typeface="微软雅黑" pitchFamily="34" charset="-122"/>
-              </a:rPr>
-              <a:t>feTurbulence</a:t>
-            </a:r>
-            <a:r>
-              <a:rPr lang="zh-CN" altLang="en-US" sz="2400" dirty="0" smtClean="0">
-                <a:solidFill>
-                  <a:schemeClr val="tx1">
-                    <a:lumMod val="75000"/>
-                    <a:lumOff val="25000"/>
-                  </a:schemeClr>
-                </a:solidFill>
-                <a:latin typeface="微软雅黑" pitchFamily="34" charset="-122"/>
-                <a:ea typeface="微软雅黑" pitchFamily="34" charset="-122"/>
-              </a:rPr>
-              <a:t>，结合</a:t>
-            </a:r>
-            <a:r>
-              <a:rPr lang="en-US" altLang="zh-CN" sz="2400" dirty="0" err="1" smtClean="0">
-                <a:solidFill>
-                  <a:schemeClr val="tx1">
-                    <a:lumMod val="75000"/>
-                    <a:lumOff val="25000"/>
-                  </a:schemeClr>
-                </a:solidFill>
-                <a:latin typeface="微软雅黑" pitchFamily="34" charset="-122"/>
-                <a:ea typeface="微软雅黑" pitchFamily="34" charset="-122"/>
-              </a:rPr>
-              <a:t>feDisplacementMap</a:t>
-            </a:r>
-            <a:r>
-              <a:rPr lang="zh-CN" altLang="en-US" sz="2400" dirty="0" smtClean="0">
-                <a:solidFill>
-                  <a:schemeClr val="tx1">
-                    <a:lumMod val="75000"/>
-                    <a:lumOff val="25000"/>
-                  </a:schemeClr>
-                </a:solidFill>
-                <a:latin typeface="微软雅黑" pitchFamily="34" charset="-122"/>
-                <a:ea typeface="微软雅黑" pitchFamily="34" charset="-122"/>
-              </a:rPr>
-              <a:t>扭曲文本像素。具体请参考</a:t>
-            </a:r>
-            <a:r>
-              <a:rPr lang="en-US" altLang="zh-CN" sz="2400" dirty="0" smtClean="0">
-                <a:solidFill>
-                  <a:schemeClr val="tx1">
-                    <a:lumMod val="75000"/>
-                    <a:lumOff val="25000"/>
-                  </a:schemeClr>
-                </a:solidFill>
-                <a:latin typeface="微软雅黑" pitchFamily="34" charset="-122"/>
-                <a:ea typeface="微软雅黑" pitchFamily="34" charset="-122"/>
-              </a:rPr>
-              <a:t>《SVG</a:t>
-            </a:r>
-            <a:r>
-              <a:rPr lang="zh-CN" altLang="en-US" sz="2400" dirty="0" smtClean="0">
-                <a:solidFill>
-                  <a:schemeClr val="tx1">
-                    <a:lumMod val="75000"/>
-                    <a:lumOff val="25000"/>
-                  </a:schemeClr>
-                </a:solidFill>
-                <a:latin typeface="微软雅黑" pitchFamily="34" charset="-122"/>
-                <a:ea typeface="微软雅黑" pitchFamily="34" charset="-122"/>
-              </a:rPr>
-              <a:t>滤镜（二）</a:t>
-            </a:r>
-            <a:r>
-              <a:rPr lang="en-US" altLang="zh-CN" sz="2400" dirty="0" smtClean="0">
-                <a:solidFill>
-                  <a:schemeClr val="tx1">
-                    <a:lumMod val="75000"/>
-                    <a:lumOff val="25000"/>
-                  </a:schemeClr>
-                </a:solidFill>
-                <a:latin typeface="微软雅黑" pitchFamily="34" charset="-122"/>
-                <a:ea typeface="微软雅黑" pitchFamily="34" charset="-122"/>
-              </a:rPr>
-              <a:t>》</a:t>
-            </a:r>
-            <a:r>
-              <a:rPr lang="zh-CN" altLang="en-US" sz="2400" dirty="0" smtClean="0">
-                <a:solidFill>
-                  <a:schemeClr val="tx1">
-                    <a:lumMod val="75000"/>
-                    <a:lumOff val="25000"/>
-                  </a:schemeClr>
-                </a:solidFill>
-                <a:latin typeface="微软雅黑" pitchFamily="34" charset="-122"/>
-                <a:ea typeface="微软雅黑" pitchFamily="34" charset="-122"/>
-              </a:rPr>
-              <a:t>一讲的内容</a:t>
-            </a:r>
-            <a:endParaRPr lang="en-US" altLang="zh-CN" sz="2400" dirty="0" smtClean="0">
-              <a:solidFill>
-                <a:schemeClr val="tx1">
-                  <a:lumMod val="75000"/>
-                  <a:lumOff val="25000"/>
-                </a:schemeClr>
-              </a:solidFill>
-              <a:latin typeface="微软雅黑" pitchFamily="34" charset="-122"/>
-              <a:ea typeface="微软雅黑" pitchFamily="34" charset="-122"/>
-            </a:endParaRPr>
-          </a:p>
-          <a:p>
-            <a:pPr marL="457200" indent="-457200">
-              <a:lnSpc>
-                <a:spcPct val="150000"/>
-              </a:lnSpc>
-              <a:buAutoNum type="arabicPeriod"/>
-            </a:pPr>
-            <a:r>
-              <a:rPr lang="zh-CN" altLang="en-US" sz="2400" dirty="0" smtClean="0">
-                <a:solidFill>
-                  <a:schemeClr val="tx1">
-                    <a:lumMod val="75000"/>
-                    <a:lumOff val="25000"/>
-                  </a:schemeClr>
-                </a:solidFill>
-                <a:latin typeface="微软雅黑" pitchFamily="34" charset="-122"/>
-                <a:ea typeface="微软雅黑" pitchFamily="34" charset="-122"/>
-              </a:rPr>
-              <a:t>水波的动态效果，需要我们改变噪声的频率</a:t>
-            </a:r>
-            <a:endParaRPr lang="en-US" altLang="zh-CN" sz="2400" dirty="0" smtClean="0">
-              <a:solidFill>
-                <a:schemeClr val="tx1">
-                  <a:lumMod val="75000"/>
-                  <a:lumOff val="25000"/>
-                </a:schemeClr>
-              </a:solidFill>
-              <a:latin typeface="微软雅黑" pitchFamily="34" charset="-122"/>
-              <a:ea typeface="微软雅黑" pitchFamily="34" charset="-122"/>
-            </a:endParaRPr>
-          </a:p>
-          <a:p>
-            <a:pPr marL="457200" indent="-457200">
-              <a:lnSpc>
-                <a:spcPct val="150000"/>
-              </a:lnSpc>
-              <a:buAutoNum type="arabicPeriod"/>
-            </a:pPr>
-            <a:r>
-              <a:rPr lang="zh-CN" altLang="en-US" sz="2400" dirty="0" smtClean="0">
-                <a:solidFill>
-                  <a:schemeClr val="tx1">
-                    <a:lumMod val="75000"/>
-                    <a:lumOff val="25000"/>
-                  </a:schemeClr>
-                </a:solidFill>
-                <a:latin typeface="微软雅黑" pitchFamily="34" charset="-122"/>
-                <a:ea typeface="微软雅黑" pitchFamily="34" charset="-122"/>
-              </a:rPr>
-              <a:t>水波逐渐恢复平静的过程，通过逐渐降低噪声频率，同时降低像素的位移幅度实现</a:t>
-            </a:r>
-            <a:endParaRPr lang="en-US" altLang="zh-CN" sz="2400" dirty="0" smtClean="0">
-              <a:solidFill>
-                <a:schemeClr val="tx1">
-                  <a:lumMod val="75000"/>
-                  <a:lumOff val="25000"/>
-                </a:schemeClr>
-              </a:solidFill>
-              <a:latin typeface="微软雅黑" pitchFamily="34" charset="-122"/>
-              <a:ea typeface="微软雅黑" pitchFamily="34" charset="-122"/>
-            </a:endParaRPr>
-          </a:p>
-          <a:p>
-            <a:pPr marL="457200" indent="-457200">
-              <a:lnSpc>
-                <a:spcPct val="150000"/>
-              </a:lnSpc>
-              <a:buAutoNum type="arabicPeriod"/>
-            </a:pPr>
-            <a:r>
-              <a:rPr lang="zh-CN" altLang="en-US" sz="2400" dirty="0" smtClean="0">
-                <a:solidFill>
-                  <a:schemeClr val="tx1">
-                    <a:lumMod val="75000"/>
-                    <a:lumOff val="25000"/>
-                  </a:schemeClr>
-                </a:solidFill>
-                <a:latin typeface="微软雅黑" pitchFamily="34" charset="-122"/>
-                <a:ea typeface="微软雅黑" pitchFamily="34" charset="-122"/>
-              </a:rPr>
-              <a:t>通过鼠标点击启动波动动画</a:t>
-            </a:r>
-            <a:endParaRPr lang="en-US" altLang="zh-CN" sz="2400" dirty="0" smtClean="0">
-              <a:solidFill>
-                <a:schemeClr val="tx1">
-                  <a:lumMod val="75000"/>
-                  <a:lumOff val="25000"/>
-                </a:schemeClr>
-              </a:solidFill>
-              <a:latin typeface="微软雅黑" pitchFamily="34" charset="-122"/>
-              <a:ea typeface="微软雅黑" pitchFamily="34" charset="-122"/>
-            </a:endParaRPr>
-          </a:p>
-          <a:p>
-            <a:pPr>
-              <a:lnSpc>
-                <a:spcPct val="150000"/>
-              </a:lnSpc>
-            </a:pPr>
-            <a:endParaRPr lang="en-US" altLang="zh-CN" sz="2400" dirty="0" smtClean="0">
-              <a:solidFill>
-                <a:schemeClr val="tx1">
-                  <a:lumMod val="75000"/>
-                  <a:lumOff val="25000"/>
-                </a:schemeClr>
-              </a:solidFill>
-              <a:latin typeface="微软雅黑" pitchFamily="34" charset="-122"/>
-              <a:ea typeface="微软雅黑" pitchFamily="34" charset="-122"/>
-            </a:endParaRPr>
-          </a:p>
-        </p:txBody>
-      </p:sp>
-    </p:spTree>
-    <p:extLst>
-      <p:ext uri="{BB962C8B-B14F-4D97-AF65-F5344CB8AC3E}">
-        <p14:creationId xmlns:p14="http://schemas.microsoft.com/office/powerpoint/2010/main" val="114279826"/>
-      </p:ext>
-    </p:extLst>
-  </p:cSld>
-  <p:clrMapOvr>
-    <a:masterClrMapping/>
-  </p:clrMapOvr>
-  <p:timing>
-    <p:tnLst>
-      <p:par>
-        <p:cTn id="1" dur="indefinite" restart="never" nodeType="tmRoot"/>
-      </p:par>
-    </p:tnLst>
-  </p:timing>
-</p:sld>
-</file>
-
-<file path=ppt/slides/slide4.xml><?xml version="1.0" encoding="utf-8"?>
-<p:sld xmlns:a="http://schemas.openxmlformats.org/drawingml/2006/main" xmlns:r="http://schemas.openxmlformats.org/officeDocument/2006/relationships" xmlns:p="http://schemas.openxmlformats.org/presentationml/2006/main">
-  <p:cSld>
-    <p:spTree>
-      <p:nvGrpSpPr>
-        <p:cNvPr id="1" name=""/>
-        <p:cNvGrpSpPr/>
-        <p:nvPr/>
-      </p:nvGrpSpPr>
-      <p:grpSpPr>
-        <a:xfrm>
-          <a:off x="0" y="0"/>
-          <a:ext cx="0" cy="0"/>
-          <a:chOff x="0" y="0"/>
-          <a:chExt cx="0" cy="0"/>
-        </a:xfrm>
-      </p:grpSpPr>
-      <p:sp>
-        <p:nvSpPr>
-          <p:cNvPr id="4" name="TextBox 3"/>
-          <p:cNvSpPr txBox="1"/>
-          <p:nvPr/>
-        </p:nvSpPr>
-        <p:spPr>
-          <a:xfrm>
-            <a:off x="684000" y="476672"/>
-            <a:ext cx="7776000" cy="523220"/>
-          </a:xfrm>
-          <a:prstGeom prst="rect">
-            <a:avLst/>
-          </a:prstGeom>
-          <a:noFill/>
-        </p:spPr>
-        <p:txBody>
-          <a:bodyPr wrap="square" rtlCol="0">
-            <a:spAutoFit/>
-          </a:bodyPr>
-          <a:lstStyle/>
-          <a:p>
-            <a:r>
-              <a:rPr lang="en-US" altLang="zh-CN" sz="2800" b="1" dirty="0" smtClean="0">
-                <a:solidFill>
-                  <a:schemeClr val="tx1">
-                    <a:lumMod val="75000"/>
-                    <a:lumOff val="25000"/>
-                  </a:schemeClr>
-                </a:solidFill>
-                <a:latin typeface="微软雅黑" pitchFamily="34" charset="-122"/>
-                <a:ea typeface="微软雅黑" pitchFamily="34" charset="-122"/>
-              </a:rPr>
-              <a:t>3.</a:t>
-            </a:r>
-            <a:r>
-              <a:rPr lang="zh-CN" altLang="en-US" sz="2800" b="1" dirty="0" smtClean="0">
-                <a:solidFill>
-                  <a:schemeClr val="tx1">
-                    <a:lumMod val="75000"/>
-                    <a:lumOff val="25000"/>
-                  </a:schemeClr>
-                </a:solidFill>
-                <a:latin typeface="微软雅黑" pitchFamily="34" charset="-122"/>
-                <a:ea typeface="微软雅黑" pitchFamily="34" charset="-122"/>
-              </a:rPr>
-              <a:t>水波</a:t>
-            </a:r>
-            <a:endParaRPr lang="zh-CN" altLang="en-US" sz="2800" b="1" dirty="0">
-              <a:solidFill>
-                <a:schemeClr val="tx1">
-                  <a:lumMod val="75000"/>
-                  <a:lumOff val="25000"/>
-                </a:schemeClr>
-              </a:solidFill>
-              <a:latin typeface="微软雅黑" pitchFamily="34" charset="-122"/>
-              <a:ea typeface="微软雅黑" pitchFamily="34" charset="-122"/>
-            </a:endParaRPr>
-          </a:p>
-        </p:txBody>
-      </p:sp>
-      <p:sp>
-        <p:nvSpPr>
-          <p:cNvPr id="5" name="TextBox 4"/>
-          <p:cNvSpPr txBox="1"/>
-          <p:nvPr/>
-        </p:nvSpPr>
-        <p:spPr>
-          <a:xfrm>
-            <a:off x="684000" y="1196752"/>
-            <a:ext cx="7776000" cy="4524315"/>
-          </a:xfrm>
-          <a:prstGeom prst="rect">
-            <a:avLst/>
-          </a:prstGeom>
-          <a:noFill/>
-        </p:spPr>
-        <p:txBody>
-          <a:bodyPr wrap="square" rtlCol="0">
-            <a:spAutoFit/>
-          </a:bodyPr>
-          <a:lstStyle/>
-          <a:p>
-            <a:pPr marL="457200" indent="-457200">
-              <a:lnSpc>
-                <a:spcPct val="150000"/>
-              </a:lnSpc>
-              <a:buAutoNum type="arabicPeriod"/>
-            </a:pPr>
-            <a:r>
-              <a:rPr lang="zh-CN" altLang="en-US" sz="2400" dirty="0" smtClean="0">
-                <a:solidFill>
-                  <a:schemeClr val="tx1">
-                    <a:lumMod val="75000"/>
-                    <a:lumOff val="25000"/>
-                  </a:schemeClr>
-                </a:solidFill>
-                <a:latin typeface="微软雅黑" pitchFamily="34" charset="-122"/>
-                <a:ea typeface="微软雅黑" pitchFamily="34" charset="-122"/>
-              </a:rPr>
-              <a:t>水波的形态可以用我们之前学过的柏林噪声滤镜</a:t>
-            </a:r>
-            <a:r>
-              <a:rPr lang="en-US" altLang="zh-CN" sz="2400" dirty="0" err="1" smtClean="0">
-                <a:solidFill>
-                  <a:schemeClr val="tx1">
-                    <a:lumMod val="75000"/>
-                    <a:lumOff val="25000"/>
-                  </a:schemeClr>
-                </a:solidFill>
-                <a:latin typeface="微软雅黑" pitchFamily="34" charset="-122"/>
-                <a:ea typeface="微软雅黑" pitchFamily="34" charset="-122"/>
-              </a:rPr>
-              <a:t>feTurbulence</a:t>
-            </a:r>
-            <a:r>
-              <a:rPr lang="zh-CN" altLang="en-US" sz="2400" dirty="0" smtClean="0">
-                <a:solidFill>
-                  <a:schemeClr val="tx1">
-                    <a:lumMod val="75000"/>
-                    <a:lumOff val="25000"/>
-                  </a:schemeClr>
-                </a:solidFill>
-                <a:latin typeface="微软雅黑" pitchFamily="34" charset="-122"/>
-                <a:ea typeface="微软雅黑" pitchFamily="34" charset="-122"/>
-              </a:rPr>
-              <a:t>，结合</a:t>
-            </a:r>
-            <a:r>
-              <a:rPr lang="en-US" altLang="zh-CN" sz="2400" dirty="0" err="1" smtClean="0">
-                <a:solidFill>
-                  <a:schemeClr val="tx1">
-                    <a:lumMod val="75000"/>
-                    <a:lumOff val="25000"/>
-                  </a:schemeClr>
-                </a:solidFill>
-                <a:latin typeface="微软雅黑" pitchFamily="34" charset="-122"/>
-                <a:ea typeface="微软雅黑" pitchFamily="34" charset="-122"/>
-              </a:rPr>
-              <a:t>feDisplacementMap</a:t>
-            </a:r>
-            <a:r>
-              <a:rPr lang="zh-CN" altLang="en-US" sz="2400" dirty="0" smtClean="0">
-                <a:solidFill>
-                  <a:schemeClr val="tx1">
-                    <a:lumMod val="75000"/>
-                    <a:lumOff val="25000"/>
-                  </a:schemeClr>
-                </a:solidFill>
-                <a:latin typeface="微软雅黑" pitchFamily="34" charset="-122"/>
-                <a:ea typeface="微软雅黑" pitchFamily="34" charset="-122"/>
-              </a:rPr>
-              <a:t>扭曲文本像素。具体请参考</a:t>
-            </a:r>
-            <a:r>
-              <a:rPr lang="en-US" altLang="zh-CN" sz="2400" dirty="0" smtClean="0">
-                <a:solidFill>
-                  <a:schemeClr val="tx1">
-                    <a:lumMod val="75000"/>
-                    <a:lumOff val="25000"/>
-                  </a:schemeClr>
-                </a:solidFill>
-                <a:latin typeface="微软雅黑" pitchFamily="34" charset="-122"/>
-                <a:ea typeface="微软雅黑" pitchFamily="34" charset="-122"/>
-              </a:rPr>
-              <a:t>《SVG</a:t>
-            </a:r>
-            <a:r>
-              <a:rPr lang="zh-CN" altLang="en-US" sz="2400" dirty="0" smtClean="0">
-                <a:solidFill>
-                  <a:schemeClr val="tx1">
-                    <a:lumMod val="75000"/>
-                    <a:lumOff val="25000"/>
-                  </a:schemeClr>
-                </a:solidFill>
-                <a:latin typeface="微软雅黑" pitchFamily="34" charset="-122"/>
-                <a:ea typeface="微软雅黑" pitchFamily="34" charset="-122"/>
-              </a:rPr>
-              <a:t>滤镜（二）</a:t>
-            </a:r>
-            <a:r>
-              <a:rPr lang="en-US" altLang="zh-CN" sz="2400" dirty="0" smtClean="0">
-                <a:solidFill>
-                  <a:schemeClr val="tx1">
-                    <a:lumMod val="75000"/>
-                    <a:lumOff val="25000"/>
-                  </a:schemeClr>
-                </a:solidFill>
-                <a:latin typeface="微软雅黑" pitchFamily="34" charset="-122"/>
-                <a:ea typeface="微软雅黑" pitchFamily="34" charset="-122"/>
-              </a:rPr>
-              <a:t>》</a:t>
-            </a:r>
-            <a:r>
-              <a:rPr lang="zh-CN" altLang="en-US" sz="2400" dirty="0" smtClean="0">
-                <a:solidFill>
-                  <a:schemeClr val="tx1">
-                    <a:lumMod val="75000"/>
-                    <a:lumOff val="25000"/>
-                  </a:schemeClr>
-                </a:solidFill>
-                <a:latin typeface="微软雅黑" pitchFamily="34" charset="-122"/>
-                <a:ea typeface="微软雅黑" pitchFamily="34" charset="-122"/>
-              </a:rPr>
-              <a:t>一讲的内容</a:t>
-            </a:r>
-            <a:endParaRPr lang="en-US" altLang="zh-CN" sz="2400" dirty="0" smtClean="0">
-              <a:solidFill>
-                <a:schemeClr val="tx1">
-                  <a:lumMod val="75000"/>
-                  <a:lumOff val="25000"/>
-                </a:schemeClr>
-              </a:solidFill>
-              <a:latin typeface="微软雅黑" pitchFamily="34" charset="-122"/>
-              <a:ea typeface="微软雅黑" pitchFamily="34" charset="-122"/>
-            </a:endParaRPr>
-          </a:p>
-          <a:p>
-            <a:pPr marL="457200" indent="-457200">
-              <a:lnSpc>
-                <a:spcPct val="150000"/>
-              </a:lnSpc>
-              <a:buAutoNum type="arabicPeriod"/>
-            </a:pPr>
-            <a:r>
-              <a:rPr lang="zh-CN" altLang="en-US" sz="2400" dirty="0" smtClean="0">
-                <a:solidFill>
-                  <a:schemeClr val="tx1">
-                    <a:lumMod val="75000"/>
-                    <a:lumOff val="25000"/>
-                  </a:schemeClr>
-                </a:solidFill>
-                <a:latin typeface="微软雅黑" pitchFamily="34" charset="-122"/>
-                <a:ea typeface="微软雅黑" pitchFamily="34" charset="-122"/>
-              </a:rPr>
-              <a:t>水波的动态效果，需要我们改变噪声的频率</a:t>
-            </a:r>
-            <a:endParaRPr lang="en-US" altLang="zh-CN" sz="2400" dirty="0" smtClean="0">
-              <a:solidFill>
-                <a:schemeClr val="tx1">
-                  <a:lumMod val="75000"/>
-                  <a:lumOff val="25000"/>
-                </a:schemeClr>
-              </a:solidFill>
-              <a:latin typeface="微软雅黑" pitchFamily="34" charset="-122"/>
-              <a:ea typeface="微软雅黑" pitchFamily="34" charset="-122"/>
-            </a:endParaRPr>
-          </a:p>
-          <a:p>
-            <a:pPr marL="457200" indent="-457200">
-              <a:lnSpc>
-                <a:spcPct val="150000"/>
-              </a:lnSpc>
-              <a:buAutoNum type="arabicPeriod"/>
-            </a:pPr>
-            <a:r>
-              <a:rPr lang="zh-CN" altLang="en-US" sz="2400" dirty="0" smtClean="0">
-                <a:solidFill>
-                  <a:schemeClr val="tx1">
-                    <a:lumMod val="75000"/>
-                    <a:lumOff val="25000"/>
-                  </a:schemeClr>
-                </a:solidFill>
-                <a:latin typeface="微软雅黑" pitchFamily="34" charset="-122"/>
-                <a:ea typeface="微软雅黑" pitchFamily="34" charset="-122"/>
-              </a:rPr>
-              <a:t>水波逐渐恢复平静的过程，通过逐渐降低噪声频率，同时降低像素的位移幅度实现</a:t>
-            </a:r>
-            <a:endParaRPr lang="en-US" altLang="zh-CN" sz="2400" dirty="0" smtClean="0">
-              <a:solidFill>
-                <a:schemeClr val="tx1">
-                  <a:lumMod val="75000"/>
-                  <a:lumOff val="25000"/>
-                </a:schemeClr>
-              </a:solidFill>
-              <a:latin typeface="微软雅黑" pitchFamily="34" charset="-122"/>
-              <a:ea typeface="微软雅黑" pitchFamily="34" charset="-122"/>
-            </a:endParaRPr>
-          </a:p>
-          <a:p>
-            <a:pPr marL="457200" indent="-457200">
-              <a:lnSpc>
-                <a:spcPct val="150000"/>
-              </a:lnSpc>
-              <a:buAutoNum type="arabicPeriod"/>
-            </a:pPr>
-            <a:r>
-              <a:rPr lang="zh-CN" altLang="en-US" sz="2400" dirty="0" smtClean="0">
-                <a:solidFill>
-                  <a:schemeClr val="tx1">
-                    <a:lumMod val="75000"/>
-                    <a:lumOff val="25000"/>
-                  </a:schemeClr>
-                </a:solidFill>
-                <a:latin typeface="微软雅黑" pitchFamily="34" charset="-122"/>
-                <a:ea typeface="微软雅黑" pitchFamily="34" charset="-122"/>
-              </a:rPr>
-              <a:t>通过鼠标点击启动波动动画</a:t>
-            </a:r>
-            <a:endParaRPr lang="en-US" altLang="zh-CN" sz="2400" dirty="0" smtClean="0">
-              <a:solidFill>
-                <a:schemeClr val="tx1">
-                  <a:lumMod val="75000"/>
-                  <a:lumOff val="25000"/>
-                </a:schemeClr>
-              </a:solidFill>
-              <a:latin typeface="微软雅黑" pitchFamily="34" charset="-122"/>
-              <a:ea typeface="微软雅黑" pitchFamily="34" charset="-122"/>
-            </a:endParaRPr>
-          </a:p>
-          <a:p>
-            <a:pPr>
-              <a:lnSpc>
-                <a:spcPct val="150000"/>
-              </a:lnSpc>
-            </a:pPr>
-            <a:endParaRPr lang="en-US" altLang="zh-CN" sz="2400" dirty="0" smtClean="0">
-              <a:solidFill>
-                <a:schemeClr val="tx1">
-                  <a:lumMod val="75000"/>
-                  <a:lumOff val="25000"/>
-                </a:schemeClr>
-              </a:solidFill>
-              <a:latin typeface="微软雅黑" pitchFamily="34" charset="-122"/>
-              <a:ea typeface="微软雅黑" pitchFamily="34" charset="-122"/>
-            </a:endParaRPr>
-          </a:p>
-        </p:txBody>
-      </p:sp>
-    </p:spTree>
-    <p:extLst>
-      <p:ext uri="{BB962C8B-B14F-4D97-AF65-F5344CB8AC3E}">
-        <p14:creationId xmlns:p14="http://schemas.microsoft.com/office/powerpoint/2010/main" val="3163929320"/>
-      </p:ext>
-    </p:extLst>
-  </p:cSld>
-  <p:clrMapOvr>
-    <a:masterClrMapping/>
-  </p:clrMapOvr>
-  <p:timing>
-    <p:tnLst>
-      <p:par>
-        <p:cTn id="1" dur="indefinite" restart="never" nodeType="tmRoot"/>
-      </p:par>
-    </p:tnLst>
-  </p:timing>
-</p:sld>
-</file>
-
-<file path=ppt/slides/slide5.xml><?xml version="1.0" encoding="utf-8"?>
-<p:sld xmlns:a="http://schemas.openxmlformats.org/drawingml/2006/main" xmlns:r="http://schemas.openxmlformats.org/officeDocument/2006/relationships" xmlns:p="http://schemas.openxmlformats.org/presentationml/2006/main">
-  <p:cSld>
-    <p:spTree>
-      <p:nvGrpSpPr>
-        <p:cNvPr id="1" name=""/>
-        <p:cNvGrpSpPr/>
-        <p:nvPr/>
-      </p:nvGrpSpPr>
-      <p:grpSpPr>
-        <a:xfrm>
-          <a:off x="0" y="0"/>
-          <a:ext cx="0" cy="0"/>
-          <a:chOff x="0" y="0"/>
-          <a:chExt cx="0" cy="0"/>
-        </a:xfrm>
-      </p:grpSpPr>
-    </p:spTree>
-    <p:extLst>
-      <p:ext uri="{BB962C8B-B14F-4D97-AF65-F5344CB8AC3E}">
-        <p14:creationId xmlns:p14="http://schemas.microsoft.com/office/powerpoint/2010/main" val="3417467825"/>
-      </p:ext>
-    </p:extLst>
-  </p:cSld>
-  <p:clrMapOvr>
-    <a:masterClrMapping/>
-  </p:clrMapOvr>
-</p:sld>
-</file>
-
-<file path=ppt/slides/slide6.xml><?xml version="1.0" encoding="utf-8"?>
-<p:sld xmlns:a="http://schemas.openxmlformats.org/drawingml/2006/main" xmlns:r="http://schemas.openxmlformats.org/officeDocument/2006/relationships" xmlns:p="http://schemas.openxmlformats.org/presentationml/2006/main">
-  <p:cSld>
-    <p:spTree>
-      <p:nvGrpSpPr>
-        <p:cNvPr id="1" name=""/>
-        <p:cNvGrpSpPr/>
-        <p:nvPr/>
-      </p:nvGrpSpPr>
-      <p:grpSpPr>
-        <a:xfrm>
-          <a:off x="0" y="0"/>
-          <a:ext cx="0" cy="0"/>
-          <a:chOff x="0" y="0"/>
-          <a:chExt cx="0" cy="0"/>
-        </a:xfrm>
-      </p:grpSpPr>
-    </p:spTree>
-    <p:extLst>
-      <p:ext uri="{BB962C8B-B14F-4D97-AF65-F5344CB8AC3E}">
-        <p14:creationId xmlns:p14="http://schemas.microsoft.com/office/powerpoint/2010/main" val="1817739859"/>
-      </p:ext>
-    </p:extLst>
-  </p:cSld>
-  <p:clrMapOvr>
-    <a:masterClrMapping/>
-  </p:clrMapOvr>
-</p:sld>
-</file>
-
-<file path=ppt/slides/slide7.xml><?xml version="1.0" encoding="utf-8"?>
-<p:sld xmlns:a="http://schemas.openxmlformats.org/drawingml/2006/main" xmlns:r="http://schemas.openxmlformats.org/officeDocument/2006/relationships" xmlns:p="http://schemas.openxmlformats.org/presentationml/2006/main">
-  <p:cSld>
-    <p:spTree>
-      <p:nvGrpSpPr>
-        <p:cNvPr id="1" name=""/>
-        <p:cNvGrpSpPr/>
-        <p:nvPr/>
-      </p:nvGrpSpPr>
-      <p:grpSpPr>
-        <a:xfrm>
-          <a:off x="0" y="0"/>
-          <a:ext cx="0" cy="0"/>
-          <a:chOff x="0" y="0"/>
-          <a:chExt cx="0" cy="0"/>
-        </a:xfrm>
-      </p:grpSpPr>
-    </p:spTree>
-    <p:extLst>
-      <p:ext uri="{BB962C8B-B14F-4D97-AF65-F5344CB8AC3E}">
-        <p14:creationId xmlns:p14="http://schemas.microsoft.com/office/powerpoint/2010/main" val="1817739859"/>
-      </p:ext>
-    </p:extLst>
-  </p:cSld>
-  <p:clrMapOvr>
-    <a:masterClrMapping/>
-  </p:clrMapOvr>
 </p:sld>
 </file>
 
@@ -5632,6 +8175,303 @@
           <a:chExt cx="0" cy="0"/>
         </a:xfrm>
       </p:grpSpPr>
+      <p:pic>
+        <p:nvPicPr>
+          <p:cNvPr id="2" name="图片 1" descr="屏幕剪辑"/>
+          <p:cNvPicPr>
+            <a:picLocks noChangeAspect="1"/>
+          </p:cNvPicPr>
+          <p:nvPr/>
+        </p:nvPicPr>
+        <p:blipFill>
+          <a:blip r:embed="rId2">
+            <a:extLst>
+              <a:ext uri="{28A0092B-C50C-407E-A947-70E740481C1C}">
+                <a14:useLocalDpi xmlns:a14="http://schemas.microsoft.com/office/drawing/2010/main" val="0"/>
+              </a:ext>
+            </a:extLst>
+          </a:blip>
+          <a:stretch>
+            <a:fillRect/>
+          </a:stretch>
+        </p:blipFill>
+        <p:spPr>
+          <a:xfrm>
+            <a:off x="4860032" y="764704"/>
+            <a:ext cx="3381847" cy="1295581"/>
+          </a:xfrm>
+          <a:prstGeom prst="rect">
+            <a:avLst/>
+          </a:prstGeom>
+          <a:ln>
+            <a:noFill/>
+          </a:ln>
+          <a:effectLst>
+            <a:softEdge rad="112500"/>
+          </a:effectLst>
+        </p:spPr>
+      </p:pic>
+      <p:pic>
+        <p:nvPicPr>
+          <p:cNvPr id="3" name="图片 2" descr="屏幕剪辑"/>
+          <p:cNvPicPr>
+            <a:picLocks noChangeAspect="1"/>
+          </p:cNvPicPr>
+          <p:nvPr/>
+        </p:nvPicPr>
+        <p:blipFill>
+          <a:blip r:embed="rId3">
+            <a:extLst>
+              <a:ext uri="{28A0092B-C50C-407E-A947-70E740481C1C}">
+                <a14:useLocalDpi xmlns:a14="http://schemas.microsoft.com/office/drawing/2010/main" val="0"/>
+              </a:ext>
+            </a:extLst>
+          </a:blip>
+          <a:stretch>
+            <a:fillRect/>
+          </a:stretch>
+        </p:blipFill>
+        <p:spPr>
+          <a:xfrm>
+            <a:off x="1161574" y="744651"/>
+            <a:ext cx="3410426" cy="1390844"/>
+          </a:xfrm>
+          <a:prstGeom prst="rect">
+            <a:avLst/>
+          </a:prstGeom>
+          <a:ln>
+            <a:noFill/>
+          </a:ln>
+          <a:effectLst>
+            <a:softEdge rad="112500"/>
+          </a:effectLst>
+        </p:spPr>
+      </p:pic>
+      <p:sp>
+        <p:nvSpPr>
+          <p:cNvPr id="5" name="圆角矩形标注 4"/>
+          <p:cNvSpPr/>
+          <p:nvPr/>
+        </p:nvSpPr>
+        <p:spPr>
+          <a:xfrm>
+            <a:off x="1979712" y="2276872"/>
+            <a:ext cx="2029249" cy="459494"/>
+          </a:xfrm>
+          <a:prstGeom prst="wedgeRoundRectCallout">
+            <a:avLst>
+              <a:gd name="adj1" fmla="val -29110"/>
+              <a:gd name="adj2" fmla="val -90713"/>
+              <a:gd name="adj3" fmla="val 16667"/>
+            </a:avLst>
+          </a:prstGeom>
+        </p:spPr>
+        <p:style>
+          <a:lnRef idx="2">
+            <a:schemeClr val="accent5"/>
+          </a:lnRef>
+          <a:fillRef idx="1">
+            <a:schemeClr val="lt1"/>
+          </a:fillRef>
+          <a:effectRef idx="0">
+            <a:schemeClr val="accent5"/>
+          </a:effectRef>
+          <a:fontRef idx="minor">
+            <a:schemeClr val="dk1"/>
+          </a:fontRef>
+        </p:style>
+        <p:txBody>
+          <a:bodyPr rtlCol="0" anchor="ctr"/>
+          <a:lstStyle/>
+          <a:p>
+            <a:pPr algn="ctr"/>
+            <a:r>
+              <a:rPr lang="zh-CN" altLang="en-US" sz="2000" dirty="0" smtClean="0">
+                <a:solidFill>
+                  <a:schemeClr val="tx1">
+                    <a:lumMod val="75000"/>
+                    <a:lumOff val="25000"/>
+                  </a:schemeClr>
+                </a:solidFill>
+                <a:latin typeface="微软雅黑" pitchFamily="34" charset="-122"/>
+                <a:ea typeface="微软雅黑" pitchFamily="34" charset="-122"/>
+              </a:rPr>
+              <a:t>频率</a:t>
+            </a:r>
+            <a:r>
+              <a:rPr lang="en-US" altLang="zh-CN" sz="2000" dirty="0" smtClean="0">
+                <a:solidFill>
+                  <a:schemeClr val="tx1">
+                    <a:lumMod val="75000"/>
+                    <a:lumOff val="25000"/>
+                  </a:schemeClr>
+                </a:solidFill>
+                <a:latin typeface="微软雅黑" pitchFamily="34" charset="-122"/>
+                <a:ea typeface="微软雅黑" pitchFamily="34" charset="-122"/>
+              </a:rPr>
+              <a:t>=0.03</a:t>
+            </a:r>
+            <a:endParaRPr lang="zh-CN" altLang="en-US" sz="2000" dirty="0">
+              <a:solidFill>
+                <a:schemeClr val="tx1">
+                  <a:lumMod val="75000"/>
+                  <a:lumOff val="25000"/>
+                </a:schemeClr>
+              </a:solidFill>
+              <a:latin typeface="微软雅黑" pitchFamily="34" charset="-122"/>
+              <a:ea typeface="微软雅黑" pitchFamily="34" charset="-122"/>
+            </a:endParaRPr>
+          </a:p>
+        </p:txBody>
+      </p:sp>
+      <p:sp>
+        <p:nvSpPr>
+          <p:cNvPr id="6" name="圆角矩形标注 5"/>
+          <p:cNvSpPr/>
+          <p:nvPr/>
+        </p:nvSpPr>
+        <p:spPr>
+          <a:xfrm>
+            <a:off x="5436096" y="2276872"/>
+            <a:ext cx="2029249" cy="459494"/>
+          </a:xfrm>
+          <a:prstGeom prst="wedgeRoundRectCallout">
+            <a:avLst>
+              <a:gd name="adj1" fmla="val -29110"/>
+              <a:gd name="adj2" fmla="val -90713"/>
+              <a:gd name="adj3" fmla="val 16667"/>
+            </a:avLst>
+          </a:prstGeom>
+        </p:spPr>
+        <p:style>
+          <a:lnRef idx="2">
+            <a:schemeClr val="accent5"/>
+          </a:lnRef>
+          <a:fillRef idx="1">
+            <a:schemeClr val="lt1"/>
+          </a:fillRef>
+          <a:effectRef idx="0">
+            <a:schemeClr val="accent5"/>
+          </a:effectRef>
+          <a:fontRef idx="minor">
+            <a:schemeClr val="dk1"/>
+          </a:fontRef>
+        </p:style>
+        <p:txBody>
+          <a:bodyPr rtlCol="0" anchor="ctr"/>
+          <a:lstStyle/>
+          <a:p>
+            <a:pPr algn="ctr"/>
+            <a:r>
+              <a:rPr lang="zh-CN" altLang="en-US" sz="2000" dirty="0" smtClean="0">
+                <a:solidFill>
+                  <a:schemeClr val="tx1">
+                    <a:lumMod val="75000"/>
+                    <a:lumOff val="25000"/>
+                  </a:schemeClr>
+                </a:solidFill>
+                <a:latin typeface="微软雅黑" pitchFamily="34" charset="-122"/>
+                <a:ea typeface="微软雅黑" pitchFamily="34" charset="-122"/>
+              </a:rPr>
+              <a:t>频率</a:t>
+            </a:r>
+            <a:r>
+              <a:rPr lang="en-US" altLang="zh-CN" sz="2000" dirty="0" smtClean="0">
+                <a:solidFill>
+                  <a:schemeClr val="tx1">
+                    <a:lumMod val="75000"/>
+                    <a:lumOff val="25000"/>
+                  </a:schemeClr>
+                </a:solidFill>
+                <a:latin typeface="微软雅黑" pitchFamily="34" charset="-122"/>
+                <a:ea typeface="微软雅黑" pitchFamily="34" charset="-122"/>
+              </a:rPr>
+              <a:t>=0.01</a:t>
+            </a:r>
+            <a:endParaRPr lang="zh-CN" altLang="en-US" sz="2000" dirty="0">
+              <a:solidFill>
+                <a:schemeClr val="tx1">
+                  <a:lumMod val="75000"/>
+                  <a:lumOff val="25000"/>
+                </a:schemeClr>
+              </a:solidFill>
+              <a:latin typeface="微软雅黑" pitchFamily="34" charset="-122"/>
+              <a:ea typeface="微软雅黑" pitchFamily="34" charset="-122"/>
+            </a:endParaRPr>
+          </a:p>
+        </p:txBody>
+      </p:sp>
+      <p:pic>
+        <p:nvPicPr>
+          <p:cNvPr id="7" name="图片 6" descr="屏幕剪辑"/>
+          <p:cNvPicPr>
+            <a:picLocks noChangeAspect="1"/>
+          </p:cNvPicPr>
+          <p:nvPr/>
+        </p:nvPicPr>
+        <p:blipFill>
+          <a:blip r:embed="rId4">
+            <a:extLst>
+              <a:ext uri="{28A0092B-C50C-407E-A947-70E740481C1C}">
+                <a14:useLocalDpi xmlns:a14="http://schemas.microsoft.com/office/drawing/2010/main" val="0"/>
+              </a:ext>
+            </a:extLst>
+          </a:blip>
+          <a:stretch>
+            <a:fillRect/>
+          </a:stretch>
+        </p:blipFill>
+        <p:spPr>
+          <a:xfrm>
+            <a:off x="1565386" y="3060390"/>
+            <a:ext cx="2857899" cy="1171739"/>
+          </a:xfrm>
+          <a:prstGeom prst="rect">
+            <a:avLst/>
+          </a:prstGeom>
+          <a:ln>
+            <a:noFill/>
+          </a:ln>
+          <a:effectLst>
+            <a:softEdge rad="112500"/>
+          </a:effectLst>
+        </p:spPr>
+      </p:pic>
+      <p:pic>
+        <p:nvPicPr>
+          <p:cNvPr id="8" name="图片 7" descr="屏幕剪辑"/>
+          <p:cNvPicPr>
+            <a:picLocks noChangeAspect="1"/>
+          </p:cNvPicPr>
+          <p:nvPr/>
+        </p:nvPicPr>
+        <p:blipFill rotWithShape="1">
+          <a:blip r:embed="rId5">
+            <a:extLst>
+              <a:ext uri="{28A0092B-C50C-407E-A947-70E740481C1C}">
+                <a14:useLocalDpi xmlns:a14="http://schemas.microsoft.com/office/drawing/2010/main" val="0"/>
+              </a:ext>
+            </a:extLst>
+          </a:blip>
+          <a:srcRect t="7281" b="9976"/>
+          <a:stretch/>
+        </p:blipFill>
+        <p:spPr>
+          <a:xfrm>
+            <a:off x="4973804" y="3058529"/>
+            <a:ext cx="3154301" cy="1173600"/>
+          </a:xfrm>
+          <a:prstGeom prst="rect">
+            <a:avLst/>
+          </a:prstGeom>
+          <a:ln>
+            <a:noFill/>
+          </a:ln>
+          <a:effectLst>
+            <a:softEdge rad="112500"/>
+          </a:effectLst>
+        </p:spPr>
+      </p:pic>
     </p:spTree>
     <p:extLst>
       <p:ext uri="{BB962C8B-B14F-4D97-AF65-F5344CB8AC3E}">
@@ -5662,16 +8502,502 @@
           <a:chExt cx="0" cy="0"/>
         </a:xfrm>
       </p:grpSpPr>
+      <p:sp>
+        <p:nvSpPr>
+          <p:cNvPr id="4" name="TextBox 3"/>
+          <p:cNvSpPr txBox="1"/>
+          <p:nvPr/>
+        </p:nvSpPr>
+        <p:spPr>
+          <a:xfrm>
+            <a:off x="684000" y="44624"/>
+            <a:ext cx="7776000" cy="523220"/>
+          </a:xfrm>
+          <a:prstGeom prst="rect">
+            <a:avLst/>
+          </a:prstGeom>
+          <a:noFill/>
+        </p:spPr>
+        <p:txBody>
+          <a:bodyPr wrap="square" rtlCol="0">
+            <a:spAutoFit/>
+          </a:bodyPr>
+          <a:lstStyle/>
+          <a:p>
+            <a:r>
+              <a:rPr lang="en-US" altLang="zh-CN" sz="2800" b="1" dirty="0" smtClean="0">
+                <a:solidFill>
+                  <a:schemeClr val="tx1">
+                    <a:lumMod val="75000"/>
+                    <a:lumOff val="25000"/>
+                  </a:schemeClr>
+                </a:solidFill>
+                <a:latin typeface="微软雅黑" pitchFamily="34" charset="-122"/>
+                <a:ea typeface="微软雅黑" pitchFamily="34" charset="-122"/>
+              </a:rPr>
+              <a:t>5.</a:t>
+            </a:r>
+            <a:r>
+              <a:rPr lang="zh-CN" altLang="en-US" sz="2800" b="1" dirty="0" smtClean="0">
+                <a:solidFill>
+                  <a:schemeClr val="tx1">
+                    <a:lumMod val="75000"/>
+                    <a:lumOff val="25000"/>
+                  </a:schemeClr>
+                </a:solidFill>
+                <a:latin typeface="微软雅黑" pitchFamily="34" charset="-122"/>
+                <a:ea typeface="微软雅黑" pitchFamily="34" charset="-122"/>
+              </a:rPr>
+              <a:t>让水波动逐渐平静</a:t>
+            </a:r>
+            <a:endParaRPr lang="zh-CN" altLang="en-US" sz="2800" b="1" dirty="0">
+              <a:solidFill>
+                <a:schemeClr val="tx1">
+                  <a:lumMod val="75000"/>
+                  <a:lumOff val="25000"/>
+                </a:schemeClr>
+              </a:solidFill>
+              <a:latin typeface="微软雅黑" pitchFamily="34" charset="-122"/>
+              <a:ea typeface="微软雅黑" pitchFamily="34" charset="-122"/>
+            </a:endParaRPr>
+          </a:p>
+        </p:txBody>
+      </p:sp>
+      <p:sp>
+        <p:nvSpPr>
+          <p:cNvPr id="5" name="TextBox 4"/>
+          <p:cNvSpPr txBox="1"/>
+          <p:nvPr/>
+        </p:nvSpPr>
+        <p:spPr>
+          <a:xfrm>
+            <a:off x="684000" y="476672"/>
+            <a:ext cx="7776000" cy="2308324"/>
+          </a:xfrm>
+          <a:prstGeom prst="rect">
+            <a:avLst/>
+          </a:prstGeom>
+          <a:noFill/>
+        </p:spPr>
+        <p:txBody>
+          <a:bodyPr wrap="square" rtlCol="0">
+            <a:spAutoFit/>
+          </a:bodyPr>
+          <a:lstStyle/>
+          <a:p>
+            <a:pPr>
+              <a:lnSpc>
+                <a:spcPct val="150000"/>
+              </a:lnSpc>
+            </a:pPr>
+            <a:r>
+              <a:rPr lang="zh-CN" altLang="en-US" sz="2400" dirty="0" smtClean="0">
+                <a:solidFill>
+                  <a:schemeClr val="tx1">
+                    <a:lumMod val="75000"/>
+                    <a:lumOff val="25000"/>
+                  </a:schemeClr>
+                </a:solidFill>
+                <a:latin typeface="微软雅黑" pitchFamily="34" charset="-122"/>
+                <a:ea typeface="微软雅黑" pitchFamily="34" charset="-122"/>
+              </a:rPr>
+              <a:t>我们让噪声频率降低到</a:t>
+            </a:r>
+            <a:r>
+              <a:rPr lang="en-US" altLang="zh-CN" sz="2400" dirty="0" smtClean="0">
+                <a:solidFill>
+                  <a:schemeClr val="tx1">
+                    <a:lumMod val="75000"/>
+                    <a:lumOff val="25000"/>
+                  </a:schemeClr>
+                </a:solidFill>
+                <a:latin typeface="微软雅黑" pitchFamily="34" charset="-122"/>
+                <a:ea typeface="微软雅黑" pitchFamily="34" charset="-122"/>
+              </a:rPr>
+              <a:t>0.01</a:t>
+            </a:r>
+            <a:r>
+              <a:rPr lang="zh-CN" altLang="en-US" sz="2400" dirty="0" smtClean="0">
+                <a:solidFill>
+                  <a:schemeClr val="tx1">
+                    <a:lumMod val="75000"/>
+                    <a:lumOff val="25000"/>
+                  </a:schemeClr>
+                </a:solidFill>
+                <a:latin typeface="微软雅黑" pitchFamily="34" charset="-122"/>
+                <a:ea typeface="微软雅黑" pitchFamily="34" charset="-122"/>
+              </a:rPr>
+              <a:t>是比较合适范围，但是这个过程中，文字波动并不会完全停止，我们需要改变</a:t>
+            </a:r>
+            <a:r>
+              <a:rPr lang="en-US" altLang="zh-CN" sz="2400" dirty="0" err="1" smtClean="0">
+                <a:solidFill>
+                  <a:schemeClr val="tx1">
+                    <a:lumMod val="75000"/>
+                    <a:lumOff val="25000"/>
+                  </a:schemeClr>
+                </a:solidFill>
+                <a:latin typeface="微软雅黑" pitchFamily="34" charset="-122"/>
+                <a:ea typeface="微软雅黑" pitchFamily="34" charset="-122"/>
+              </a:rPr>
+              <a:t>feDisplacementMap</a:t>
+            </a:r>
+            <a:r>
+              <a:rPr lang="zh-CN" altLang="en-US" sz="2400" dirty="0" smtClean="0">
+                <a:solidFill>
+                  <a:schemeClr val="tx1">
+                    <a:lumMod val="75000"/>
+                    <a:lumOff val="25000"/>
+                  </a:schemeClr>
+                </a:solidFill>
+                <a:latin typeface="微软雅黑" pitchFamily="34" charset="-122"/>
+                <a:ea typeface="微软雅黑" pitchFamily="34" charset="-122"/>
+              </a:rPr>
+              <a:t>滤镜的</a:t>
+            </a:r>
+            <a:r>
+              <a:rPr lang="en-US" altLang="zh-CN" sz="2400" dirty="0" smtClean="0">
+                <a:solidFill>
+                  <a:schemeClr val="tx1">
+                    <a:lumMod val="75000"/>
+                    <a:lumOff val="25000"/>
+                  </a:schemeClr>
+                </a:solidFill>
+                <a:latin typeface="微软雅黑" pitchFamily="34" charset="-122"/>
+                <a:ea typeface="微软雅黑" pitchFamily="34" charset="-122"/>
+              </a:rPr>
+              <a:t>scale</a:t>
+            </a:r>
+            <a:r>
+              <a:rPr lang="zh-CN" altLang="en-US" sz="2400" dirty="0" smtClean="0">
+                <a:solidFill>
+                  <a:schemeClr val="tx1">
+                    <a:lumMod val="75000"/>
+                    <a:lumOff val="25000"/>
+                  </a:schemeClr>
+                </a:solidFill>
+                <a:latin typeface="微软雅黑" pitchFamily="34" charset="-122"/>
+                <a:ea typeface="微软雅黑" pitchFamily="34" charset="-122"/>
+              </a:rPr>
+              <a:t>属性来实现。让</a:t>
+            </a:r>
+            <a:r>
+              <a:rPr lang="en-US" altLang="zh-CN" sz="2400" dirty="0" smtClean="0">
+                <a:solidFill>
+                  <a:schemeClr val="tx1">
+                    <a:lumMod val="75000"/>
+                    <a:lumOff val="25000"/>
+                  </a:schemeClr>
+                </a:solidFill>
+                <a:latin typeface="微软雅黑" pitchFamily="34" charset="-122"/>
+                <a:ea typeface="微软雅黑" pitchFamily="34" charset="-122"/>
+              </a:rPr>
+              <a:t>scale</a:t>
+            </a:r>
+            <a:r>
+              <a:rPr lang="zh-CN" altLang="en-US" sz="2400" dirty="0" smtClean="0">
+                <a:solidFill>
+                  <a:schemeClr val="tx1">
+                    <a:lumMod val="75000"/>
+                    <a:lumOff val="25000"/>
+                  </a:schemeClr>
+                </a:solidFill>
+                <a:latin typeface="微软雅黑" pitchFamily="34" charset="-122"/>
+                <a:ea typeface="微软雅黑" pitchFamily="34" charset="-122"/>
+              </a:rPr>
+              <a:t>逐渐降低，像素的改变逐渐变成</a:t>
+            </a:r>
+            <a:r>
+              <a:rPr lang="en-US" altLang="zh-CN" sz="2400" dirty="0" smtClean="0">
+                <a:solidFill>
+                  <a:schemeClr val="tx1">
+                    <a:lumMod val="75000"/>
+                    <a:lumOff val="25000"/>
+                  </a:schemeClr>
+                </a:solidFill>
+                <a:latin typeface="微软雅黑" pitchFamily="34" charset="-122"/>
+                <a:ea typeface="微软雅黑" pitchFamily="34" charset="-122"/>
+              </a:rPr>
+              <a:t>0</a:t>
+            </a:r>
+            <a:r>
+              <a:rPr lang="zh-CN" altLang="en-US" sz="2400" dirty="0" smtClean="0">
+                <a:solidFill>
+                  <a:schemeClr val="tx1">
+                    <a:lumMod val="75000"/>
+                    <a:lumOff val="25000"/>
+                  </a:schemeClr>
+                </a:solidFill>
+                <a:latin typeface="微软雅黑" pitchFamily="34" charset="-122"/>
+                <a:ea typeface="微软雅黑" pitchFamily="34" charset="-122"/>
+              </a:rPr>
+              <a:t>，文字就完全平静了。</a:t>
+            </a:r>
+            <a:endParaRPr lang="en-US" altLang="zh-CN" sz="2400" dirty="0" smtClean="0">
+              <a:solidFill>
+                <a:schemeClr val="tx1">
+                  <a:lumMod val="75000"/>
+                  <a:lumOff val="25000"/>
+                </a:schemeClr>
+              </a:solidFill>
+              <a:latin typeface="微软雅黑" pitchFamily="34" charset="-122"/>
+              <a:ea typeface="微软雅黑" pitchFamily="34" charset="-122"/>
+            </a:endParaRPr>
+          </a:p>
+        </p:txBody>
+      </p:sp>
+      <p:pic>
+        <p:nvPicPr>
+          <p:cNvPr id="2" name="图片 1" descr="屏幕剪辑"/>
+          <p:cNvPicPr>
+            <a:picLocks noChangeAspect="1"/>
+          </p:cNvPicPr>
+          <p:nvPr/>
+        </p:nvPicPr>
+        <p:blipFill>
+          <a:blip r:embed="rId2">
+            <a:extLst>
+              <a:ext uri="{28A0092B-C50C-407E-A947-70E740481C1C}">
+                <a14:useLocalDpi xmlns:a14="http://schemas.microsoft.com/office/drawing/2010/main" val="0"/>
+              </a:ext>
+            </a:extLst>
+          </a:blip>
+          <a:stretch>
+            <a:fillRect/>
+          </a:stretch>
+        </p:blipFill>
+        <p:spPr>
+          <a:xfrm>
+            <a:off x="1907704" y="2802864"/>
+            <a:ext cx="4286848" cy="2629267"/>
+          </a:xfrm>
+          <a:prstGeom prst="rect">
+            <a:avLst/>
+          </a:prstGeom>
+          <a:ln>
+            <a:noFill/>
+          </a:ln>
+          <a:effectLst>
+            <a:outerShdw blurRad="292100" dist="139700" dir="2700000" algn="tl" rotWithShape="0">
+              <a:srgbClr val="333333">
+                <a:alpha val="65000"/>
+              </a:srgbClr>
+            </a:outerShdw>
+          </a:effectLst>
+        </p:spPr>
+      </p:pic>
+      <p:sp>
+        <p:nvSpPr>
+          <p:cNvPr id="9" name="圆角矩形标注 8"/>
+          <p:cNvSpPr/>
+          <p:nvPr/>
+        </p:nvSpPr>
+        <p:spPr>
+          <a:xfrm>
+            <a:off x="4283968" y="4005064"/>
+            <a:ext cx="2880320" cy="459494"/>
+          </a:xfrm>
+          <a:prstGeom prst="wedgeRoundRectCallout">
+            <a:avLst>
+              <a:gd name="adj1" fmla="val -58103"/>
+              <a:gd name="adj2" fmla="val 4265"/>
+              <a:gd name="adj3" fmla="val 16667"/>
+            </a:avLst>
+          </a:prstGeom>
+        </p:spPr>
+        <p:style>
+          <a:lnRef idx="2">
+            <a:schemeClr val="accent5"/>
+          </a:lnRef>
+          <a:fillRef idx="1">
+            <a:schemeClr val="lt1"/>
+          </a:fillRef>
+          <a:effectRef idx="0">
+            <a:schemeClr val="accent5"/>
+          </a:effectRef>
+          <a:fontRef idx="minor">
+            <a:schemeClr val="dk1"/>
+          </a:fontRef>
+        </p:style>
+        <p:txBody>
+          <a:bodyPr rtlCol="0" anchor="ctr"/>
+          <a:lstStyle/>
+          <a:p>
+            <a:pPr algn="ctr"/>
+            <a:r>
+              <a:rPr lang="zh-CN" altLang="en-US" sz="2000" dirty="0" smtClean="0">
+                <a:solidFill>
+                  <a:schemeClr val="tx1">
+                    <a:lumMod val="75000"/>
+                    <a:lumOff val="25000"/>
+                  </a:schemeClr>
+                </a:solidFill>
+                <a:latin typeface="微软雅黑" pitchFamily="34" charset="-122"/>
+                <a:ea typeface="微软雅黑" pitchFamily="34" charset="-122"/>
+              </a:rPr>
+              <a:t>位移幅度从</a:t>
+            </a:r>
+            <a:r>
+              <a:rPr lang="en-US" altLang="zh-CN" sz="2000" dirty="0" smtClean="0">
+                <a:solidFill>
+                  <a:schemeClr val="tx1">
+                    <a:lumMod val="75000"/>
+                    <a:lumOff val="25000"/>
+                  </a:schemeClr>
+                </a:solidFill>
+                <a:latin typeface="微软雅黑" pitchFamily="34" charset="-122"/>
+                <a:ea typeface="微软雅黑" pitchFamily="34" charset="-122"/>
+              </a:rPr>
+              <a:t>50</a:t>
+            </a:r>
+            <a:r>
+              <a:rPr lang="zh-CN" altLang="en-US" sz="2000" dirty="0" smtClean="0">
+                <a:solidFill>
+                  <a:schemeClr val="tx1">
+                    <a:lumMod val="75000"/>
+                    <a:lumOff val="25000"/>
+                  </a:schemeClr>
+                </a:solidFill>
+                <a:latin typeface="微软雅黑" pitchFamily="34" charset="-122"/>
+                <a:ea typeface="微软雅黑" pitchFamily="34" charset="-122"/>
+              </a:rPr>
+              <a:t>到</a:t>
+            </a:r>
+            <a:r>
+              <a:rPr lang="en-US" altLang="zh-CN" sz="2000" dirty="0" smtClean="0">
+                <a:solidFill>
+                  <a:schemeClr val="tx1">
+                    <a:lumMod val="75000"/>
+                    <a:lumOff val="25000"/>
+                  </a:schemeClr>
+                </a:solidFill>
+                <a:latin typeface="微软雅黑" pitchFamily="34" charset="-122"/>
+                <a:ea typeface="微软雅黑" pitchFamily="34" charset="-122"/>
+              </a:rPr>
+              <a:t>0</a:t>
+            </a:r>
+            <a:endParaRPr lang="zh-CN" altLang="en-US" sz="2000" dirty="0">
+              <a:solidFill>
+                <a:schemeClr val="tx1">
+                  <a:lumMod val="75000"/>
+                  <a:lumOff val="25000"/>
+                </a:schemeClr>
+              </a:solidFill>
+              <a:latin typeface="微软雅黑" pitchFamily="34" charset="-122"/>
+              <a:ea typeface="微软雅黑" pitchFamily="34" charset="-122"/>
+            </a:endParaRPr>
+          </a:p>
+        </p:txBody>
+      </p:sp>
+      <p:sp>
+        <p:nvSpPr>
+          <p:cNvPr id="12" name="矩形 11"/>
+          <p:cNvSpPr/>
+          <p:nvPr/>
+        </p:nvSpPr>
+        <p:spPr>
+          <a:xfrm>
+            <a:off x="3995936" y="3068960"/>
+            <a:ext cx="964768" cy="360040"/>
+          </a:xfrm>
+          <a:prstGeom prst="rect">
+            <a:avLst/>
+          </a:prstGeom>
+          <a:noFill/>
+          <a:ln w="28575">
+            <a:solidFill>
+              <a:srgbClr val="FFFF00"/>
+            </a:solidFill>
+          </a:ln>
+        </p:spPr>
+        <p:style>
+          <a:lnRef idx="2">
+            <a:schemeClr val="accent1">
+              <a:shade val="50000"/>
+            </a:schemeClr>
+          </a:lnRef>
+          <a:fillRef idx="1">
+            <a:schemeClr val="accent1"/>
+          </a:fillRef>
+          <a:effectRef idx="0">
+            <a:schemeClr val="accent1"/>
+          </a:effectRef>
+          <a:fontRef idx="minor">
+            <a:schemeClr val="lt1"/>
+          </a:fontRef>
+        </p:style>
+        <p:txBody>
+          <a:bodyPr rtlCol="0" anchor="ctr"/>
+          <a:lstStyle/>
+          <a:p>
+            <a:pPr algn="ctr"/>
+            <a:endParaRPr lang="zh-CN" altLang="en-US"/>
+          </a:p>
+        </p:txBody>
+      </p:sp>
+      <p:sp>
+        <p:nvSpPr>
+          <p:cNvPr id="15" name="矩形 14"/>
+          <p:cNvSpPr/>
+          <p:nvPr/>
+        </p:nvSpPr>
+        <p:spPr>
+          <a:xfrm>
+            <a:off x="2195736" y="4094127"/>
+            <a:ext cx="1800200" cy="360040"/>
+          </a:xfrm>
+          <a:prstGeom prst="rect">
+            <a:avLst/>
+          </a:prstGeom>
+          <a:noFill/>
+          <a:ln w="28575">
+            <a:solidFill>
+              <a:srgbClr val="FFFF00"/>
+            </a:solidFill>
+          </a:ln>
+        </p:spPr>
+        <p:style>
+          <a:lnRef idx="2">
+            <a:schemeClr val="accent1">
+              <a:shade val="50000"/>
+            </a:schemeClr>
+          </a:lnRef>
+          <a:fillRef idx="1">
+            <a:schemeClr val="accent1"/>
+          </a:fillRef>
+          <a:effectRef idx="0">
+            <a:schemeClr val="accent1"/>
+          </a:effectRef>
+          <a:fontRef idx="minor">
+            <a:schemeClr val="lt1"/>
+          </a:fontRef>
+        </p:style>
+        <p:txBody>
+          <a:bodyPr rtlCol="0" anchor="ctr"/>
+          <a:lstStyle/>
+          <a:p>
+            <a:pPr algn="ctr"/>
+            <a:endParaRPr lang="zh-CN" altLang="en-US"/>
+          </a:p>
+        </p:txBody>
+      </p:sp>
     </p:spTree>
     <p:extLst>
       <p:ext uri="{BB962C8B-B14F-4D97-AF65-F5344CB8AC3E}">
-        <p14:creationId xmlns:p14="http://schemas.microsoft.com/office/powerpoint/2010/main" val="1817739859"/>
+        <p14:creationId xmlns:p14="http://schemas.microsoft.com/office/powerpoint/2010/main" val="2365391434"/>
       </p:ext>
     </p:extLst>
   </p:cSld>
   <p:clrMapOvr>
     <a:masterClrMapping/>
   </p:clrMapOvr>
+  <p:timing>
+    <p:tnLst>
+      <p:par>
+        <p:cTn id="1" dur="indefinite" restart="never" nodeType="tmRoot"/>
+      </p:par>
+    </p:tnLst>
+  </p:timing>
 </p:sld>
 </file>
 
@@ -6215,7 +9541,7 @@
   <a:extraClrSchemeLst/>
   <a:extLst>
     <a:ext uri="{05A4C25C-085E-4340-85A3-A5531E510DB2}">
-      <thm15:themeFamily xmlns="" xmlns:thm15="http://schemas.microsoft.com/office/thememl/2012/main" name="Office Theme" id="{62F939B6-93AF-4DB8-9C6B-D6C7DFDC589F}" vid="{4A3C46E8-61CC-4603-A589-7422A47A8E4A}"/>
+      <thm15:themeFamily xmlns:thm15="http://schemas.microsoft.com/office/thememl/2012/main" xmlns="" name="Office Theme" id="{62F939B6-93AF-4DB8-9C6B-D6C7DFDC589F}" vid="{4A3C46E8-61CC-4603-A589-7422A47A8E4A}"/>
     </a:ext>
   </a:extLst>
 </a:theme>
